--- a/이주훈-크롤링 계획서.pptx
+++ b/이주훈-크롤링 계획서.pptx
@@ -1,6 +1,6 @@
 
 <file path=ppt/presentation.xml><?xml version="1.0" encoding="utf-8"?>
-<p:presentation xmlns:r="http://schemas.openxmlformats.org/officeDocument/2006/relationships" xmlns:c="http://schemas.openxmlformats.org/drawingml/2006/chart" xmlns:a="http://schemas.openxmlformats.org/drawingml/2006/main" xmlns:dgm="http://schemas.openxmlformats.org/drawingml/2006/diagram" xmlns:dsp="http://schemas.microsoft.com/office/drawing/2008/diagram" xmlns:p="http://schemas.openxmlformats.org/presentationml/2006/main" saveSubsetFonts="1">
+<p:presentation xmlns:a="http://schemas.openxmlformats.org/drawingml/2006/main" xmlns:r="http://schemas.openxmlformats.org/officeDocument/2006/relationships" xmlns:p="http://schemas.openxmlformats.org/presentationml/2006/main" saveSubsetFonts="1">
   <p:sldMasterIdLst>
     <p:sldMasterId id="2147483768" r:id="rId1"/>
   </p:sldMasterIdLst>
@@ -111,11 +111,27 @@
       </a:defRPr>
     </a:lvl9pPr>
   </p:defaultTextStyle>
+  <p:extLst>
+    <p:ext uri="{EFAFB233-063F-42B5-8137-9DF3F51BA10A}">
+      <p15:sldGuideLst xmlns:p15="http://schemas.microsoft.com/office/powerpoint/2012/main">
+        <p15:guide id="1" orient="horz" pos="2159">
+          <p15:clr>
+            <a:srgbClr val="A4A3A4"/>
+          </p15:clr>
+        </p15:guide>
+        <p15:guide id="2" pos="3839">
+          <p15:clr>
+            <a:srgbClr val="A4A3A4"/>
+          </p15:clr>
+        </p15:guide>
+      </p15:sldGuideLst>
+    </p:ext>
+  </p:extLst>
 </p:presentation>
 </file>
 
 <file path=ppt/slideLayouts/slideLayout1.xml><?xml version="1.0" encoding="utf-8"?>
-<p:sldLayout xmlns:r="http://schemas.openxmlformats.org/officeDocument/2006/relationships" xmlns:c="http://schemas.openxmlformats.org/drawingml/2006/chart" xmlns:a="http://schemas.openxmlformats.org/drawingml/2006/main" xmlns:dgm="http://schemas.openxmlformats.org/drawingml/2006/diagram" xmlns:dsp="http://schemas.microsoft.com/office/drawing/2008/diagram" xmlns:p="http://schemas.openxmlformats.org/presentationml/2006/main" showMasterSp="0" showMasterPhAnim="1" matchingName="제목 슬라이드" type="title" preserve="1">
+<p:sldLayout xmlns:a="http://schemas.openxmlformats.org/drawingml/2006/main" xmlns:r="http://schemas.openxmlformats.org/officeDocument/2006/relationships" xmlns:p="http://schemas.openxmlformats.org/presentationml/2006/main" showMasterSp="0" matchingName="제목 슬라이드" type="title" preserve="1">
   <p:cSld name="제목 슬라이드">
     <p:bg>
       <p:bgRef idx="1002">
@@ -138,7 +154,7 @@
       </p:grpSpPr>
       <p:sp>
         <p:nvSpPr>
-          <p:cNvPr id="29" name=""/>
+          <p:cNvPr id="29" name="직각 삼각형 28"/>
           <p:cNvSpPr/>
           <p:nvPr/>
         </p:nvSpPr>
@@ -179,6 +195,7 @@
         </p:spPr>
         <p:txBody>
           <a:bodyPr anchor="ctr"/>
+          <a:lstStyle/>
           <a:p>
             <a:pPr algn="ctr">
               <a:defRPr lang="ko-KR" altLang="en-US"/>
@@ -189,7 +206,7 @@
       </p:sp>
       <p:grpSp>
         <p:nvGrpSpPr>
-          <p:cNvPr id="4" name=""/>
+          <p:cNvPr id="4" name="그룹 3"/>
           <p:cNvGrpSpPr/>
           <p:nvPr/>
         </p:nvGrpSpPr>
@@ -203,7 +220,7 @@
         </p:grpSpPr>
         <p:sp>
           <p:nvSpPr>
-            <p:cNvPr id="31" name=""/>
+            <p:cNvPr id="31" name="타원 30"/>
             <p:cNvSpPr/>
             <p:nvPr/>
           </p:nvSpPr>
@@ -244,6 +261,7 @@
           </p:style>
           <p:txBody>
             <a:bodyPr anchor="ctr"/>
+            <a:lstStyle/>
             <a:p>
               <a:pPr algn="ctr">
                 <a:defRPr lang="ko-KR" altLang="en-US"/>
@@ -254,7 +272,7 @@
         </p:sp>
         <p:sp>
           <p:nvSpPr>
-            <p:cNvPr id="32" name=""/>
+            <p:cNvPr id="32" name="타원 31"/>
             <p:cNvSpPr/>
             <p:nvPr/>
           </p:nvSpPr>
@@ -295,6 +313,7 @@
           </p:style>
           <p:txBody>
             <a:bodyPr anchor="ctr"/>
+            <a:lstStyle/>
             <a:p>
               <a:pPr algn="ctr">
                 <a:defRPr lang="ko-KR" altLang="en-US"/>
@@ -305,7 +324,7 @@
         </p:sp>
         <p:sp>
           <p:nvSpPr>
-            <p:cNvPr id="35" name=""/>
+            <p:cNvPr id="35" name="타원 34"/>
             <p:cNvSpPr/>
             <p:nvPr/>
           </p:nvSpPr>
@@ -346,6 +365,7 @@
           </p:style>
           <p:txBody>
             <a:bodyPr anchor="ctr"/>
+            <a:lstStyle/>
             <a:p>
               <a:pPr algn="ctr">
                 <a:defRPr lang="ko-KR" altLang="en-US"/>
@@ -356,7 +376,7 @@
         </p:sp>
         <p:sp>
           <p:nvSpPr>
-            <p:cNvPr id="36" name=""/>
+            <p:cNvPr id="36" name="타원 35"/>
             <p:cNvSpPr/>
             <p:nvPr/>
           </p:nvSpPr>
@@ -396,6 +416,7 @@
           </p:style>
           <p:txBody>
             <a:bodyPr anchor="ctr"/>
+            <a:lstStyle/>
             <a:p>
               <a:pPr algn="ctr">
                 <a:defRPr lang="ko-KR" altLang="en-US"/>
@@ -406,7 +427,7 @@
         </p:sp>
         <p:sp>
           <p:nvSpPr>
-            <p:cNvPr id="37" name=""/>
+            <p:cNvPr id="37" name="타원 36"/>
             <p:cNvSpPr/>
             <p:nvPr/>
           </p:nvSpPr>
@@ -445,6 +466,7 @@
           </p:style>
           <p:txBody>
             <a:bodyPr anchor="ctr"/>
+            <a:lstStyle/>
             <a:p>
               <a:pPr algn="ctr">
                 <a:defRPr lang="ko-KR" altLang="en-US"/>
@@ -455,7 +477,7 @@
         </p:sp>
         <p:sp>
           <p:nvSpPr>
-            <p:cNvPr id="38" name=""/>
+            <p:cNvPr id="38" name="타원 37"/>
             <p:cNvSpPr/>
             <p:nvPr/>
           </p:nvSpPr>
@@ -496,6 +518,7 @@
           </p:style>
           <p:txBody>
             <a:bodyPr anchor="ctr"/>
+            <a:lstStyle/>
             <a:p>
               <a:pPr algn="ctr">
                 <a:defRPr lang="ko-KR" altLang="en-US"/>
@@ -506,7 +529,7 @@
         </p:sp>
         <p:sp>
           <p:nvSpPr>
-            <p:cNvPr id="39" name=""/>
+            <p:cNvPr id="39" name="타원 38"/>
             <p:cNvSpPr/>
             <p:nvPr/>
           </p:nvSpPr>
@@ -545,6 +568,7 @@
           </p:style>
           <p:txBody>
             <a:bodyPr anchor="ctr"/>
+            <a:lstStyle/>
             <a:p>
               <a:pPr algn="ctr">
                 <a:defRPr lang="ko-KR" altLang="en-US"/>
@@ -555,7 +579,7 @@
         </p:sp>
         <p:sp>
           <p:nvSpPr>
-            <p:cNvPr id="40" name=""/>
+            <p:cNvPr id="40" name="타원 39"/>
             <p:cNvSpPr/>
             <p:nvPr/>
           </p:nvSpPr>
@@ -596,6 +620,7 @@
           </p:style>
           <p:txBody>
             <a:bodyPr anchor="ctr"/>
+            <a:lstStyle/>
             <a:p>
               <a:pPr algn="ctr">
                 <a:defRPr lang="ko-KR" altLang="en-US"/>
@@ -606,7 +631,7 @@
         </p:sp>
         <p:sp>
           <p:nvSpPr>
-            <p:cNvPr id="42" name=""/>
+            <p:cNvPr id="42" name="타원 41"/>
             <p:cNvSpPr/>
             <p:nvPr/>
           </p:nvSpPr>
@@ -647,6 +672,7 @@
           </p:style>
           <p:txBody>
             <a:bodyPr anchor="ctr"/>
+            <a:lstStyle/>
             <a:p>
               <a:pPr algn="ctr">
                 <a:defRPr lang="ko-KR" altLang="en-US"/>
@@ -657,7 +683,7 @@
         </p:sp>
         <p:sp>
           <p:nvSpPr>
-            <p:cNvPr id="43" name=""/>
+            <p:cNvPr id="43" name="타원 42"/>
             <p:cNvSpPr/>
             <p:nvPr/>
           </p:nvSpPr>
@@ -698,6 +724,7 @@
           </p:style>
           <p:txBody>
             <a:bodyPr anchor="ctr"/>
+            <a:lstStyle/>
             <a:p>
               <a:pPr algn="ctr">
                 <a:defRPr lang="ko-KR" altLang="en-US"/>
@@ -708,7 +735,7 @@
         </p:sp>
         <p:sp>
           <p:nvSpPr>
-            <p:cNvPr id="44" name=""/>
+            <p:cNvPr id="44" name="타원 43"/>
             <p:cNvSpPr/>
             <p:nvPr/>
           </p:nvSpPr>
@@ -747,6 +774,7 @@
           </p:style>
           <p:txBody>
             <a:bodyPr anchor="ctr"/>
+            <a:lstStyle/>
             <a:p>
               <a:pPr algn="ctr">
                 <a:defRPr lang="ko-KR" altLang="en-US"/>
@@ -757,7 +785,7 @@
         </p:sp>
         <p:sp>
           <p:nvSpPr>
-            <p:cNvPr id="45" name=""/>
+            <p:cNvPr id="45" name="타원 44"/>
             <p:cNvSpPr/>
             <p:nvPr/>
           </p:nvSpPr>
@@ -798,6 +826,7 @@
           </p:style>
           <p:txBody>
             <a:bodyPr anchor="ctr"/>
+            <a:lstStyle/>
             <a:p>
               <a:pPr algn="ctr">
                 <a:defRPr lang="ko-KR" altLang="en-US"/>
@@ -808,7 +837,7 @@
         </p:sp>
         <p:sp>
           <p:nvSpPr>
-            <p:cNvPr id="46" name=""/>
+            <p:cNvPr id="46" name="타원 45"/>
             <p:cNvSpPr/>
             <p:nvPr/>
           </p:nvSpPr>
@@ -849,6 +878,7 @@
           </p:style>
           <p:txBody>
             <a:bodyPr anchor="ctr"/>
+            <a:lstStyle/>
             <a:p>
               <a:pPr algn="ctr">
                 <a:defRPr lang="ko-KR" altLang="en-US"/>
@@ -859,7 +889,7 @@
         </p:sp>
         <p:sp>
           <p:nvSpPr>
-            <p:cNvPr id="47" name=""/>
+            <p:cNvPr id="47" name="타원 46"/>
             <p:cNvSpPr/>
             <p:nvPr/>
           </p:nvSpPr>
@@ -900,6 +930,7 @@
           </p:style>
           <p:txBody>
             <a:bodyPr anchor="ctr"/>
+            <a:lstStyle/>
             <a:p>
               <a:pPr algn="ctr">
                 <a:defRPr lang="ko-KR" altLang="en-US"/>
@@ -910,7 +941,7 @@
         </p:sp>
         <p:sp>
           <p:nvSpPr>
-            <p:cNvPr id="48" name=""/>
+            <p:cNvPr id="48" name="타원 47"/>
             <p:cNvSpPr/>
             <p:nvPr/>
           </p:nvSpPr>
@@ -949,6 +980,7 @@
           </p:style>
           <p:txBody>
             <a:bodyPr anchor="ctr"/>
+            <a:lstStyle/>
             <a:p>
               <a:pPr algn="ctr">
                 <a:defRPr lang="ko-KR" altLang="en-US"/>
@@ -959,7 +991,7 @@
         </p:sp>
         <p:sp>
           <p:nvSpPr>
-            <p:cNvPr id="49" name=""/>
+            <p:cNvPr id="49" name="타원 48"/>
             <p:cNvSpPr/>
             <p:nvPr/>
           </p:nvSpPr>
@@ -999,6 +1031,7 @@
           </p:style>
           <p:txBody>
             <a:bodyPr anchor="ctr"/>
+            <a:lstStyle/>
             <a:p>
               <a:pPr algn="ctr">
                 <a:defRPr lang="ko-KR" altLang="en-US"/>
@@ -1009,7 +1042,7 @@
         </p:sp>
         <p:sp>
           <p:nvSpPr>
-            <p:cNvPr id="50" name=""/>
+            <p:cNvPr id="50" name="타원 49"/>
             <p:cNvSpPr/>
             <p:nvPr/>
           </p:nvSpPr>
@@ -1050,6 +1083,7 @@
           </p:style>
           <p:txBody>
             <a:bodyPr anchor="ctr"/>
+            <a:lstStyle/>
             <a:p>
               <a:pPr algn="ctr">
                 <a:defRPr lang="ko-KR" altLang="en-US"/>
@@ -1060,7 +1094,7 @@
         </p:sp>
         <p:sp>
           <p:nvSpPr>
-            <p:cNvPr id="51" name=""/>
+            <p:cNvPr id="51" name="타원 50"/>
             <p:cNvSpPr/>
             <p:nvPr/>
           </p:nvSpPr>
@@ -1099,6 +1133,7 @@
           </p:style>
           <p:txBody>
             <a:bodyPr anchor="ctr"/>
+            <a:lstStyle/>
             <a:p>
               <a:pPr algn="ctr">
                 <a:defRPr lang="ko-KR" altLang="en-US"/>
@@ -1109,7 +1144,7 @@
         </p:sp>
         <p:sp>
           <p:nvSpPr>
-            <p:cNvPr id="52" name=""/>
+            <p:cNvPr id="52" name="타원 51"/>
             <p:cNvSpPr/>
             <p:nvPr/>
           </p:nvSpPr>
@@ -1150,6 +1185,7 @@
           </p:style>
           <p:txBody>
             <a:bodyPr anchor="ctr"/>
+            <a:lstStyle/>
             <a:p>
               <a:pPr algn="ctr">
                 <a:defRPr lang="ko-KR" altLang="en-US"/>
@@ -1160,7 +1196,7 @@
         </p:sp>
         <p:sp>
           <p:nvSpPr>
-            <p:cNvPr id="53" name=""/>
+            <p:cNvPr id="53" name="타원 52"/>
             <p:cNvSpPr/>
             <p:nvPr/>
           </p:nvSpPr>
@@ -1199,6 +1235,7 @@
           </p:style>
           <p:txBody>
             <a:bodyPr anchor="ctr"/>
+            <a:lstStyle/>
             <a:p>
               <a:pPr algn="ctr">
                 <a:defRPr lang="ko-KR" altLang="en-US"/>
@@ -1209,7 +1246,7 @@
         </p:sp>
         <p:sp>
           <p:nvSpPr>
-            <p:cNvPr id="54" name=""/>
+            <p:cNvPr id="54" name="타원 53"/>
             <p:cNvSpPr/>
             <p:nvPr/>
           </p:nvSpPr>
@@ -1250,6 +1287,7 @@
           </p:style>
           <p:txBody>
             <a:bodyPr anchor="ctr"/>
+            <a:lstStyle/>
             <a:p>
               <a:pPr algn="ctr">
                 <a:defRPr lang="ko-KR" altLang="en-US"/>
@@ -1260,7 +1298,7 @@
         </p:sp>
         <p:sp>
           <p:nvSpPr>
-            <p:cNvPr id="55" name=""/>
+            <p:cNvPr id="55" name="타원 54"/>
             <p:cNvSpPr/>
             <p:nvPr/>
           </p:nvSpPr>
@@ -1300,6 +1338,7 @@
           </p:style>
           <p:txBody>
             <a:bodyPr anchor="ctr"/>
+            <a:lstStyle/>
             <a:p>
               <a:pPr algn="ctr">
                 <a:defRPr lang="ko-KR" altLang="en-US"/>
@@ -1310,7 +1349,7 @@
         </p:sp>
         <p:sp>
           <p:nvSpPr>
-            <p:cNvPr id="56" name=""/>
+            <p:cNvPr id="56" name="타원 55"/>
             <p:cNvSpPr/>
             <p:nvPr/>
           </p:nvSpPr>
@@ -1351,6 +1390,7 @@
           </p:style>
           <p:txBody>
             <a:bodyPr anchor="ctr"/>
+            <a:lstStyle/>
             <a:p>
               <a:pPr algn="ctr">
                 <a:defRPr lang="ko-KR" altLang="en-US"/>
@@ -1361,7 +1401,7 @@
         </p:sp>
         <p:sp>
           <p:nvSpPr>
-            <p:cNvPr id="57" name=""/>
+            <p:cNvPr id="57" name="타원 56"/>
             <p:cNvSpPr/>
             <p:nvPr/>
           </p:nvSpPr>
@@ -1402,6 +1442,7 @@
           </p:style>
           <p:txBody>
             <a:bodyPr anchor="ctr"/>
+            <a:lstStyle/>
             <a:p>
               <a:pPr algn="ctr">
                 <a:defRPr lang="ko-KR" altLang="en-US"/>
@@ -1412,7 +1453,7 @@
         </p:sp>
         <p:sp>
           <p:nvSpPr>
-            <p:cNvPr id="58" name=""/>
+            <p:cNvPr id="58" name="타원 57"/>
             <p:cNvSpPr/>
             <p:nvPr/>
           </p:nvSpPr>
@@ -1453,6 +1494,7 @@
           </p:style>
           <p:txBody>
             <a:bodyPr anchor="ctr"/>
+            <a:lstStyle/>
             <a:p>
               <a:pPr algn="ctr">
                 <a:defRPr lang="ko-KR" altLang="en-US"/>
@@ -1463,7 +1505,7 @@
         </p:sp>
         <p:sp>
           <p:nvSpPr>
-            <p:cNvPr id="59" name=""/>
+            <p:cNvPr id="59" name="타원 58"/>
             <p:cNvSpPr/>
             <p:nvPr/>
           </p:nvSpPr>
@@ -1504,6 +1546,7 @@
           </p:style>
           <p:txBody>
             <a:bodyPr anchor="ctr"/>
+            <a:lstStyle/>
             <a:p>
               <a:pPr algn="ctr">
                 <a:defRPr lang="ko-KR" altLang="en-US"/>
@@ -1514,7 +1557,7 @@
         </p:sp>
         <p:sp>
           <p:nvSpPr>
-            <p:cNvPr id="60" name=""/>
+            <p:cNvPr id="60" name="타원 59"/>
             <p:cNvSpPr/>
             <p:nvPr/>
           </p:nvSpPr>
@@ -1553,6 +1596,7 @@
           </p:style>
           <p:txBody>
             <a:bodyPr anchor="ctr"/>
+            <a:lstStyle/>
             <a:p>
               <a:pPr algn="ctr">
                 <a:defRPr lang="ko-KR" altLang="en-US"/>
@@ -1564,12 +1608,12 @@
       </p:grpSp>
       <p:sp>
         <p:nvSpPr>
-          <p:cNvPr id="2" name=""/>
+          <p:cNvPr id="2" name="제목 1"/>
           <p:cNvSpPr>
             <a:spLocks noGrp="1"/>
           </p:cNvSpPr>
           <p:nvPr>
-            <p:ph type="ctrTitle" idx="0"/>
+            <p:ph type="ctrTitle"/>
           </p:nvPr>
         </p:nvSpPr>
         <p:spPr>
@@ -1599,13 +1643,12 @@
               <a:rPr lang="ko-KR" altLang="en-US"/>
               <a:t>마스터 제목 스타일 편집</a:t>
             </a:r>
-            <a:endParaRPr lang="ko-KR" altLang="en-US"/>
           </a:p>
         </p:txBody>
       </p:sp>
       <p:sp>
         <p:nvSpPr>
-          <p:cNvPr id="3" name=""/>
+          <p:cNvPr id="3" name="부제목 2"/>
           <p:cNvSpPr>
             <a:spLocks noGrp="1"/>
           </p:cNvSpPr>
@@ -1721,13 +1764,12 @@
               <a:rPr lang="ko-KR" altLang="en-US"/>
               <a:t>마스터 부제목 스타일 편집</a:t>
             </a:r>
-            <a:endParaRPr lang="ko-KR" altLang="en-US"/>
           </a:p>
         </p:txBody>
       </p:sp>
       <p:sp>
         <p:nvSpPr>
-          <p:cNvPr id="41" name=""/>
+          <p:cNvPr id="41" name="날짜 개체 틀 40"/>
           <p:cNvSpPr>
             <a:spLocks noGrp="1"/>
           </p:cNvSpPr>
@@ -1766,7 +1808,7 @@
               <a:pPr>
                 <a:defRPr lang="ko-KR" altLang="en-US"/>
               </a:pPr>
-              <a:t>2021-07-05</a:t>
+              <a:t>2021-07-06</a:t>
             </a:fld>
             <a:endParaRPr lang="ko-KR" altLang="en-US"/>
           </a:p>
@@ -1774,7 +1816,7 @@
       </p:sp>
       <p:sp>
         <p:nvSpPr>
-          <p:cNvPr id="61" name=""/>
+          <p:cNvPr id="61" name="바닥글 개체 틀 60"/>
           <p:cNvSpPr>
             <a:spLocks noGrp="1"/>
           </p:cNvSpPr>
@@ -1808,17 +1850,13 @@
             <a:pPr>
               <a:defRPr lang="ko-KR" altLang="en-US"/>
             </a:pPr>
-            <a:r>
-              <a:rPr lang="ko-KR" altLang="en-US"/>
-              <a:t/>
-            </a:r>
             <a:endParaRPr lang="ko-KR" altLang="en-US"/>
           </a:p>
         </p:txBody>
       </p:sp>
       <p:sp>
         <p:nvSpPr>
-          <p:cNvPr id="62" name=""/>
+          <p:cNvPr id="62" name="슬라이드 번호 개체 틀 61"/>
           <p:cNvSpPr>
             <a:spLocks noGrp="1"/>
           </p:cNvSpPr>
@@ -1868,12 +1906,12 @@
   <p:clrMapOvr>
     <a:overrideClrMapping bg1="lt1" tx1="dk1" bg2="lt2" tx2="dk2" accent1="accent1" accent2="accent2" accent3="accent3" accent4="accent4" accent5="accent5" accent6="accent6" hlink="hlink" folHlink="folHlink"/>
   </p:clrMapOvr>
-  <p:transition xmlns:mc="http://schemas.openxmlformats.org/markup-compatibility/2006" xmlns:hp="http://schemas.haansoft.com/office/presentation/8.0" mc:Ignorable="hp" hp:hslDur="500"/>
+  <p:transition/>
 </p:sldLayout>
 </file>
 
 <file path=ppt/slideLayouts/slideLayout10.xml><?xml version="1.0" encoding="utf-8"?>
-<p:sldLayout xmlns:r="http://schemas.openxmlformats.org/officeDocument/2006/relationships" xmlns:c="http://schemas.openxmlformats.org/drawingml/2006/chart" xmlns:a="http://schemas.openxmlformats.org/drawingml/2006/main" xmlns:dgm="http://schemas.openxmlformats.org/drawingml/2006/diagram" xmlns:dsp="http://schemas.microsoft.com/office/drawing/2008/diagram" xmlns:p="http://schemas.openxmlformats.org/presentationml/2006/main" showMasterSp="0" showMasterPhAnim="1" matchingName="간지" type="objOnly" preserve="1">
+<p:sldLayout xmlns:a="http://schemas.openxmlformats.org/drawingml/2006/main" xmlns:r="http://schemas.openxmlformats.org/officeDocument/2006/relationships" xmlns:p="http://schemas.openxmlformats.org/presentationml/2006/main" showMasterSp="0" matchingName="간지" type="objOnly" preserve="1">
   <p:cSld name="간지">
     <p:spTree>
       <p:nvGrpSpPr>
@@ -1891,7 +1929,7 @@
       </p:grpSpPr>
       <p:sp>
         <p:nvSpPr>
-          <p:cNvPr id="9" name=""/>
+          <p:cNvPr id="9" name="직각 삼각형 8"/>
           <p:cNvSpPr/>
           <p:nvPr/>
         </p:nvSpPr>
@@ -1932,6 +1970,7 @@
         </p:spPr>
         <p:txBody>
           <a:bodyPr anchor="ctr"/>
+          <a:lstStyle/>
           <a:p>
             <a:pPr algn="ctr">
               <a:defRPr lang="ko-KR" altLang="en-US"/>
@@ -1942,12 +1981,12 @@
       </p:sp>
       <p:grpSp>
         <p:nvGrpSpPr>
-          <p:cNvPr id="73" name=""/>
+          <p:cNvPr id="73" name="그룹 72"/>
           <p:cNvGrpSpPr/>
           <p:nvPr/>
         </p:nvGrpSpPr>
         <p:grpSpPr>
-          <a:xfrm rot="0">
+          <a:xfrm>
             <a:off x="2627756" y="32658"/>
             <a:ext cx="8611754" cy="6705600"/>
             <a:chOff x="2627756" y="32657"/>
@@ -1956,12 +1995,12 @@
         </p:grpSpPr>
         <p:grpSp>
           <p:nvGrpSpPr>
-            <p:cNvPr id="72" name=""/>
+            <p:cNvPr id="72" name="그룹 71"/>
             <p:cNvGrpSpPr/>
             <p:nvPr/>
           </p:nvGrpSpPr>
           <p:grpSpPr>
-            <a:xfrm rot="0">
+            <a:xfrm>
               <a:off x="2627756" y="3734710"/>
               <a:ext cx="3410708" cy="3003547"/>
               <a:chOff x="2627756" y="3734710"/>
@@ -1970,7 +2009,7 @@
           </p:grpSpPr>
           <p:sp>
             <p:nvSpPr>
-              <p:cNvPr id="41" name=""/>
+              <p:cNvPr id="41" name="타원 40"/>
               <p:cNvSpPr/>
               <p:nvPr/>
             </p:nvSpPr>
@@ -2011,6 +2050,7 @@
             </p:style>
             <p:txBody>
               <a:bodyPr anchor="ctr"/>
+              <a:lstStyle/>
               <a:p>
                 <a:pPr algn="ctr">
                   <a:defRPr lang="ko-KR" altLang="en-US"/>
@@ -2021,7 +2061,7 @@
           </p:sp>
           <p:sp>
             <p:nvSpPr>
-              <p:cNvPr id="42" name=""/>
+              <p:cNvPr id="42" name="타원 41"/>
               <p:cNvSpPr/>
               <p:nvPr/>
             </p:nvSpPr>
@@ -2062,6 +2102,7 @@
             </p:style>
             <p:txBody>
               <a:bodyPr anchor="ctr"/>
+              <a:lstStyle/>
               <a:p>
                 <a:pPr algn="ctr">
                   <a:defRPr lang="ko-KR" altLang="en-US"/>
@@ -2072,7 +2113,7 @@
           </p:sp>
           <p:sp>
             <p:nvSpPr>
-              <p:cNvPr id="43" name=""/>
+              <p:cNvPr id="43" name="타원 42"/>
               <p:cNvSpPr/>
               <p:nvPr/>
             </p:nvSpPr>
@@ -2113,6 +2154,7 @@
             </p:style>
             <p:txBody>
               <a:bodyPr anchor="ctr"/>
+              <a:lstStyle/>
               <a:p>
                 <a:pPr algn="ctr">
                   <a:defRPr lang="ko-KR" altLang="en-US"/>
@@ -2123,7 +2165,7 @@
           </p:sp>
           <p:sp>
             <p:nvSpPr>
-              <p:cNvPr id="44" name=""/>
+              <p:cNvPr id="44" name="타원 43"/>
               <p:cNvSpPr/>
               <p:nvPr/>
             </p:nvSpPr>
@@ -2163,6 +2205,7 @@
             </p:style>
             <p:txBody>
               <a:bodyPr anchor="ctr"/>
+              <a:lstStyle/>
               <a:p>
                 <a:pPr algn="ctr">
                   <a:defRPr lang="ko-KR" altLang="en-US"/>
@@ -2173,7 +2216,7 @@
           </p:sp>
           <p:sp>
             <p:nvSpPr>
-              <p:cNvPr id="45" name=""/>
+              <p:cNvPr id="45" name="타원 44"/>
               <p:cNvSpPr/>
               <p:nvPr/>
             </p:nvSpPr>
@@ -2212,6 +2255,7 @@
             </p:style>
             <p:txBody>
               <a:bodyPr anchor="ctr"/>
+              <a:lstStyle/>
               <a:p>
                 <a:pPr algn="ctr">
                   <a:defRPr lang="ko-KR" altLang="en-US"/>
@@ -2222,7 +2266,7 @@
           </p:sp>
           <p:sp>
             <p:nvSpPr>
-              <p:cNvPr id="47" name=""/>
+              <p:cNvPr id="47" name="타원 46"/>
               <p:cNvSpPr/>
               <p:nvPr/>
             </p:nvSpPr>
@@ -2261,6 +2305,7 @@
             </p:style>
             <p:txBody>
               <a:bodyPr anchor="ctr"/>
+              <a:lstStyle/>
               <a:p>
                 <a:pPr algn="ctr">
                   <a:defRPr lang="ko-KR" altLang="en-US"/>
@@ -2271,7 +2316,7 @@
           </p:sp>
           <p:sp>
             <p:nvSpPr>
-              <p:cNvPr id="48" name=""/>
+              <p:cNvPr id="48" name="타원 47"/>
               <p:cNvSpPr/>
               <p:nvPr/>
             </p:nvSpPr>
@@ -2312,6 +2357,7 @@
             </p:style>
             <p:txBody>
               <a:bodyPr anchor="ctr"/>
+              <a:lstStyle/>
               <a:p>
                 <a:pPr algn="ctr">
                   <a:defRPr lang="ko-KR" altLang="en-US"/>
@@ -2322,7 +2368,7 @@
           </p:sp>
           <p:sp>
             <p:nvSpPr>
-              <p:cNvPr id="55" name=""/>
+              <p:cNvPr id="55" name="타원 54"/>
               <p:cNvSpPr/>
               <p:nvPr/>
             </p:nvSpPr>
@@ -2361,6 +2407,7 @@
             </p:style>
             <p:txBody>
               <a:bodyPr anchor="ctr"/>
+              <a:lstStyle/>
               <a:p>
                 <a:pPr algn="ctr">
                   <a:defRPr lang="ko-KR" altLang="en-US"/>
@@ -2371,7 +2418,7 @@
           </p:sp>
           <p:sp>
             <p:nvSpPr>
-              <p:cNvPr id="56" name=""/>
+              <p:cNvPr id="56" name="타원 55"/>
               <p:cNvSpPr/>
               <p:nvPr/>
             </p:nvSpPr>
@@ -2412,6 +2459,7 @@
             </p:style>
             <p:txBody>
               <a:bodyPr anchor="ctr"/>
+              <a:lstStyle/>
               <a:p>
                 <a:pPr algn="ctr">
                   <a:defRPr lang="ko-KR" altLang="en-US"/>
@@ -2422,7 +2470,7 @@
           </p:sp>
           <p:sp>
             <p:nvSpPr>
-              <p:cNvPr id="57" name=""/>
+              <p:cNvPr id="57" name="타원 56"/>
               <p:cNvSpPr/>
               <p:nvPr/>
             </p:nvSpPr>
@@ -2462,6 +2510,7 @@
             </p:style>
             <p:txBody>
               <a:bodyPr anchor="ctr"/>
+              <a:lstStyle/>
               <a:p>
                 <a:pPr algn="ctr">
                   <a:defRPr lang="ko-KR" altLang="en-US"/>
@@ -2472,7 +2521,7 @@
           </p:sp>
           <p:sp>
             <p:nvSpPr>
-              <p:cNvPr id="64" name=""/>
+              <p:cNvPr id="64" name="타원 63"/>
               <p:cNvSpPr/>
               <p:nvPr/>
             </p:nvSpPr>
@@ -2513,6 +2562,7 @@
             </p:style>
             <p:txBody>
               <a:bodyPr anchor="ctr"/>
+              <a:lstStyle/>
               <a:p>
                 <a:pPr algn="ctr">
                   <a:defRPr lang="ko-KR" altLang="en-US"/>
@@ -2523,7 +2573,7 @@
           </p:sp>
           <p:sp>
             <p:nvSpPr>
-              <p:cNvPr id="65" name=""/>
+              <p:cNvPr id="65" name="타원 64"/>
               <p:cNvSpPr/>
               <p:nvPr/>
             </p:nvSpPr>
@@ -2564,6 +2614,7 @@
             </p:style>
             <p:txBody>
               <a:bodyPr anchor="ctr"/>
+              <a:lstStyle/>
               <a:p>
                 <a:pPr algn="ctr">
                   <a:defRPr lang="ko-KR" altLang="en-US"/>
@@ -2574,7 +2625,7 @@
           </p:sp>
           <p:sp>
             <p:nvSpPr>
-              <p:cNvPr id="66" name=""/>
+              <p:cNvPr id="66" name="타원 65"/>
               <p:cNvSpPr/>
               <p:nvPr/>
             </p:nvSpPr>
@@ -2614,6 +2665,7 @@
             </p:style>
             <p:txBody>
               <a:bodyPr anchor="ctr"/>
+              <a:lstStyle/>
               <a:p>
                 <a:pPr algn="ctr">
                   <a:defRPr lang="ko-KR" altLang="en-US"/>
@@ -2625,12 +2677,12 @@
         </p:grpSp>
         <p:grpSp>
           <p:nvGrpSpPr>
-            <p:cNvPr id="71" name=""/>
+            <p:cNvPr id="71" name="그룹 70"/>
             <p:cNvGrpSpPr/>
             <p:nvPr/>
           </p:nvGrpSpPr>
           <p:grpSpPr>
-            <a:xfrm rot="0">
+            <a:xfrm>
               <a:off x="7778629" y="32657"/>
               <a:ext cx="3460881" cy="3934884"/>
               <a:chOff x="7778630" y="32657"/>
@@ -2639,7 +2691,7 @@
           </p:grpSpPr>
           <p:sp>
             <p:nvSpPr>
-              <p:cNvPr id="46" name=""/>
+              <p:cNvPr id="46" name="타원 45"/>
               <p:cNvSpPr/>
               <p:nvPr/>
             </p:nvSpPr>
@@ -2680,6 +2732,7 @@
             </p:style>
             <p:txBody>
               <a:bodyPr anchor="ctr"/>
+              <a:lstStyle/>
               <a:p>
                 <a:pPr algn="ctr">
                   <a:defRPr lang="ko-KR" altLang="en-US"/>
@@ -2690,7 +2743,7 @@
           </p:sp>
           <p:sp>
             <p:nvSpPr>
-              <p:cNvPr id="49" name=""/>
+              <p:cNvPr id="49" name="타원 48"/>
               <p:cNvSpPr/>
               <p:nvPr/>
             </p:nvSpPr>
@@ -2731,6 +2784,7 @@
             </p:style>
             <p:txBody>
               <a:bodyPr anchor="ctr"/>
+              <a:lstStyle/>
               <a:p>
                 <a:pPr algn="ctr">
                   <a:defRPr lang="ko-KR" altLang="en-US"/>
@@ -2741,7 +2795,7 @@
           </p:sp>
           <p:sp>
             <p:nvSpPr>
-              <p:cNvPr id="50" name=""/>
+              <p:cNvPr id="50" name="타원 49"/>
               <p:cNvSpPr/>
               <p:nvPr/>
             </p:nvSpPr>
@@ -2782,6 +2836,7 @@
             </p:style>
             <p:txBody>
               <a:bodyPr anchor="ctr"/>
+              <a:lstStyle/>
               <a:p>
                 <a:pPr algn="ctr">
                   <a:defRPr lang="ko-KR" altLang="en-US"/>
@@ -2792,7 +2847,7 @@
           </p:sp>
           <p:sp>
             <p:nvSpPr>
-              <p:cNvPr id="51" name=""/>
+              <p:cNvPr id="51" name="타원 50"/>
               <p:cNvSpPr/>
               <p:nvPr/>
             </p:nvSpPr>
@@ -2831,6 +2886,7 @@
             </p:style>
             <p:txBody>
               <a:bodyPr anchor="ctr"/>
+              <a:lstStyle/>
               <a:p>
                 <a:pPr algn="ctr">
                   <a:defRPr lang="ko-KR" altLang="en-US"/>
@@ -2841,7 +2897,7 @@
           </p:sp>
           <p:sp>
             <p:nvSpPr>
-              <p:cNvPr id="52" name=""/>
+              <p:cNvPr id="52" name="타원 51"/>
               <p:cNvSpPr/>
               <p:nvPr/>
             </p:nvSpPr>
@@ -2882,6 +2938,7 @@
             </p:style>
             <p:txBody>
               <a:bodyPr anchor="ctr"/>
+              <a:lstStyle/>
               <a:p>
                 <a:pPr algn="ctr">
                   <a:defRPr lang="ko-KR" altLang="en-US"/>
@@ -2892,7 +2949,7 @@
           </p:sp>
           <p:sp>
             <p:nvSpPr>
-              <p:cNvPr id="53" name=""/>
+              <p:cNvPr id="53" name="타원 52"/>
               <p:cNvSpPr/>
               <p:nvPr/>
             </p:nvSpPr>
@@ -2933,6 +2990,7 @@
             </p:style>
             <p:txBody>
               <a:bodyPr anchor="ctr"/>
+              <a:lstStyle/>
               <a:p>
                 <a:pPr algn="ctr">
                   <a:defRPr lang="ko-KR" altLang="en-US"/>
@@ -2943,7 +3001,7 @@
           </p:sp>
           <p:sp>
             <p:nvSpPr>
-              <p:cNvPr id="54" name=""/>
+              <p:cNvPr id="54" name="타원 53"/>
               <p:cNvSpPr/>
               <p:nvPr/>
             </p:nvSpPr>
@@ -2984,6 +3042,7 @@
             </p:style>
             <p:txBody>
               <a:bodyPr anchor="ctr"/>
+              <a:lstStyle/>
               <a:p>
                 <a:pPr algn="ctr">
                   <a:defRPr lang="ko-KR" altLang="en-US"/>
@@ -2994,7 +3053,7 @@
           </p:sp>
           <p:sp>
             <p:nvSpPr>
-              <p:cNvPr id="58" name=""/>
+              <p:cNvPr id="58" name="타원 57"/>
               <p:cNvSpPr/>
               <p:nvPr/>
             </p:nvSpPr>
@@ -3033,6 +3092,7 @@
             </p:style>
             <p:txBody>
               <a:bodyPr anchor="ctr"/>
+              <a:lstStyle/>
               <a:p>
                 <a:pPr algn="ctr">
                   <a:defRPr lang="ko-KR" altLang="en-US"/>
@@ -3043,7 +3103,7 @@
           </p:sp>
           <p:sp>
             <p:nvSpPr>
-              <p:cNvPr id="59" name=""/>
+              <p:cNvPr id="59" name="타원 58"/>
               <p:cNvSpPr/>
               <p:nvPr/>
             </p:nvSpPr>
@@ -3084,6 +3144,7 @@
             </p:style>
             <p:txBody>
               <a:bodyPr anchor="ctr"/>
+              <a:lstStyle/>
               <a:p>
                 <a:pPr algn="ctr">
                   <a:defRPr lang="ko-KR" altLang="en-US"/>
@@ -3094,7 +3155,7 @@
           </p:sp>
           <p:sp>
             <p:nvSpPr>
-              <p:cNvPr id="60" name=""/>
+              <p:cNvPr id="60" name="타원 59"/>
               <p:cNvSpPr/>
               <p:nvPr/>
             </p:nvSpPr>
@@ -3133,6 +3194,7 @@
             </p:style>
             <p:txBody>
               <a:bodyPr anchor="ctr"/>
+              <a:lstStyle/>
               <a:p>
                 <a:pPr algn="ctr">
                   <a:defRPr lang="ko-KR" altLang="en-US"/>
@@ -3143,7 +3205,7 @@
           </p:sp>
           <p:sp>
             <p:nvSpPr>
-              <p:cNvPr id="61" name=""/>
+              <p:cNvPr id="61" name="타원 60"/>
               <p:cNvSpPr/>
               <p:nvPr/>
             </p:nvSpPr>
@@ -3184,6 +3246,7 @@
             </p:style>
             <p:txBody>
               <a:bodyPr anchor="ctr"/>
+              <a:lstStyle/>
               <a:p>
                 <a:pPr algn="ctr">
                   <a:defRPr lang="ko-KR" altLang="en-US"/>
@@ -3194,7 +3257,7 @@
           </p:sp>
           <p:sp>
             <p:nvSpPr>
-              <p:cNvPr id="62" name=""/>
+              <p:cNvPr id="62" name="타원 61"/>
               <p:cNvSpPr/>
               <p:nvPr/>
             </p:nvSpPr>
@@ -3234,6 +3297,7 @@
             </p:style>
             <p:txBody>
               <a:bodyPr anchor="ctr"/>
+              <a:lstStyle/>
               <a:p>
                 <a:pPr algn="ctr">
                   <a:defRPr lang="ko-KR" altLang="en-US"/>
@@ -3244,7 +3308,7 @@
           </p:sp>
           <p:sp>
             <p:nvSpPr>
-              <p:cNvPr id="63" name=""/>
+              <p:cNvPr id="63" name="타원 62"/>
               <p:cNvSpPr/>
               <p:nvPr/>
             </p:nvSpPr>
@@ -3285,6 +3349,7 @@
             </p:style>
             <p:txBody>
               <a:bodyPr anchor="ctr"/>
+              <a:lstStyle/>
               <a:p>
                 <a:pPr algn="ctr">
                   <a:defRPr lang="ko-KR" altLang="en-US"/>
@@ -3295,7 +3360,7 @@
           </p:sp>
           <p:sp>
             <p:nvSpPr>
-              <p:cNvPr id="67" name=""/>
+              <p:cNvPr id="67" name="타원 66"/>
               <p:cNvSpPr/>
               <p:nvPr/>
             </p:nvSpPr>
@@ -3334,6 +3399,7 @@
             </p:style>
             <p:txBody>
               <a:bodyPr anchor="ctr"/>
+              <a:lstStyle/>
               <a:p>
                 <a:pPr algn="ctr">
                   <a:defRPr lang="ko-KR" altLang="en-US"/>
@@ -3346,12 +3412,12 @@
       </p:grpSp>
       <p:sp>
         <p:nvSpPr>
-          <p:cNvPr id="2" name=""/>
+          <p:cNvPr id="2" name="제목 1"/>
           <p:cNvSpPr>
             <a:spLocks noGrp="1"/>
           </p:cNvSpPr>
           <p:nvPr>
-            <p:ph type="ctrTitle" idx="0"/>
+            <p:ph type="ctrTitle"/>
           </p:nvPr>
         </p:nvSpPr>
         <p:spPr>
@@ -3381,13 +3447,12 @@
               <a:rPr lang="ko-KR" altLang="en-US"/>
               <a:t>마스터 제목 스타일 편집</a:t>
             </a:r>
-            <a:endParaRPr lang="ko-KR" altLang="en-US"/>
           </a:p>
         </p:txBody>
       </p:sp>
       <p:sp>
         <p:nvSpPr>
-          <p:cNvPr id="68" name=""/>
+          <p:cNvPr id="68" name="날짜 개체 틀 67"/>
           <p:cNvSpPr>
             <a:spLocks noGrp="1"/>
           </p:cNvSpPr>
@@ -3424,7 +3489,7 @@
               <a:pPr>
                 <a:defRPr lang="ko-KR" altLang="en-US"/>
               </a:pPr>
-              <a:t>2021-07-05</a:t>
+              <a:t>2021-07-06</a:t>
             </a:fld>
             <a:endParaRPr lang="ko-KR" altLang="en-US"/>
           </a:p>
@@ -3432,7 +3497,7 @@
       </p:sp>
       <p:sp>
         <p:nvSpPr>
-          <p:cNvPr id="69" name=""/>
+          <p:cNvPr id="69" name="바닥글 개체 틀 68"/>
           <p:cNvSpPr>
             <a:spLocks noGrp="1"/>
           </p:cNvSpPr>
@@ -3466,17 +3531,13 @@
             <a:pPr>
               <a:defRPr lang="ko-KR" altLang="en-US"/>
             </a:pPr>
-            <a:r>
-              <a:rPr lang="ko-KR" altLang="en-US"/>
-              <a:t/>
-            </a:r>
             <a:endParaRPr lang="ko-KR" altLang="en-US"/>
           </a:p>
         </p:txBody>
       </p:sp>
       <p:sp>
         <p:nvSpPr>
-          <p:cNvPr id="70" name=""/>
+          <p:cNvPr id="70" name="슬라이드 번호 개체 틀 69"/>
           <p:cNvSpPr>
             <a:spLocks noGrp="1"/>
           </p:cNvSpPr>
@@ -3526,12 +3587,12 @@
   <p:clrMapOvr>
     <a:masterClrMapping/>
   </p:clrMapOvr>
-  <p:transition xmlns:mc="http://schemas.openxmlformats.org/markup-compatibility/2006" xmlns:hp="http://schemas.haansoft.com/office/presentation/8.0" mc:Ignorable="hp" hp:hslDur="500"/>
+  <p:transition/>
 </p:sldLayout>
 </file>
 
 <file path=ppt/slideLayouts/slideLayout11.xml><?xml version="1.0" encoding="utf-8"?>
-<p:sldLayout xmlns:r="http://schemas.openxmlformats.org/officeDocument/2006/relationships" xmlns:c="http://schemas.openxmlformats.org/drawingml/2006/chart" xmlns:a="http://schemas.openxmlformats.org/drawingml/2006/main" xmlns:dgm="http://schemas.openxmlformats.org/drawingml/2006/diagram" xmlns:dsp="http://schemas.microsoft.com/office/drawing/2008/diagram" xmlns:p="http://schemas.openxmlformats.org/presentationml/2006/main" showMasterSp="0" showMasterPhAnim="1" matchingName="목차" type="clipArtAndTx" preserve="1">
+<p:sldLayout xmlns:a="http://schemas.openxmlformats.org/drawingml/2006/main" xmlns:r="http://schemas.openxmlformats.org/officeDocument/2006/relationships" xmlns:p="http://schemas.openxmlformats.org/presentationml/2006/main" showMasterSp="0" matchingName="목차" type="clipArtAndTx" preserve="1">
   <p:cSld name="목차">
     <p:bg>
       <p:bgRef idx="1003">
@@ -3554,7 +3615,7 @@
       </p:grpSpPr>
       <p:sp>
         <p:nvSpPr>
-          <p:cNvPr id="6" name=""/>
+          <p:cNvPr id="6" name="직각 삼각형 5"/>
           <p:cNvSpPr/>
           <p:nvPr/>
         </p:nvSpPr>
@@ -3595,6 +3656,7 @@
         </p:spPr>
         <p:txBody>
           <a:bodyPr anchor="ctr"/>
+          <a:lstStyle/>
           <a:p>
             <a:pPr algn="ctr">
               <a:defRPr lang="ko-KR" altLang="en-US"/>
@@ -3605,7 +3667,7 @@
       </p:sp>
       <p:sp>
         <p:nvSpPr>
-          <p:cNvPr id="7" name=""/>
+          <p:cNvPr id="7" name="직각 삼각형 6"/>
           <p:cNvSpPr/>
           <p:nvPr/>
         </p:nvSpPr>
@@ -3639,6 +3701,7 @@
         </p:spPr>
         <p:txBody>
           <a:bodyPr anchor="ctr"/>
+          <a:lstStyle/>
           <a:p>
             <a:pPr algn="ctr">
               <a:defRPr lang="ko-KR" altLang="en-US"/>
@@ -3649,7 +3712,7 @@
       </p:sp>
       <p:grpSp>
         <p:nvGrpSpPr>
-          <p:cNvPr id="8" name=""/>
+          <p:cNvPr id="8" name="그룹 7"/>
           <p:cNvGrpSpPr/>
           <p:nvPr/>
         </p:nvGrpSpPr>
@@ -3663,7 +3726,7 @@
         </p:grpSpPr>
         <p:sp>
           <p:nvSpPr>
-            <p:cNvPr id="9" name=""/>
+            <p:cNvPr id="9" name="타원 8"/>
             <p:cNvSpPr/>
             <p:nvPr/>
           </p:nvSpPr>
@@ -3704,6 +3767,7 @@
           </p:style>
           <p:txBody>
             <a:bodyPr anchor="ctr"/>
+            <a:lstStyle/>
             <a:p>
               <a:pPr algn="ctr">
                 <a:defRPr lang="ko-KR" altLang="en-US"/>
@@ -3714,7 +3778,7 @@
         </p:sp>
         <p:sp>
           <p:nvSpPr>
-            <p:cNvPr id="10" name=""/>
+            <p:cNvPr id="10" name="타원 9"/>
             <p:cNvSpPr/>
             <p:nvPr/>
           </p:nvSpPr>
@@ -3755,6 +3819,7 @@
           </p:style>
           <p:txBody>
             <a:bodyPr anchor="ctr"/>
+            <a:lstStyle/>
             <a:p>
               <a:pPr algn="ctr">
                 <a:defRPr lang="ko-KR" altLang="en-US"/>
@@ -3765,7 +3830,7 @@
         </p:sp>
         <p:sp>
           <p:nvSpPr>
-            <p:cNvPr id="11" name=""/>
+            <p:cNvPr id="11" name="타원 10"/>
             <p:cNvSpPr/>
             <p:nvPr/>
           </p:nvSpPr>
@@ -3806,6 +3871,7 @@
           </p:style>
           <p:txBody>
             <a:bodyPr anchor="ctr"/>
+            <a:lstStyle/>
             <a:p>
               <a:pPr algn="ctr">
                 <a:defRPr lang="ko-KR" altLang="en-US"/>
@@ -3816,7 +3882,7 @@
         </p:sp>
         <p:sp>
           <p:nvSpPr>
-            <p:cNvPr id="12" name=""/>
+            <p:cNvPr id="12" name="타원 11"/>
             <p:cNvSpPr/>
             <p:nvPr/>
           </p:nvSpPr>
@@ -3857,6 +3923,7 @@
           </p:style>
           <p:txBody>
             <a:bodyPr anchor="ctr"/>
+            <a:lstStyle/>
             <a:p>
               <a:pPr algn="ctr">
                 <a:defRPr lang="ko-KR" altLang="en-US"/>
@@ -3867,7 +3934,7 @@
         </p:sp>
         <p:sp>
           <p:nvSpPr>
-            <p:cNvPr id="13" name=""/>
+            <p:cNvPr id="13" name="타원 12"/>
             <p:cNvSpPr/>
             <p:nvPr/>
           </p:nvSpPr>
@@ -3906,6 +3973,7 @@
           </p:style>
           <p:txBody>
             <a:bodyPr anchor="ctr"/>
+            <a:lstStyle/>
             <a:p>
               <a:pPr algn="ctr">
                 <a:defRPr lang="ko-KR" altLang="en-US"/>
@@ -3916,7 +3984,7 @@
         </p:sp>
         <p:sp>
           <p:nvSpPr>
-            <p:cNvPr id="14" name=""/>
+            <p:cNvPr id="14" name="타원 13"/>
             <p:cNvSpPr/>
             <p:nvPr/>
           </p:nvSpPr>
@@ -3957,6 +4025,7 @@
           </p:style>
           <p:txBody>
             <a:bodyPr anchor="ctr"/>
+            <a:lstStyle/>
             <a:p>
               <a:pPr algn="ctr">
                 <a:defRPr lang="ko-KR" altLang="en-US"/>
@@ -3967,7 +4036,7 @@
         </p:sp>
         <p:sp>
           <p:nvSpPr>
-            <p:cNvPr id="15" name=""/>
+            <p:cNvPr id="15" name="타원 14"/>
             <p:cNvSpPr/>
             <p:nvPr/>
           </p:nvSpPr>
@@ -4006,6 +4075,7 @@
           </p:style>
           <p:txBody>
             <a:bodyPr anchor="ctr"/>
+            <a:lstStyle/>
             <a:p>
               <a:pPr algn="ctr">
                 <a:defRPr lang="ko-KR" altLang="en-US"/>
@@ -4016,7 +4086,7 @@
         </p:sp>
         <p:sp>
           <p:nvSpPr>
-            <p:cNvPr id="16" name=""/>
+            <p:cNvPr id="16" name="타원 15"/>
             <p:cNvSpPr/>
             <p:nvPr/>
           </p:nvSpPr>
@@ -4057,6 +4127,7 @@
           </p:style>
           <p:txBody>
             <a:bodyPr anchor="ctr"/>
+            <a:lstStyle/>
             <a:p>
               <a:pPr algn="ctr">
                 <a:defRPr lang="ko-KR" altLang="en-US"/>
@@ -4067,7 +4138,7 @@
         </p:sp>
         <p:sp>
           <p:nvSpPr>
-            <p:cNvPr id="17" name=""/>
+            <p:cNvPr id="17" name="타원 16"/>
             <p:cNvSpPr/>
             <p:nvPr/>
           </p:nvSpPr>
@@ -4108,6 +4179,7 @@
           </p:style>
           <p:txBody>
             <a:bodyPr anchor="ctr"/>
+            <a:lstStyle/>
             <a:p>
               <a:pPr algn="ctr">
                 <a:defRPr lang="ko-KR" altLang="en-US"/>
@@ -4118,7 +4190,7 @@
         </p:sp>
         <p:sp>
           <p:nvSpPr>
-            <p:cNvPr id="18" name=""/>
+            <p:cNvPr id="18" name="타원 17"/>
             <p:cNvSpPr/>
             <p:nvPr/>
           </p:nvSpPr>
@@ -4159,6 +4231,7 @@
           </p:style>
           <p:txBody>
             <a:bodyPr anchor="ctr"/>
+            <a:lstStyle/>
             <a:p>
               <a:pPr algn="ctr">
                 <a:defRPr lang="ko-KR" altLang="en-US"/>
@@ -4169,7 +4242,7 @@
         </p:sp>
         <p:sp>
           <p:nvSpPr>
-            <p:cNvPr id="19" name=""/>
+            <p:cNvPr id="19" name="타원 18"/>
             <p:cNvSpPr/>
             <p:nvPr/>
           </p:nvSpPr>
@@ -4208,6 +4281,7 @@
           </p:style>
           <p:txBody>
             <a:bodyPr anchor="ctr"/>
+            <a:lstStyle/>
             <a:p>
               <a:pPr algn="ctr">
                 <a:defRPr lang="ko-KR" altLang="en-US"/>
@@ -4218,7 +4292,7 @@
         </p:sp>
         <p:sp>
           <p:nvSpPr>
-            <p:cNvPr id="20" name=""/>
+            <p:cNvPr id="20" name="타원 19"/>
             <p:cNvSpPr/>
             <p:nvPr/>
           </p:nvSpPr>
@@ -4259,6 +4333,7 @@
           </p:style>
           <p:txBody>
             <a:bodyPr anchor="ctr"/>
+            <a:lstStyle/>
             <a:p>
               <a:pPr algn="ctr">
                 <a:defRPr lang="ko-KR" altLang="en-US"/>
@@ -4269,7 +4344,7 @@
         </p:sp>
         <p:sp>
           <p:nvSpPr>
-            <p:cNvPr id="21" name=""/>
+            <p:cNvPr id="21" name="타원 20"/>
             <p:cNvSpPr/>
             <p:nvPr/>
           </p:nvSpPr>
@@ -4310,6 +4385,7 @@
           </p:style>
           <p:txBody>
             <a:bodyPr anchor="ctr"/>
+            <a:lstStyle/>
             <a:p>
               <a:pPr algn="ctr">
                 <a:defRPr lang="ko-KR" altLang="en-US"/>
@@ -4320,7 +4396,7 @@
         </p:sp>
         <p:sp>
           <p:nvSpPr>
-            <p:cNvPr id="22" name=""/>
+            <p:cNvPr id="22" name="타원 21"/>
             <p:cNvSpPr/>
             <p:nvPr/>
           </p:nvSpPr>
@@ -4361,6 +4437,7 @@
           </p:style>
           <p:txBody>
             <a:bodyPr anchor="ctr"/>
+            <a:lstStyle/>
             <a:p>
               <a:pPr algn="ctr">
                 <a:defRPr lang="ko-KR" altLang="en-US"/>
@@ -4371,7 +4448,7 @@
         </p:sp>
         <p:sp>
           <p:nvSpPr>
-            <p:cNvPr id="23" name=""/>
+            <p:cNvPr id="23" name="타원 22"/>
             <p:cNvSpPr/>
             <p:nvPr/>
           </p:nvSpPr>
@@ -4410,6 +4487,7 @@
           </p:style>
           <p:txBody>
             <a:bodyPr anchor="ctr"/>
+            <a:lstStyle/>
             <a:p>
               <a:pPr algn="ctr">
                 <a:defRPr lang="ko-KR" altLang="en-US"/>
@@ -4420,7 +4498,7 @@
         </p:sp>
         <p:sp>
           <p:nvSpPr>
-            <p:cNvPr id="24" name=""/>
+            <p:cNvPr id="24" name="타원 23"/>
             <p:cNvSpPr/>
             <p:nvPr/>
           </p:nvSpPr>
@@ -4461,6 +4539,7 @@
           </p:style>
           <p:txBody>
             <a:bodyPr anchor="ctr"/>
+            <a:lstStyle/>
             <a:p>
               <a:pPr algn="ctr">
                 <a:defRPr lang="ko-KR" altLang="en-US"/>
@@ -4471,7 +4550,7 @@
         </p:sp>
         <p:sp>
           <p:nvSpPr>
-            <p:cNvPr id="25" name=""/>
+            <p:cNvPr id="25" name="타원 24"/>
             <p:cNvSpPr/>
             <p:nvPr/>
           </p:nvSpPr>
@@ -4512,6 +4591,7 @@
           </p:style>
           <p:txBody>
             <a:bodyPr anchor="ctr"/>
+            <a:lstStyle/>
             <a:p>
               <a:pPr algn="ctr">
                 <a:defRPr lang="ko-KR" altLang="en-US"/>
@@ -4522,7 +4602,7 @@
         </p:sp>
         <p:sp>
           <p:nvSpPr>
-            <p:cNvPr id="26" name=""/>
+            <p:cNvPr id="26" name="타원 25"/>
             <p:cNvSpPr/>
             <p:nvPr/>
           </p:nvSpPr>
@@ -4561,6 +4641,7 @@
           </p:style>
           <p:txBody>
             <a:bodyPr anchor="ctr"/>
+            <a:lstStyle/>
             <a:p>
               <a:pPr algn="ctr">
                 <a:defRPr lang="ko-KR" altLang="en-US"/>
@@ -4571,7 +4652,7 @@
         </p:sp>
         <p:sp>
           <p:nvSpPr>
-            <p:cNvPr id="27" name=""/>
+            <p:cNvPr id="27" name="타원 26"/>
             <p:cNvSpPr/>
             <p:nvPr/>
           </p:nvSpPr>
@@ -4612,6 +4693,7 @@
           </p:style>
           <p:txBody>
             <a:bodyPr anchor="ctr"/>
+            <a:lstStyle/>
             <a:p>
               <a:pPr algn="ctr">
                 <a:defRPr lang="ko-KR" altLang="en-US"/>
@@ -4622,7 +4704,7 @@
         </p:sp>
         <p:sp>
           <p:nvSpPr>
-            <p:cNvPr id="28" name=""/>
+            <p:cNvPr id="28" name="타원 27"/>
             <p:cNvSpPr/>
             <p:nvPr/>
           </p:nvSpPr>
@@ -4661,6 +4743,7 @@
           </p:style>
           <p:txBody>
             <a:bodyPr anchor="ctr"/>
+            <a:lstStyle/>
             <a:p>
               <a:pPr algn="ctr">
                 <a:defRPr lang="ko-KR" altLang="en-US"/>
@@ -4671,7 +4754,7 @@
         </p:sp>
         <p:sp>
           <p:nvSpPr>
-            <p:cNvPr id="29" name=""/>
+            <p:cNvPr id="29" name="타원 28"/>
             <p:cNvSpPr/>
             <p:nvPr/>
           </p:nvSpPr>
@@ -4712,6 +4795,7 @@
           </p:style>
           <p:txBody>
             <a:bodyPr anchor="ctr"/>
+            <a:lstStyle/>
             <a:p>
               <a:pPr algn="ctr">
                 <a:defRPr lang="ko-KR" altLang="en-US"/>
@@ -4722,7 +4806,7 @@
         </p:sp>
         <p:sp>
           <p:nvSpPr>
-            <p:cNvPr id="30" name=""/>
+            <p:cNvPr id="30" name="타원 29"/>
             <p:cNvSpPr/>
             <p:nvPr/>
           </p:nvSpPr>
@@ -4762,6 +4846,7 @@
           </p:style>
           <p:txBody>
             <a:bodyPr anchor="ctr"/>
+            <a:lstStyle/>
             <a:p>
               <a:pPr algn="ctr">
                 <a:defRPr lang="ko-KR" altLang="en-US"/>
@@ -4772,7 +4857,7 @@
         </p:sp>
         <p:sp>
           <p:nvSpPr>
-            <p:cNvPr id="31" name=""/>
+            <p:cNvPr id="31" name="타원 30"/>
             <p:cNvSpPr/>
             <p:nvPr/>
           </p:nvSpPr>
@@ -4813,6 +4898,7 @@
           </p:style>
           <p:txBody>
             <a:bodyPr anchor="ctr"/>
+            <a:lstStyle/>
             <a:p>
               <a:pPr algn="ctr">
                 <a:defRPr lang="ko-KR" altLang="en-US"/>
@@ -4823,7 +4909,7 @@
         </p:sp>
         <p:sp>
           <p:nvSpPr>
-            <p:cNvPr id="32" name=""/>
+            <p:cNvPr id="32" name="타원 31"/>
             <p:cNvSpPr/>
             <p:nvPr/>
           </p:nvSpPr>
@@ -4864,6 +4950,7 @@
           </p:style>
           <p:txBody>
             <a:bodyPr anchor="ctr"/>
+            <a:lstStyle/>
             <a:p>
               <a:pPr algn="ctr">
                 <a:defRPr lang="ko-KR" altLang="en-US"/>
@@ -4874,7 +4961,7 @@
         </p:sp>
         <p:sp>
           <p:nvSpPr>
-            <p:cNvPr id="33" name=""/>
+            <p:cNvPr id="33" name="타원 32"/>
             <p:cNvSpPr/>
             <p:nvPr/>
           </p:nvSpPr>
@@ -4915,6 +5002,7 @@
           </p:style>
           <p:txBody>
             <a:bodyPr anchor="ctr"/>
+            <a:lstStyle/>
             <a:p>
               <a:pPr algn="ctr">
                 <a:defRPr lang="ko-KR" altLang="en-US"/>
@@ -4925,7 +5013,7 @@
         </p:sp>
         <p:sp>
           <p:nvSpPr>
-            <p:cNvPr id="34" name=""/>
+            <p:cNvPr id="34" name="타원 33"/>
             <p:cNvSpPr/>
             <p:nvPr/>
           </p:nvSpPr>
@@ -4966,6 +5054,7 @@
           </p:style>
           <p:txBody>
             <a:bodyPr anchor="ctr"/>
+            <a:lstStyle/>
             <a:p>
               <a:pPr algn="ctr">
                 <a:defRPr lang="ko-KR" altLang="en-US"/>
@@ -4976,7 +5065,7 @@
         </p:sp>
         <p:sp>
           <p:nvSpPr>
-            <p:cNvPr id="35" name=""/>
+            <p:cNvPr id="35" name="타원 34"/>
             <p:cNvSpPr/>
             <p:nvPr/>
           </p:nvSpPr>
@@ -5015,6 +5104,7 @@
           </p:style>
           <p:txBody>
             <a:bodyPr anchor="ctr"/>
+            <a:lstStyle/>
             <a:p>
               <a:pPr algn="ctr">
                 <a:defRPr lang="ko-KR" altLang="en-US"/>
@@ -5026,12 +5116,12 @@
       </p:grpSp>
       <p:sp>
         <p:nvSpPr>
-          <p:cNvPr id="2" name=""/>
+          <p:cNvPr id="2" name="제목 1"/>
           <p:cNvSpPr>
             <a:spLocks noGrp="1"/>
           </p:cNvSpPr>
           <p:nvPr>
-            <p:ph type="title" idx="0"/>
+            <p:ph type="title"/>
           </p:nvPr>
         </p:nvSpPr>
         <p:spPr>
@@ -5059,13 +5149,12 @@
               <a:rPr lang="ko-KR" altLang="en-US"/>
               <a:t>마스터 제목 스타일 편집</a:t>
             </a:r>
-            <a:endParaRPr lang="ko-KR" altLang="en-US"/>
           </a:p>
         </p:txBody>
       </p:sp>
       <p:sp>
         <p:nvSpPr>
-          <p:cNvPr id="39" name=""/>
+          <p:cNvPr id="39" name="텍스트 개체 틀 38"/>
           <p:cNvSpPr>
             <a:spLocks noGrp="1"/>
           </p:cNvSpPr>
@@ -5097,7 +5186,6 @@
               <a:rPr lang="ko-KR" altLang="en-US"/>
               <a:t>첫째 목차</a:t>
             </a:r>
-            <a:endParaRPr lang="ko-KR" altLang="en-US"/>
           </a:p>
           <a:p>
             <a:pPr lvl="0">
@@ -5107,7 +5195,6 @@
               <a:rPr lang="ko-KR" altLang="en-US"/>
               <a:t>둘째 목차</a:t>
             </a:r>
-            <a:endParaRPr lang="ko-KR" altLang="en-US"/>
           </a:p>
           <a:p>
             <a:pPr lvl="0">
@@ -5117,7 +5204,6 @@
               <a:rPr lang="ko-KR" altLang="en-US"/>
               <a:t>셋째 목차</a:t>
             </a:r>
-            <a:endParaRPr lang="ko-KR" altLang="en-US"/>
           </a:p>
           <a:p>
             <a:pPr lvl="0">
@@ -5127,7 +5213,6 @@
               <a:rPr lang="ko-KR" altLang="en-US"/>
               <a:t>넷째 목차</a:t>
             </a:r>
-            <a:endParaRPr lang="ko-KR" altLang="en-US"/>
           </a:p>
           <a:p>
             <a:pPr lvl="0">
@@ -5137,13 +5222,12 @@
               <a:rPr lang="ko-KR" altLang="en-US"/>
               <a:t>다섯째 목차</a:t>
             </a:r>
-            <a:endParaRPr lang="ko-KR" altLang="en-US"/>
           </a:p>
         </p:txBody>
       </p:sp>
       <p:sp>
         <p:nvSpPr>
-          <p:cNvPr id="3" name=""/>
+          <p:cNvPr id="3" name="날짜 개체 틀 2"/>
           <p:cNvSpPr>
             <a:spLocks noGrp="1"/>
           </p:cNvSpPr>
@@ -5164,7 +5248,7 @@
               <a:pPr>
                 <a:defRPr lang="ko-KR" altLang="en-US"/>
               </a:pPr>
-              <a:t>2021-07-05</a:t>
+              <a:t>2021-07-06</a:t>
             </a:fld>
             <a:endParaRPr lang="ko-KR" altLang="en-US"/>
           </a:p>
@@ -5172,7 +5256,7 @@
       </p:sp>
       <p:sp>
         <p:nvSpPr>
-          <p:cNvPr id="4" name=""/>
+          <p:cNvPr id="4" name="바닥글 개체 틀 3"/>
           <p:cNvSpPr>
             <a:spLocks noGrp="1"/>
           </p:cNvSpPr>
@@ -5188,17 +5272,13 @@
             <a:pPr>
               <a:defRPr lang="ko-KR" altLang="en-US"/>
             </a:pPr>
-            <a:r>
-              <a:rPr lang="ko-KR" altLang="en-US"/>
-              <a:t/>
-            </a:r>
             <a:endParaRPr lang="ko-KR" altLang="en-US"/>
           </a:p>
         </p:txBody>
       </p:sp>
       <p:sp>
         <p:nvSpPr>
-          <p:cNvPr id="5" name=""/>
+          <p:cNvPr id="5" name="슬라이드 번호 개체 틀 4"/>
           <p:cNvSpPr>
             <a:spLocks noGrp="1"/>
           </p:cNvSpPr>
@@ -5230,12 +5310,12 @@
   <p:clrMapOvr>
     <a:overrideClrMapping bg1="lt1" tx1="dk1" bg2="lt2" tx2="dk2" accent1="accent1" accent2="accent2" accent3="accent3" accent4="accent4" accent5="accent5" accent6="accent6" hlink="hlink" folHlink="folHlink"/>
   </p:clrMapOvr>
-  <p:transition xmlns:mc="http://schemas.openxmlformats.org/markup-compatibility/2006" xmlns:hp="http://schemas.haansoft.com/office/presentation/8.0" mc:Ignorable="hp" hp:hslDur="500"/>
+  <p:transition/>
 </p:sldLayout>
 </file>
 
 <file path=ppt/slideLayouts/slideLayout12.xml><?xml version="1.0" encoding="utf-8"?>
-<p:sldLayout xmlns:r="http://schemas.openxmlformats.org/officeDocument/2006/relationships" xmlns:c="http://schemas.openxmlformats.org/drawingml/2006/chart" xmlns:a="http://schemas.openxmlformats.org/drawingml/2006/main" xmlns:dgm="http://schemas.openxmlformats.org/drawingml/2006/diagram" xmlns:dsp="http://schemas.microsoft.com/office/drawing/2008/diagram" xmlns:p="http://schemas.openxmlformats.org/presentationml/2006/main" showMasterSp="0" showMasterPhAnim="1" matchingName="세로 제목 및 본문" type="vertTitleAndTx" preserve="1">
+<p:sldLayout xmlns:a="http://schemas.openxmlformats.org/drawingml/2006/main" xmlns:r="http://schemas.openxmlformats.org/officeDocument/2006/relationships" xmlns:p="http://schemas.openxmlformats.org/presentationml/2006/main" showMasterSp="0" matchingName="세로 제목 및 본문" type="vertTitleAndTx" preserve="1">
   <p:cSld name="세로 제목 및 본문">
     <p:spTree>
       <p:nvGrpSpPr>
@@ -5253,7 +5333,7 @@
       </p:grpSpPr>
       <p:grpSp>
         <p:nvGrpSpPr>
-          <p:cNvPr id="7" name=""/>
+          <p:cNvPr id="7" name="그룹 6"/>
           <p:cNvGrpSpPr/>
           <p:nvPr/>
         </p:nvGrpSpPr>
@@ -5267,7 +5347,7 @@
         </p:grpSpPr>
         <p:sp>
           <p:nvSpPr>
-            <p:cNvPr id="8" name=""/>
+            <p:cNvPr id="8" name="자유형: 도형 7"/>
             <p:cNvSpPr/>
             <p:nvPr/>
           </p:nvSpPr>
@@ -5320,6 +5400,7 @@
                 <a:gd name="connsiteX3" fmla="*/ 8839200 w 8839200"/>
                 <a:gd name="connsiteY3" fmla="*/ 0 h 990600"/>
               </a:gdLst>
+              <a:ahLst/>
               <a:cxnLst>
                 <a:cxn ang="0">
                   <a:pos x="connsiteX0" y="connsiteY0"/>
@@ -5385,6 +5466,7 @@
           </p:spPr>
           <p:txBody>
             <a:bodyPr anchor="ctr"/>
+            <a:lstStyle/>
             <a:p>
               <a:pPr algn="ctr">
                 <a:defRPr lang="ko-KR" altLang="en-US"/>
@@ -5395,7 +5477,7 @@
         </p:sp>
         <p:sp>
           <p:nvSpPr>
-            <p:cNvPr id="9" name=""/>
+            <p:cNvPr id="9" name="자유형: 도형 8"/>
             <p:cNvSpPr/>
             <p:nvPr/>
           </p:nvSpPr>
@@ -5460,6 +5542,7 @@
                 <a:gd name="connsiteX4" fmla="*/ 9144000 w 9144000"/>
                 <a:gd name="connsiteY4" fmla="*/ 0 h 990600"/>
               </a:gdLst>
+              <a:ahLst/>
               <a:cxnLst>
                 <a:cxn ang="0">
                   <a:pos x="connsiteX0" y="connsiteY0"/>
@@ -5534,6 +5617,7 @@
           </p:spPr>
           <p:txBody>
             <a:bodyPr anchor="ctr"/>
+            <a:lstStyle/>
             <a:p>
               <a:pPr algn="ctr">
                 <a:defRPr lang="ko-KR" altLang="en-US"/>
@@ -5545,7 +5629,7 @@
       </p:grpSp>
       <p:grpSp>
         <p:nvGrpSpPr>
-          <p:cNvPr id="10" name=""/>
+          <p:cNvPr id="10" name="그룹 9"/>
           <p:cNvGrpSpPr/>
           <p:nvPr/>
         </p:nvGrpSpPr>
@@ -5559,7 +5643,7 @@
         </p:grpSpPr>
         <p:sp>
           <p:nvSpPr>
-            <p:cNvPr id="11" name=""/>
+            <p:cNvPr id="11" name="타원 10"/>
             <p:cNvSpPr/>
             <p:nvPr/>
           </p:nvSpPr>
@@ -5602,6 +5686,7 @@
             <a:bodyPr vert="horz" wrap="square" lIns="91440" tIns="45720" rIns="91440" bIns="45720" anchor="ctr">
               <a:noAutofit/>
             </a:bodyPr>
+            <a:lstStyle/>
             <a:p>
               <a:pPr algn="ctr">
                 <a:defRPr lang="ko-KR" altLang="en-US"/>
@@ -5612,7 +5697,7 @@
         </p:sp>
         <p:sp>
           <p:nvSpPr>
-            <p:cNvPr id="12" name=""/>
+            <p:cNvPr id="12" name="타원 11"/>
             <p:cNvSpPr/>
             <p:nvPr/>
           </p:nvSpPr>
@@ -5653,6 +5738,7 @@
             <a:bodyPr vert="horz" wrap="square" lIns="91440" tIns="45720" rIns="91440" bIns="45720" anchor="ctr">
               <a:noAutofit/>
             </a:bodyPr>
+            <a:lstStyle/>
             <a:p>
               <a:pPr algn="ctr">
                 <a:defRPr lang="ko-KR" altLang="en-US"/>
@@ -5663,7 +5749,7 @@
         </p:sp>
         <p:sp>
           <p:nvSpPr>
-            <p:cNvPr id="13" name=""/>
+            <p:cNvPr id="13" name="타원 12"/>
             <p:cNvSpPr/>
             <p:nvPr/>
           </p:nvSpPr>
@@ -5706,6 +5792,7 @@
             <a:bodyPr vert="horz" wrap="square" lIns="91440" tIns="45720" rIns="91440" bIns="45720" anchor="ctr">
               <a:noAutofit/>
             </a:bodyPr>
+            <a:lstStyle/>
             <a:p>
               <a:pPr algn="ctr">
                 <a:defRPr lang="ko-KR" altLang="en-US"/>
@@ -5716,7 +5803,7 @@
         </p:sp>
         <p:sp>
           <p:nvSpPr>
-            <p:cNvPr id="14" name=""/>
+            <p:cNvPr id="14" name="타원 13"/>
             <p:cNvSpPr/>
             <p:nvPr/>
           </p:nvSpPr>
@@ -5759,6 +5846,7 @@
             <a:bodyPr vert="horz" wrap="square" lIns="91440" tIns="45720" rIns="91440" bIns="45720" anchor="ctr">
               <a:noAutofit/>
             </a:bodyPr>
+            <a:lstStyle/>
             <a:p>
               <a:pPr algn="ctr">
                 <a:defRPr lang="ko-KR" altLang="en-US"/>
@@ -5769,7 +5857,7 @@
         </p:sp>
         <p:sp>
           <p:nvSpPr>
-            <p:cNvPr id="15" name=""/>
+            <p:cNvPr id="15" name="타원 14"/>
             <p:cNvSpPr/>
             <p:nvPr/>
           </p:nvSpPr>
@@ -5812,6 +5900,7 @@
             <a:bodyPr vert="horz" wrap="square" lIns="91440" tIns="45720" rIns="91440" bIns="45720" anchor="ctr">
               <a:noAutofit/>
             </a:bodyPr>
+            <a:lstStyle/>
             <a:p>
               <a:pPr algn="ctr">
                 <a:defRPr lang="ko-KR" altLang="en-US"/>
@@ -5822,7 +5911,7 @@
         </p:sp>
         <p:sp>
           <p:nvSpPr>
-            <p:cNvPr id="16" name=""/>
+            <p:cNvPr id="16" name="타원 15"/>
             <p:cNvSpPr/>
             <p:nvPr/>
           </p:nvSpPr>
@@ -5863,6 +5952,7 @@
             <a:bodyPr vert="horz" wrap="square" lIns="91440" tIns="45720" rIns="91440" bIns="45720" anchor="ctr">
               <a:noAutofit/>
             </a:bodyPr>
+            <a:lstStyle/>
             <a:p>
               <a:pPr algn="ctr">
                 <a:defRPr lang="ko-KR" altLang="en-US"/>
@@ -5874,12 +5964,12 @@
       </p:grpSp>
       <p:sp>
         <p:nvSpPr>
-          <p:cNvPr id="2" name=""/>
+          <p:cNvPr id="2" name="세로 제목 1"/>
           <p:cNvSpPr>
             <a:spLocks noGrp="1"/>
           </p:cNvSpPr>
           <p:nvPr>
-            <p:ph type="title" orient="vert" idx="0"/>
+            <p:ph type="title" orient="vert"/>
           </p:nvPr>
         </p:nvSpPr>
         <p:spPr>
@@ -5899,13 +5989,12 @@
               <a:rPr lang="ko-KR" altLang="en-US"/>
               <a:t>마스터 제목 스타일 편집</a:t>
             </a:r>
-            <a:endParaRPr lang="ko-KR" altLang="en-US"/>
           </a:p>
         </p:txBody>
       </p:sp>
       <p:sp>
         <p:nvSpPr>
-          <p:cNvPr id="3" name=""/>
+          <p:cNvPr id="3" name="세로 텍스트 개체 틀 2"/>
           <p:cNvSpPr>
             <a:spLocks noGrp="1"/>
           </p:cNvSpPr>
@@ -5930,7 +6019,6 @@
               <a:rPr lang="ko-KR" altLang="en-US"/>
               <a:t>마스터 텍스트 스타일을 편집합니다</a:t>
             </a:r>
-            <a:endParaRPr lang="ko-KR" altLang="en-US"/>
           </a:p>
           <a:p>
             <a:pPr lvl="1">
@@ -5940,7 +6028,6 @@
               <a:rPr lang="ko-KR" altLang="en-US"/>
               <a:t>둘째 수준</a:t>
             </a:r>
-            <a:endParaRPr lang="ko-KR" altLang="en-US"/>
           </a:p>
           <a:p>
             <a:pPr lvl="2">
@@ -5950,7 +6037,6 @@
               <a:rPr lang="ko-KR" altLang="en-US"/>
               <a:t>셋째 수준</a:t>
             </a:r>
-            <a:endParaRPr lang="ko-KR" altLang="en-US"/>
           </a:p>
           <a:p>
             <a:pPr lvl="3">
@@ -5960,7 +6046,6 @@
               <a:rPr lang="ko-KR" altLang="en-US"/>
               <a:t>넷째 수준</a:t>
             </a:r>
-            <a:endParaRPr lang="ko-KR" altLang="en-US"/>
           </a:p>
           <a:p>
             <a:pPr lvl="4">
@@ -5970,13 +6055,12 @@
               <a:rPr lang="ko-KR" altLang="en-US"/>
               <a:t>다섯째 수준</a:t>
             </a:r>
-            <a:endParaRPr lang="ko-KR" altLang="en-US"/>
           </a:p>
         </p:txBody>
       </p:sp>
       <p:sp>
         <p:nvSpPr>
-          <p:cNvPr id="4" name=""/>
+          <p:cNvPr id="4" name="날짜 개체 틀 3"/>
           <p:cNvSpPr>
             <a:spLocks noGrp="1"/>
           </p:cNvSpPr>
@@ -5997,7 +6081,7 @@
               <a:pPr>
                 <a:defRPr lang="ko-KR" altLang="en-US"/>
               </a:pPr>
-              <a:t>2021-07-05</a:t>
+              <a:t>2021-07-06</a:t>
             </a:fld>
             <a:endParaRPr lang="ko-KR" altLang="en-US"/>
           </a:p>
@@ -6005,7 +6089,7 @@
       </p:sp>
       <p:sp>
         <p:nvSpPr>
-          <p:cNvPr id="5" name=""/>
+          <p:cNvPr id="5" name="바닥글 개체 틀 4"/>
           <p:cNvSpPr>
             <a:spLocks noGrp="1"/>
           </p:cNvSpPr>
@@ -6021,17 +6105,13 @@
             <a:pPr>
               <a:defRPr lang="ko-KR" altLang="en-US"/>
             </a:pPr>
-            <a:r>
-              <a:rPr lang="ko-KR" altLang="en-US"/>
-              <a:t/>
-            </a:r>
             <a:endParaRPr lang="ko-KR" altLang="en-US"/>
           </a:p>
         </p:txBody>
       </p:sp>
       <p:sp>
         <p:nvSpPr>
-          <p:cNvPr id="6" name=""/>
+          <p:cNvPr id="6" name="슬라이드 번호 개체 틀 5"/>
           <p:cNvSpPr>
             <a:spLocks noGrp="1"/>
           </p:cNvSpPr>
@@ -6063,12 +6143,12 @@
   <p:clrMapOvr>
     <a:masterClrMapping/>
   </p:clrMapOvr>
-  <p:transition xmlns:mc="http://schemas.openxmlformats.org/markup-compatibility/2006" xmlns:hp="http://schemas.haansoft.com/office/presentation/8.0" mc:Ignorable="hp" hp:hslDur="500"/>
+  <p:transition/>
 </p:sldLayout>
 </file>
 
 <file path=ppt/slideLayouts/slideLayout2.xml><?xml version="1.0" encoding="utf-8"?>
-<p:sldLayout xmlns:r="http://schemas.openxmlformats.org/officeDocument/2006/relationships" xmlns:c="http://schemas.openxmlformats.org/drawingml/2006/chart" xmlns:a="http://schemas.openxmlformats.org/drawingml/2006/main" xmlns:dgm="http://schemas.openxmlformats.org/drawingml/2006/diagram" xmlns:dsp="http://schemas.microsoft.com/office/drawing/2008/diagram" xmlns:p="http://schemas.openxmlformats.org/presentationml/2006/main" showMasterPhAnim="1" matchingName="제목 및 내용" type="obj" preserve="1">
+<p:sldLayout xmlns:a="http://schemas.openxmlformats.org/drawingml/2006/main" xmlns:r="http://schemas.openxmlformats.org/officeDocument/2006/relationships" xmlns:p="http://schemas.openxmlformats.org/presentationml/2006/main" matchingName="제목 및 내용" type="obj" preserve="1">
   <p:cSld name="제목 및 내용">
     <p:spTree>
       <p:nvGrpSpPr>
@@ -6086,12 +6166,12 @@
       </p:grpSpPr>
       <p:sp>
         <p:nvSpPr>
-          <p:cNvPr id="2" name=""/>
+          <p:cNvPr id="2" name="제목 1"/>
           <p:cNvSpPr>
             <a:spLocks noGrp="1"/>
           </p:cNvSpPr>
           <p:nvPr>
-            <p:ph type="title" idx="0"/>
+            <p:ph type="title"/>
           </p:nvPr>
         </p:nvSpPr>
         <p:spPr/>
@@ -6106,13 +6186,12 @@
               <a:rPr lang="ko-KR" altLang="en-US"/>
               <a:t>마스터 제목 스타일 편집</a:t>
             </a:r>
-            <a:endParaRPr lang="ko-KR" altLang="en-US"/>
           </a:p>
         </p:txBody>
       </p:sp>
       <p:sp>
         <p:nvSpPr>
-          <p:cNvPr id="3" name=""/>
+          <p:cNvPr id="3" name="내용 개체 틀 2"/>
           <p:cNvSpPr>
             <a:spLocks noGrp="1"/>
           </p:cNvSpPr>
@@ -6137,7 +6216,6 @@
               <a:rPr lang="ko-KR" altLang="en-US"/>
               <a:t>마스터 텍스트 스타일을 편집합니다</a:t>
             </a:r>
-            <a:endParaRPr lang="ko-KR" altLang="en-US"/>
           </a:p>
           <a:p>
             <a:pPr lvl="1">
@@ -6147,7 +6225,6 @@
               <a:rPr lang="ko-KR" altLang="en-US"/>
               <a:t>둘째 수준</a:t>
             </a:r>
-            <a:endParaRPr lang="ko-KR" altLang="en-US"/>
           </a:p>
           <a:p>
             <a:pPr lvl="2">
@@ -6157,7 +6234,6 @@
               <a:rPr lang="ko-KR" altLang="en-US"/>
               <a:t>셋째 수준</a:t>
             </a:r>
-            <a:endParaRPr lang="ko-KR" altLang="en-US"/>
           </a:p>
           <a:p>
             <a:pPr lvl="3">
@@ -6167,7 +6243,6 @@
               <a:rPr lang="ko-KR" altLang="en-US"/>
               <a:t>넷째 수준</a:t>
             </a:r>
-            <a:endParaRPr lang="ko-KR" altLang="en-US"/>
           </a:p>
           <a:p>
             <a:pPr lvl="4">
@@ -6177,13 +6252,12 @@
               <a:rPr lang="ko-KR" altLang="en-US"/>
               <a:t>다섯째 수준</a:t>
             </a:r>
-            <a:endParaRPr lang="ko-KR" altLang="en-US"/>
           </a:p>
         </p:txBody>
       </p:sp>
       <p:sp>
         <p:nvSpPr>
-          <p:cNvPr id="4" name=""/>
+          <p:cNvPr id="4" name="날짜 개체 틀 3"/>
           <p:cNvSpPr>
             <a:spLocks noGrp="1"/>
           </p:cNvSpPr>
@@ -6204,7 +6278,7 @@
               <a:pPr>
                 <a:defRPr lang="ko-KR" altLang="en-US"/>
               </a:pPr>
-              <a:t>2021-07-05</a:t>
+              <a:t>2021-07-06</a:t>
             </a:fld>
             <a:endParaRPr lang="ko-KR" altLang="en-US"/>
           </a:p>
@@ -6212,7 +6286,7 @@
       </p:sp>
       <p:sp>
         <p:nvSpPr>
-          <p:cNvPr id="5" name=""/>
+          <p:cNvPr id="5" name="바닥글 개체 틀 4"/>
           <p:cNvSpPr>
             <a:spLocks noGrp="1"/>
           </p:cNvSpPr>
@@ -6228,17 +6302,13 @@
             <a:pPr>
               <a:defRPr lang="ko-KR" altLang="en-US"/>
             </a:pPr>
-            <a:r>
-              <a:rPr lang="ko-KR" altLang="en-US"/>
-              <a:t/>
-            </a:r>
             <a:endParaRPr lang="ko-KR" altLang="en-US"/>
           </a:p>
         </p:txBody>
       </p:sp>
       <p:sp>
         <p:nvSpPr>
-          <p:cNvPr id="6" name=""/>
+          <p:cNvPr id="6" name="슬라이드 번호 개체 틀 5"/>
           <p:cNvSpPr>
             <a:spLocks noGrp="1"/>
           </p:cNvSpPr>
@@ -6270,12 +6340,12 @@
   <p:clrMapOvr>
     <a:masterClrMapping/>
   </p:clrMapOvr>
-  <p:transition xmlns:mc="http://schemas.openxmlformats.org/markup-compatibility/2006" xmlns:hp="http://schemas.haansoft.com/office/presentation/8.0" mc:Ignorable="hp" hp:hslDur="500"/>
+  <p:transition/>
 </p:sldLayout>
 </file>
 
 <file path=ppt/slideLayouts/slideLayout3.xml><?xml version="1.0" encoding="utf-8"?>
-<p:sldLayout xmlns:r="http://schemas.openxmlformats.org/officeDocument/2006/relationships" xmlns:c="http://schemas.openxmlformats.org/drawingml/2006/chart" xmlns:a="http://schemas.openxmlformats.org/drawingml/2006/main" xmlns:dgm="http://schemas.openxmlformats.org/drawingml/2006/diagram" xmlns:dsp="http://schemas.microsoft.com/office/drawing/2008/diagram" xmlns:p="http://schemas.openxmlformats.org/presentationml/2006/main" showMasterSp="0" showMasterPhAnim="1" matchingName="빈 화면" type="blank" preserve="1">
+<p:sldLayout xmlns:a="http://schemas.openxmlformats.org/drawingml/2006/main" xmlns:r="http://schemas.openxmlformats.org/officeDocument/2006/relationships" xmlns:p="http://schemas.openxmlformats.org/presentationml/2006/main" showMasterSp="0" matchingName="빈 화면" type="blank" preserve="1">
   <p:cSld name="빈 화면">
     <p:spTree>
       <p:nvGrpSpPr>
@@ -6293,7 +6363,7 @@
       </p:grpSpPr>
       <p:sp>
         <p:nvSpPr>
-          <p:cNvPr id="3" name=""/>
+          <p:cNvPr id="3" name="날짜 개체 틀 2"/>
           <p:cNvSpPr>
             <a:spLocks noGrp="1"/>
           </p:cNvSpPr>
@@ -6314,7 +6384,7 @@
               <a:pPr>
                 <a:defRPr lang="ko-KR" altLang="en-US"/>
               </a:pPr>
-              <a:t>2021-07-05</a:t>
+              <a:t>2021-07-06</a:t>
             </a:fld>
             <a:endParaRPr lang="ko-KR" altLang="en-US"/>
           </a:p>
@@ -6322,7 +6392,7 @@
       </p:sp>
       <p:sp>
         <p:nvSpPr>
-          <p:cNvPr id="4" name=""/>
+          <p:cNvPr id="4" name="바닥글 개체 틀 3"/>
           <p:cNvSpPr>
             <a:spLocks noGrp="1"/>
           </p:cNvSpPr>
@@ -6338,17 +6408,13 @@
             <a:pPr>
               <a:defRPr lang="ko-KR" altLang="en-US"/>
             </a:pPr>
-            <a:r>
-              <a:rPr lang="ko-KR" altLang="en-US"/>
-              <a:t/>
-            </a:r>
             <a:endParaRPr lang="ko-KR" altLang="en-US"/>
           </a:p>
         </p:txBody>
       </p:sp>
       <p:sp>
         <p:nvSpPr>
-          <p:cNvPr id="5" name=""/>
+          <p:cNvPr id="5" name="슬라이드 번호 개체 틀 4"/>
           <p:cNvSpPr>
             <a:spLocks noGrp="1"/>
           </p:cNvSpPr>
@@ -6377,12 +6443,12 @@
       </p:sp>
       <p:grpSp>
         <p:nvGrpSpPr>
-          <p:cNvPr id="2" name=""/>
+          <p:cNvPr id="2" name="그룹 1"/>
           <p:cNvGrpSpPr/>
           <p:nvPr/>
         </p:nvGrpSpPr>
         <p:grpSpPr>
-          <a:xfrm rot="0">
+          <a:xfrm>
             <a:off x="10692937" y="151200"/>
             <a:ext cx="1368000" cy="2440800"/>
             <a:chOff x="8077200" y="152400"/>
@@ -6391,7 +6457,7 @@
         </p:grpSpPr>
         <p:sp>
           <p:nvSpPr>
-            <p:cNvPr id="6" name=""/>
+            <p:cNvPr id="6" name="타원 5"/>
             <p:cNvSpPr/>
             <p:nvPr/>
           </p:nvSpPr>
@@ -6434,6 +6500,7 @@
             <a:bodyPr vert="horz" wrap="square" lIns="91440" tIns="45720" rIns="91440" bIns="45720" anchor="ctr">
               <a:noAutofit/>
             </a:bodyPr>
+            <a:lstStyle/>
             <a:p>
               <a:pPr algn="ctr">
                 <a:defRPr lang="ko-KR" altLang="en-US"/>
@@ -6444,7 +6511,7 @@
         </p:sp>
         <p:sp>
           <p:nvSpPr>
-            <p:cNvPr id="7" name=""/>
+            <p:cNvPr id="7" name="타원 6"/>
             <p:cNvSpPr/>
             <p:nvPr/>
           </p:nvSpPr>
@@ -6485,6 +6552,7 @@
             <a:bodyPr vert="horz" wrap="square" lIns="91440" tIns="45720" rIns="91440" bIns="45720" anchor="ctr">
               <a:noAutofit/>
             </a:bodyPr>
+            <a:lstStyle/>
             <a:p>
               <a:pPr algn="ctr">
                 <a:defRPr lang="ko-KR" altLang="en-US"/>
@@ -6495,7 +6563,7 @@
         </p:sp>
         <p:sp>
           <p:nvSpPr>
-            <p:cNvPr id="8" name=""/>
+            <p:cNvPr id="8" name="타원 7"/>
             <p:cNvSpPr/>
             <p:nvPr/>
           </p:nvSpPr>
@@ -6538,6 +6606,7 @@
             <a:bodyPr vert="horz" wrap="square" lIns="91440" tIns="45720" rIns="91440" bIns="45720" anchor="ctr">
               <a:noAutofit/>
             </a:bodyPr>
+            <a:lstStyle/>
             <a:p>
               <a:pPr algn="ctr">
                 <a:defRPr lang="ko-KR" altLang="en-US"/>
@@ -6548,7 +6617,7 @@
         </p:sp>
         <p:sp>
           <p:nvSpPr>
-            <p:cNvPr id="9" name=""/>
+            <p:cNvPr id="9" name="타원 8"/>
             <p:cNvSpPr/>
             <p:nvPr/>
           </p:nvSpPr>
@@ -6591,6 +6660,7 @@
             <a:bodyPr vert="horz" wrap="square" lIns="91440" tIns="45720" rIns="91440" bIns="45720" anchor="ctr">
               <a:noAutofit/>
             </a:bodyPr>
+            <a:lstStyle/>
             <a:p>
               <a:pPr algn="ctr">
                 <a:defRPr lang="ko-KR" altLang="en-US"/>
@@ -6601,7 +6671,7 @@
         </p:sp>
         <p:sp>
           <p:nvSpPr>
-            <p:cNvPr id="10" name=""/>
+            <p:cNvPr id="10" name="타원 9"/>
             <p:cNvSpPr/>
             <p:nvPr/>
           </p:nvSpPr>
@@ -6644,6 +6714,7 @@
             <a:bodyPr vert="horz" wrap="square" lIns="91440" tIns="45720" rIns="91440" bIns="45720" anchor="ctr">
               <a:noAutofit/>
             </a:bodyPr>
+            <a:lstStyle/>
             <a:p>
               <a:pPr algn="ctr">
                 <a:defRPr lang="ko-KR" altLang="en-US"/>
@@ -6654,7 +6725,7 @@
         </p:sp>
         <p:sp>
           <p:nvSpPr>
-            <p:cNvPr id="11" name=""/>
+            <p:cNvPr id="11" name="타원 10"/>
             <p:cNvSpPr/>
             <p:nvPr/>
           </p:nvSpPr>
@@ -6695,6 +6766,7 @@
             <a:bodyPr vert="horz" wrap="square" lIns="91440" tIns="45720" rIns="91440" bIns="45720" anchor="ctr">
               <a:noAutofit/>
             </a:bodyPr>
+            <a:lstStyle/>
             <a:p>
               <a:pPr algn="ctr">
                 <a:defRPr lang="ko-KR" altLang="en-US"/>
@@ -6709,12 +6781,12 @@
   <p:clrMapOvr>
     <a:masterClrMapping/>
   </p:clrMapOvr>
-  <p:transition xmlns:mc="http://schemas.openxmlformats.org/markup-compatibility/2006" xmlns:hp="http://schemas.haansoft.com/office/presentation/8.0" mc:Ignorable="hp" hp:hslDur="500"/>
+  <p:transition/>
 </p:sldLayout>
 </file>
 
 <file path=ppt/slideLayouts/slideLayout4.xml><?xml version="1.0" encoding="utf-8"?>
-<p:sldLayout xmlns:r="http://schemas.openxmlformats.org/officeDocument/2006/relationships" xmlns:c="http://schemas.openxmlformats.org/drawingml/2006/chart" xmlns:a="http://schemas.openxmlformats.org/drawingml/2006/main" xmlns:dgm="http://schemas.openxmlformats.org/drawingml/2006/diagram" xmlns:dsp="http://schemas.microsoft.com/office/drawing/2008/diagram" xmlns:p="http://schemas.openxmlformats.org/presentationml/2006/main" showMasterSp="0" showMasterPhAnim="1" matchingName="구역 머리글" type="secHead" preserve="1">
+<p:sldLayout xmlns:a="http://schemas.openxmlformats.org/drawingml/2006/main" xmlns:r="http://schemas.openxmlformats.org/officeDocument/2006/relationships" xmlns:p="http://schemas.openxmlformats.org/presentationml/2006/main" showMasterSp="0" matchingName="구역 머리글" type="secHead" preserve="1">
   <p:cSld name="구역 머리글">
     <p:spTree>
       <p:nvGrpSpPr>
@@ -6732,7 +6804,7 @@
       </p:grpSpPr>
       <p:sp>
         <p:nvSpPr>
-          <p:cNvPr id="7" name=""/>
+          <p:cNvPr id="7" name="직각 삼각형 6"/>
           <p:cNvSpPr/>
           <p:nvPr/>
         </p:nvSpPr>
@@ -6773,6 +6845,7 @@
         </p:spPr>
         <p:txBody>
           <a:bodyPr anchor="ctr"/>
+          <a:lstStyle/>
           <a:p>
             <a:pPr algn="ctr">
               <a:defRPr lang="ko-KR" altLang="en-US"/>
@@ -6783,12 +6856,12 @@
       </p:sp>
       <p:sp>
         <p:nvSpPr>
-          <p:cNvPr id="2" name=""/>
+          <p:cNvPr id="2" name="제목 1"/>
           <p:cNvSpPr>
             <a:spLocks noGrp="1"/>
           </p:cNvSpPr>
           <p:nvPr>
-            <p:ph type="title" idx="0"/>
+            <p:ph type="title"/>
           </p:nvPr>
         </p:nvSpPr>
         <p:spPr>
@@ -6818,13 +6891,12 @@
               <a:rPr lang="ko-KR" altLang="en-US"/>
               <a:t>마스터 제목 스타일 편집</a:t>
             </a:r>
-            <a:endParaRPr lang="ko-KR" altLang="en-US"/>
           </a:p>
         </p:txBody>
       </p:sp>
       <p:sp>
         <p:nvSpPr>
-          <p:cNvPr id="3" name=""/>
+          <p:cNvPr id="3" name="텍스트 개체 틀 2"/>
           <p:cNvSpPr>
             <a:spLocks noGrp="1"/>
           </p:cNvSpPr>
@@ -6940,13 +7012,12 @@
               <a:rPr lang="ko-KR" altLang="en-US"/>
               <a:t>마스터 텍스트 스타일을 편집합니다</a:t>
             </a:r>
-            <a:endParaRPr lang="ko-KR" altLang="en-US"/>
           </a:p>
         </p:txBody>
       </p:sp>
       <p:sp>
         <p:nvSpPr>
-          <p:cNvPr id="39" name=""/>
+          <p:cNvPr id="39" name="날짜 개체 틀 38"/>
           <p:cNvSpPr>
             <a:spLocks noGrp="1"/>
           </p:cNvSpPr>
@@ -6985,7 +7056,7 @@
               <a:pPr>
                 <a:defRPr lang="ko-KR" altLang="en-US"/>
               </a:pPr>
-              <a:t>2021-07-05</a:t>
+              <a:t>2021-07-06</a:t>
             </a:fld>
             <a:endParaRPr lang="ko-KR" altLang="en-US"/>
           </a:p>
@@ -6993,7 +7064,7 @@
       </p:sp>
       <p:sp>
         <p:nvSpPr>
-          <p:cNvPr id="40" name=""/>
+          <p:cNvPr id="40" name="바닥글 개체 틀 39"/>
           <p:cNvSpPr>
             <a:spLocks noGrp="1"/>
           </p:cNvSpPr>
@@ -7027,17 +7098,13 @@
             <a:pPr>
               <a:defRPr lang="ko-KR" altLang="en-US"/>
             </a:pPr>
-            <a:r>
-              <a:rPr lang="ko-KR" altLang="en-US"/>
-              <a:t/>
-            </a:r>
             <a:endParaRPr lang="ko-KR" altLang="en-US"/>
           </a:p>
         </p:txBody>
       </p:sp>
       <p:sp>
         <p:nvSpPr>
-          <p:cNvPr id="41" name=""/>
+          <p:cNvPr id="41" name="슬라이드 번호 개체 틀 40"/>
           <p:cNvSpPr>
             <a:spLocks noGrp="1"/>
           </p:cNvSpPr>
@@ -7084,7 +7151,7 @@
       </p:sp>
       <p:grpSp>
         <p:nvGrpSpPr>
-          <p:cNvPr id="4" name=""/>
+          <p:cNvPr id="4" name="그룹 3"/>
           <p:cNvGrpSpPr/>
           <p:nvPr/>
         </p:nvGrpSpPr>
@@ -7098,7 +7165,7 @@
         </p:grpSpPr>
         <p:sp>
           <p:nvSpPr>
-            <p:cNvPr id="37" name=""/>
+            <p:cNvPr id="37" name="타원 36"/>
             <p:cNvSpPr/>
             <p:nvPr/>
           </p:nvSpPr>
@@ -7141,6 +7208,7 @@
             <a:bodyPr vert="horz" wrap="square" lIns="91440" tIns="45720" rIns="91440" bIns="45720" anchor="ctr">
               <a:noAutofit/>
             </a:bodyPr>
+            <a:lstStyle/>
             <a:p>
               <a:pPr algn="ctr">
                 <a:defRPr lang="ko-KR" altLang="en-US"/>
@@ -7151,7 +7219,7 @@
         </p:sp>
         <p:sp>
           <p:nvSpPr>
-            <p:cNvPr id="38" name=""/>
+            <p:cNvPr id="38" name="타원 37"/>
             <p:cNvSpPr/>
             <p:nvPr/>
           </p:nvSpPr>
@@ -7194,6 +7262,7 @@
             <a:bodyPr vert="horz" wrap="square" lIns="91440" tIns="45720" rIns="91440" bIns="45720" anchor="ctr">
               <a:noAutofit/>
             </a:bodyPr>
+            <a:lstStyle/>
             <a:p>
               <a:pPr algn="ctr">
                 <a:defRPr lang="ko-KR" altLang="en-US"/>
@@ -7204,7 +7273,7 @@
         </p:sp>
         <p:sp>
           <p:nvSpPr>
-            <p:cNvPr id="42" name=""/>
+            <p:cNvPr id="42" name="타원 41"/>
             <p:cNvSpPr/>
             <p:nvPr/>
           </p:nvSpPr>
@@ -7247,6 +7316,7 @@
             <a:bodyPr vert="horz" wrap="square" lIns="91440" tIns="45720" rIns="91440" bIns="45720" anchor="ctr">
               <a:noAutofit/>
             </a:bodyPr>
+            <a:lstStyle/>
             <a:p>
               <a:pPr algn="ctr">
                 <a:defRPr lang="ko-KR" altLang="en-US"/>
@@ -7257,7 +7327,7 @@
         </p:sp>
         <p:sp>
           <p:nvSpPr>
-            <p:cNvPr id="43" name=""/>
+            <p:cNvPr id="43" name="타원 42"/>
             <p:cNvSpPr/>
             <p:nvPr/>
           </p:nvSpPr>
@@ -7299,6 +7369,7 @@
             <a:bodyPr vert="horz" wrap="square" lIns="91440" tIns="45720" rIns="91440" bIns="45720" anchor="ctr">
               <a:noAutofit/>
             </a:bodyPr>
+            <a:lstStyle/>
             <a:p>
               <a:pPr algn="ctr">
                 <a:defRPr lang="ko-KR" altLang="en-US"/>
@@ -7309,7 +7380,7 @@
         </p:sp>
         <p:sp>
           <p:nvSpPr>
-            <p:cNvPr id="44" name=""/>
+            <p:cNvPr id="44" name="타원 43"/>
             <p:cNvSpPr/>
             <p:nvPr/>
           </p:nvSpPr>
@@ -7350,6 +7421,7 @@
             <a:bodyPr vert="horz" wrap="square" lIns="91440" tIns="45720" rIns="91440" bIns="45720" anchor="ctr">
               <a:noAutofit/>
             </a:bodyPr>
+            <a:lstStyle/>
             <a:p>
               <a:pPr algn="ctr">
                 <a:defRPr lang="ko-KR" altLang="en-US"/>
@@ -7360,7 +7432,7 @@
         </p:sp>
         <p:sp>
           <p:nvSpPr>
-            <p:cNvPr id="45" name=""/>
+            <p:cNvPr id="45" name="타원 44"/>
             <p:cNvSpPr/>
             <p:nvPr/>
           </p:nvSpPr>
@@ -7403,6 +7475,7 @@
             <a:bodyPr vert="horz" wrap="square" lIns="91440" tIns="45720" rIns="91440" bIns="45720" anchor="ctr">
               <a:noAutofit/>
             </a:bodyPr>
+            <a:lstStyle/>
             <a:p>
               <a:pPr algn="ctr">
                 <a:defRPr lang="ko-KR" altLang="en-US"/>
@@ -7413,7 +7486,7 @@
         </p:sp>
         <p:sp>
           <p:nvSpPr>
-            <p:cNvPr id="46" name=""/>
+            <p:cNvPr id="46" name="타원 45"/>
             <p:cNvSpPr/>
             <p:nvPr/>
           </p:nvSpPr>
@@ -7454,6 +7527,7 @@
             <a:bodyPr vert="horz" wrap="square" lIns="91440" tIns="45720" rIns="91440" bIns="45720" anchor="ctr">
               <a:noAutofit/>
             </a:bodyPr>
+            <a:lstStyle/>
             <a:p>
               <a:pPr algn="ctr">
                 <a:defRPr lang="ko-KR" altLang="en-US"/>
@@ -7464,7 +7538,7 @@
         </p:sp>
         <p:sp>
           <p:nvSpPr>
-            <p:cNvPr id="47" name=""/>
+            <p:cNvPr id="47" name="타원 46"/>
             <p:cNvSpPr/>
             <p:nvPr/>
           </p:nvSpPr>
@@ -7507,6 +7581,7 @@
             <a:bodyPr vert="horz" wrap="square" lIns="91440" tIns="45720" rIns="91440" bIns="45720" anchor="ctr">
               <a:noAutofit/>
             </a:bodyPr>
+            <a:lstStyle/>
             <a:p>
               <a:pPr algn="ctr">
                 <a:defRPr lang="ko-KR" altLang="en-US"/>
@@ -7517,7 +7592,7 @@
         </p:sp>
         <p:sp>
           <p:nvSpPr>
-            <p:cNvPr id="48" name=""/>
+            <p:cNvPr id="48" name="타원 47"/>
             <p:cNvSpPr/>
             <p:nvPr/>
           </p:nvSpPr>
@@ -7560,6 +7635,7 @@
             <a:bodyPr vert="horz" wrap="square" lIns="91440" tIns="45720" rIns="91440" bIns="45720" anchor="ctr">
               <a:noAutofit/>
             </a:bodyPr>
+            <a:lstStyle/>
             <a:p>
               <a:pPr algn="ctr">
                 <a:defRPr lang="ko-KR" altLang="en-US"/>
@@ -7570,7 +7646,7 @@
         </p:sp>
         <p:sp>
           <p:nvSpPr>
-            <p:cNvPr id="49" name=""/>
+            <p:cNvPr id="49" name="타원 48"/>
             <p:cNvSpPr/>
             <p:nvPr/>
           </p:nvSpPr>
@@ -7613,6 +7689,7 @@
             <a:bodyPr vert="horz" wrap="square" lIns="91440" tIns="45720" rIns="91440" bIns="45720" anchor="ctr">
               <a:noAutofit/>
             </a:bodyPr>
+            <a:lstStyle/>
             <a:p>
               <a:pPr algn="ctr">
                 <a:defRPr lang="ko-KR" altLang="en-US"/>
@@ -7623,7 +7700,7 @@
         </p:sp>
         <p:sp>
           <p:nvSpPr>
-            <p:cNvPr id="50" name=""/>
+            <p:cNvPr id="50" name="타원 49"/>
             <p:cNvSpPr/>
             <p:nvPr/>
           </p:nvSpPr>
@@ -7664,6 +7741,7 @@
             <a:bodyPr vert="horz" wrap="square" lIns="91440" tIns="45720" rIns="91440" bIns="45720" anchor="ctr">
               <a:noAutofit/>
             </a:bodyPr>
+            <a:lstStyle/>
             <a:p>
               <a:pPr algn="ctr">
                 <a:defRPr lang="ko-KR" altLang="en-US"/>
@@ -7674,7 +7752,7 @@
         </p:sp>
         <p:sp>
           <p:nvSpPr>
-            <p:cNvPr id="51" name=""/>
+            <p:cNvPr id="51" name="타원 50"/>
             <p:cNvSpPr/>
             <p:nvPr/>
           </p:nvSpPr>
@@ -7717,6 +7795,7 @@
             <a:bodyPr vert="horz" wrap="square" lIns="91440" tIns="45720" rIns="91440" bIns="45720" anchor="ctr">
               <a:noAutofit/>
             </a:bodyPr>
+            <a:lstStyle/>
             <a:p>
               <a:pPr algn="ctr">
                 <a:defRPr lang="ko-KR" altLang="en-US"/>
@@ -7727,7 +7806,7 @@
         </p:sp>
         <p:sp>
           <p:nvSpPr>
-            <p:cNvPr id="52" name=""/>
+            <p:cNvPr id="52" name="타원 51"/>
             <p:cNvSpPr/>
             <p:nvPr/>
           </p:nvSpPr>
@@ -7770,6 +7849,7 @@
             <a:bodyPr vert="horz" wrap="square" lIns="91440" tIns="45720" rIns="91440" bIns="45720" anchor="ctr">
               <a:noAutofit/>
             </a:bodyPr>
+            <a:lstStyle/>
             <a:p>
               <a:pPr algn="ctr">
                 <a:defRPr lang="ko-KR" altLang="en-US"/>
@@ -7780,7 +7860,7 @@
         </p:sp>
         <p:sp>
           <p:nvSpPr>
-            <p:cNvPr id="53" name=""/>
+            <p:cNvPr id="53" name="타원 52"/>
             <p:cNvSpPr/>
             <p:nvPr/>
           </p:nvSpPr>
@@ -7823,6 +7903,7 @@
             <a:bodyPr vert="horz" wrap="square" lIns="91440" tIns="45720" rIns="91440" bIns="45720" anchor="ctr">
               <a:noAutofit/>
             </a:bodyPr>
+            <a:lstStyle/>
             <a:p>
               <a:pPr algn="ctr">
                 <a:defRPr lang="ko-KR" altLang="en-US"/>
@@ -7833,7 +7914,7 @@
         </p:sp>
         <p:sp>
           <p:nvSpPr>
-            <p:cNvPr id="54" name=""/>
+            <p:cNvPr id="54" name="타원 53"/>
             <p:cNvSpPr/>
             <p:nvPr/>
           </p:nvSpPr>
@@ -7874,6 +7955,7 @@
             <a:bodyPr vert="horz" wrap="square" lIns="91440" tIns="45720" rIns="91440" bIns="45720" anchor="ctr">
               <a:noAutofit/>
             </a:bodyPr>
+            <a:lstStyle/>
             <a:p>
               <a:pPr algn="ctr">
                 <a:defRPr lang="ko-KR" altLang="en-US"/>
@@ -7884,7 +7966,7 @@
         </p:sp>
         <p:sp>
           <p:nvSpPr>
-            <p:cNvPr id="55" name=""/>
+            <p:cNvPr id="55" name="타원 54"/>
             <p:cNvSpPr/>
             <p:nvPr/>
           </p:nvSpPr>
@@ -7926,6 +8008,7 @@
             <a:bodyPr vert="horz" wrap="square" lIns="91440" tIns="45720" rIns="91440" bIns="45720" anchor="ctr">
               <a:noAutofit/>
             </a:bodyPr>
+            <a:lstStyle/>
             <a:p>
               <a:pPr algn="ctr">
                 <a:defRPr lang="ko-KR" altLang="en-US"/>
@@ -7936,7 +8019,7 @@
         </p:sp>
         <p:sp>
           <p:nvSpPr>
-            <p:cNvPr id="56" name=""/>
+            <p:cNvPr id="56" name="타원 55"/>
             <p:cNvSpPr/>
             <p:nvPr/>
           </p:nvSpPr>
@@ -7979,6 +8062,7 @@
             <a:bodyPr vert="horz" wrap="square" lIns="91440" tIns="45720" rIns="91440" bIns="45720" anchor="ctr">
               <a:noAutofit/>
             </a:bodyPr>
+            <a:lstStyle/>
             <a:p>
               <a:pPr algn="ctr">
                 <a:defRPr lang="ko-KR" altLang="en-US"/>
@@ -7989,7 +8073,7 @@
         </p:sp>
         <p:sp>
           <p:nvSpPr>
-            <p:cNvPr id="57" name=""/>
+            <p:cNvPr id="57" name="타원 56"/>
             <p:cNvSpPr/>
             <p:nvPr/>
           </p:nvSpPr>
@@ -8030,6 +8114,7 @@
             <a:bodyPr vert="horz" wrap="square" lIns="91440" tIns="45720" rIns="91440" bIns="45720" anchor="ctr">
               <a:noAutofit/>
             </a:bodyPr>
+            <a:lstStyle/>
             <a:p>
               <a:pPr algn="ctr">
                 <a:defRPr lang="ko-KR" altLang="en-US"/>
@@ -8040,7 +8125,7 @@
         </p:sp>
         <p:sp>
           <p:nvSpPr>
-            <p:cNvPr id="58" name=""/>
+            <p:cNvPr id="58" name="타원 57"/>
             <p:cNvSpPr/>
             <p:nvPr/>
           </p:nvSpPr>
@@ -8083,6 +8168,7 @@
             <a:bodyPr vert="horz" wrap="square" lIns="91440" tIns="45720" rIns="91440" bIns="45720" anchor="ctr">
               <a:noAutofit/>
             </a:bodyPr>
+            <a:lstStyle/>
             <a:p>
               <a:pPr algn="ctr">
                 <a:defRPr lang="ko-KR" altLang="en-US"/>
@@ -8093,7 +8179,7 @@
         </p:sp>
         <p:sp>
           <p:nvSpPr>
-            <p:cNvPr id="59" name=""/>
+            <p:cNvPr id="59" name="타원 58"/>
             <p:cNvSpPr/>
             <p:nvPr/>
           </p:nvSpPr>
@@ -8134,6 +8220,7 @@
             <a:bodyPr vert="horz" wrap="square" lIns="91440" tIns="45720" rIns="91440" bIns="45720" anchor="ctr">
               <a:noAutofit/>
             </a:bodyPr>
+            <a:lstStyle/>
             <a:p>
               <a:pPr algn="ctr">
                 <a:defRPr lang="ko-KR" altLang="en-US"/>
@@ -8144,7 +8231,7 @@
         </p:sp>
         <p:sp>
           <p:nvSpPr>
-            <p:cNvPr id="60" name=""/>
+            <p:cNvPr id="60" name="타원 59"/>
             <p:cNvSpPr/>
             <p:nvPr/>
           </p:nvSpPr>
@@ -8187,6 +8274,7 @@
             <a:bodyPr vert="horz" wrap="square" lIns="91440" tIns="45720" rIns="91440" bIns="45720" anchor="ctr">
               <a:noAutofit/>
             </a:bodyPr>
+            <a:lstStyle/>
             <a:p>
               <a:pPr algn="ctr">
                 <a:defRPr lang="ko-KR" altLang="en-US"/>
@@ -8197,7 +8285,7 @@
         </p:sp>
         <p:sp>
           <p:nvSpPr>
-            <p:cNvPr id="61" name=""/>
+            <p:cNvPr id="61" name="타원 60"/>
             <p:cNvSpPr/>
             <p:nvPr/>
           </p:nvSpPr>
@@ -8239,6 +8327,7 @@
             <a:bodyPr vert="horz" wrap="square" lIns="91440" tIns="45720" rIns="91440" bIns="45720" anchor="ctr">
               <a:noAutofit/>
             </a:bodyPr>
+            <a:lstStyle/>
             <a:p>
               <a:pPr algn="ctr">
                 <a:defRPr lang="ko-KR" altLang="en-US"/>
@@ -8249,7 +8338,7 @@
         </p:sp>
         <p:sp>
           <p:nvSpPr>
-            <p:cNvPr id="62" name=""/>
+            <p:cNvPr id="62" name="타원 61"/>
             <p:cNvSpPr/>
             <p:nvPr/>
           </p:nvSpPr>
@@ -8292,6 +8381,7 @@
             <a:bodyPr vert="horz" wrap="square" lIns="91440" tIns="45720" rIns="91440" bIns="45720" anchor="ctr">
               <a:noAutofit/>
             </a:bodyPr>
+            <a:lstStyle/>
             <a:p>
               <a:pPr algn="ctr">
                 <a:defRPr lang="ko-KR" altLang="en-US"/>
@@ -8302,7 +8392,7 @@
         </p:sp>
         <p:sp>
           <p:nvSpPr>
-            <p:cNvPr id="63" name=""/>
+            <p:cNvPr id="63" name="타원 62"/>
             <p:cNvSpPr/>
             <p:nvPr/>
           </p:nvSpPr>
@@ -8345,6 +8435,7 @@
             <a:bodyPr vert="horz" wrap="square" lIns="91440" tIns="45720" rIns="91440" bIns="45720" anchor="ctr">
               <a:noAutofit/>
             </a:bodyPr>
+            <a:lstStyle/>
             <a:p>
               <a:pPr algn="ctr">
                 <a:defRPr lang="ko-KR" altLang="en-US"/>
@@ -8355,7 +8446,7 @@
         </p:sp>
         <p:sp>
           <p:nvSpPr>
-            <p:cNvPr id="64" name=""/>
+            <p:cNvPr id="64" name="타원 63"/>
             <p:cNvSpPr/>
             <p:nvPr/>
           </p:nvSpPr>
@@ -8398,6 +8489,7 @@
             <a:bodyPr vert="horz" wrap="square" lIns="91440" tIns="45720" rIns="91440" bIns="45720" anchor="ctr">
               <a:noAutofit/>
             </a:bodyPr>
+            <a:lstStyle/>
             <a:p>
               <a:pPr algn="ctr">
                 <a:defRPr lang="ko-KR" altLang="en-US"/>
@@ -8408,7 +8500,7 @@
         </p:sp>
         <p:sp>
           <p:nvSpPr>
-            <p:cNvPr id="65" name=""/>
+            <p:cNvPr id="65" name="타원 64"/>
             <p:cNvSpPr/>
             <p:nvPr/>
           </p:nvSpPr>
@@ -8451,6 +8543,7 @@
             <a:bodyPr vert="horz" wrap="square" lIns="91440" tIns="45720" rIns="91440" bIns="45720" anchor="ctr">
               <a:noAutofit/>
             </a:bodyPr>
+            <a:lstStyle/>
             <a:p>
               <a:pPr algn="ctr">
                 <a:defRPr lang="ko-KR" altLang="en-US"/>
@@ -8461,7 +8554,7 @@
         </p:sp>
         <p:sp>
           <p:nvSpPr>
-            <p:cNvPr id="66" name=""/>
+            <p:cNvPr id="66" name="타원 65"/>
             <p:cNvSpPr/>
             <p:nvPr/>
           </p:nvSpPr>
@@ -8502,6 +8595,7 @@
             <a:bodyPr vert="horz" wrap="square" lIns="91440" tIns="45720" rIns="91440" bIns="45720" anchor="ctr">
               <a:noAutofit/>
             </a:bodyPr>
+            <a:lstStyle/>
             <a:p>
               <a:pPr algn="ctr">
                 <a:defRPr lang="ko-KR" altLang="en-US"/>
@@ -8516,12 +8610,12 @@
   <p:clrMapOvr>
     <a:masterClrMapping/>
   </p:clrMapOvr>
-  <p:transition xmlns:mc="http://schemas.openxmlformats.org/markup-compatibility/2006" xmlns:hp="http://schemas.haansoft.com/office/presentation/8.0" mc:Ignorable="hp" hp:hslDur="500"/>
+  <p:transition/>
 </p:sldLayout>
 </file>
 
 <file path=ppt/slideLayouts/slideLayout5.xml><?xml version="1.0" encoding="utf-8"?>
-<p:sldLayout xmlns:r="http://schemas.openxmlformats.org/officeDocument/2006/relationships" xmlns:c="http://schemas.openxmlformats.org/drawingml/2006/chart" xmlns:a="http://schemas.openxmlformats.org/drawingml/2006/main" xmlns:dgm="http://schemas.openxmlformats.org/drawingml/2006/diagram" xmlns:dsp="http://schemas.microsoft.com/office/drawing/2008/diagram" xmlns:p="http://schemas.openxmlformats.org/presentationml/2006/main" showMasterPhAnim="1" matchingName="내용 2개" type="twoObj" preserve="1">
+<p:sldLayout xmlns:a="http://schemas.openxmlformats.org/drawingml/2006/main" xmlns:r="http://schemas.openxmlformats.org/officeDocument/2006/relationships" xmlns:p="http://schemas.openxmlformats.org/presentationml/2006/main" matchingName="내용 2개" type="twoObj" preserve="1">
   <p:cSld name="내용 2개">
     <p:spTree>
       <p:nvGrpSpPr>
@@ -8539,12 +8633,12 @@
       </p:grpSpPr>
       <p:sp>
         <p:nvSpPr>
-          <p:cNvPr id="2" name=""/>
+          <p:cNvPr id="2" name="제목 1"/>
           <p:cNvSpPr>
             <a:spLocks noGrp="1"/>
           </p:cNvSpPr>
           <p:nvPr>
-            <p:ph type="title" idx="0"/>
+            <p:ph type="title"/>
           </p:nvPr>
         </p:nvSpPr>
         <p:spPr>
@@ -8564,13 +8658,12 @@
               <a:rPr lang="ko-KR" altLang="en-US"/>
               <a:t>마스터 제목 스타일 편집</a:t>
             </a:r>
-            <a:endParaRPr lang="ko-KR" altLang="en-US"/>
           </a:p>
         </p:txBody>
       </p:sp>
       <p:sp>
         <p:nvSpPr>
-          <p:cNvPr id="9" name=""/>
+          <p:cNvPr id="9" name="내용 개체 틀 8"/>
           <p:cNvSpPr>
             <a:spLocks noGrp="1"/>
           </p:cNvSpPr>
@@ -8595,7 +8688,6 @@
               <a:rPr lang="ko-KR" altLang="en-US"/>
               <a:t>마스터 텍스트 스타일을 편집합니다</a:t>
             </a:r>
-            <a:endParaRPr lang="ko-KR" altLang="en-US"/>
           </a:p>
           <a:p>
             <a:pPr lvl="1">
@@ -8605,7 +8697,6 @@
               <a:rPr lang="ko-KR" altLang="en-US"/>
               <a:t>둘째 수준</a:t>
             </a:r>
-            <a:endParaRPr lang="ko-KR" altLang="en-US"/>
           </a:p>
           <a:p>
             <a:pPr lvl="2">
@@ -8615,7 +8706,6 @@
               <a:rPr lang="ko-KR" altLang="en-US"/>
               <a:t>셋째 수준</a:t>
             </a:r>
-            <a:endParaRPr lang="ko-KR" altLang="en-US"/>
           </a:p>
           <a:p>
             <a:pPr lvl="3">
@@ -8625,7 +8715,6 @@
               <a:rPr lang="ko-KR" altLang="en-US"/>
               <a:t>넷째 수준</a:t>
             </a:r>
-            <a:endParaRPr lang="ko-KR" altLang="en-US"/>
           </a:p>
           <a:p>
             <a:pPr lvl="4">
@@ -8635,13 +8724,12 @@
               <a:rPr lang="ko-KR" altLang="en-US"/>
               <a:t>다섯째 수준</a:t>
             </a:r>
-            <a:endParaRPr lang="ko-KR" altLang="en-US"/>
           </a:p>
         </p:txBody>
       </p:sp>
       <p:sp>
         <p:nvSpPr>
-          <p:cNvPr id="11" name=""/>
+          <p:cNvPr id="11" name="내용 개체 틀 10"/>
           <p:cNvSpPr>
             <a:spLocks noGrp="1"/>
           </p:cNvSpPr>
@@ -8666,7 +8754,6 @@
               <a:rPr lang="ko-KR" altLang="en-US"/>
               <a:t>마스터 텍스트 스타일을 편집합니다</a:t>
             </a:r>
-            <a:endParaRPr lang="ko-KR" altLang="en-US"/>
           </a:p>
           <a:p>
             <a:pPr lvl="1">
@@ -8676,7 +8763,6 @@
               <a:rPr lang="ko-KR" altLang="en-US"/>
               <a:t>둘째 수준</a:t>
             </a:r>
-            <a:endParaRPr lang="ko-KR" altLang="en-US"/>
           </a:p>
           <a:p>
             <a:pPr lvl="2">
@@ -8686,7 +8772,6 @@
               <a:rPr lang="ko-KR" altLang="en-US"/>
               <a:t>셋째 수준</a:t>
             </a:r>
-            <a:endParaRPr lang="ko-KR" altLang="en-US"/>
           </a:p>
           <a:p>
             <a:pPr lvl="3">
@@ -8696,7 +8781,6 @@
               <a:rPr lang="ko-KR" altLang="en-US"/>
               <a:t>넷째 수준</a:t>
             </a:r>
-            <a:endParaRPr lang="ko-KR" altLang="en-US"/>
           </a:p>
           <a:p>
             <a:pPr lvl="4">
@@ -8706,13 +8790,12 @@
               <a:rPr lang="ko-KR" altLang="en-US"/>
               <a:t>다섯째 수준</a:t>
             </a:r>
-            <a:endParaRPr lang="ko-KR" altLang="en-US"/>
           </a:p>
         </p:txBody>
       </p:sp>
       <p:sp>
         <p:nvSpPr>
-          <p:cNvPr id="5" name=""/>
+          <p:cNvPr id="5" name="날짜 개체 틀 4"/>
           <p:cNvSpPr>
             <a:spLocks noGrp="1"/>
           </p:cNvSpPr>
@@ -8733,7 +8816,7 @@
               <a:pPr>
                 <a:defRPr lang="ko-KR" altLang="en-US"/>
               </a:pPr>
-              <a:t>2021-07-05</a:t>
+              <a:t>2021-07-06</a:t>
             </a:fld>
             <a:endParaRPr lang="ko-KR" altLang="en-US"/>
           </a:p>
@@ -8741,7 +8824,7 @@
       </p:sp>
       <p:sp>
         <p:nvSpPr>
-          <p:cNvPr id="6" name=""/>
+          <p:cNvPr id="6" name="바닥글 개체 틀 5"/>
           <p:cNvSpPr>
             <a:spLocks noGrp="1"/>
           </p:cNvSpPr>
@@ -8757,17 +8840,13 @@
             <a:pPr>
               <a:defRPr lang="ko-KR" altLang="en-US"/>
             </a:pPr>
-            <a:r>
-              <a:rPr lang="ko-KR" altLang="en-US"/>
-              <a:t/>
-            </a:r>
             <a:endParaRPr lang="ko-KR" altLang="en-US"/>
           </a:p>
         </p:txBody>
       </p:sp>
       <p:sp>
         <p:nvSpPr>
-          <p:cNvPr id="7" name=""/>
+          <p:cNvPr id="7" name="슬라이드 번호 개체 틀 6"/>
           <p:cNvSpPr>
             <a:spLocks noGrp="1"/>
           </p:cNvSpPr>
@@ -8799,12 +8878,12 @@
   <p:clrMapOvr>
     <a:masterClrMapping/>
   </p:clrMapOvr>
-  <p:transition xmlns:mc="http://schemas.openxmlformats.org/markup-compatibility/2006" xmlns:hp="http://schemas.haansoft.com/office/presentation/8.0" mc:Ignorable="hp" hp:hslDur="500"/>
+  <p:transition/>
 </p:sldLayout>
 </file>
 
 <file path=ppt/slideLayouts/slideLayout6.xml><?xml version="1.0" encoding="utf-8"?>
-<p:sldLayout xmlns:r="http://schemas.openxmlformats.org/officeDocument/2006/relationships" xmlns:c="http://schemas.openxmlformats.org/drawingml/2006/chart" xmlns:a="http://schemas.openxmlformats.org/drawingml/2006/main" xmlns:dgm="http://schemas.openxmlformats.org/drawingml/2006/diagram" xmlns:dsp="http://schemas.microsoft.com/office/drawing/2008/diagram" xmlns:p="http://schemas.openxmlformats.org/presentationml/2006/main" showMasterPhAnim="1" matchingName="제목만" type="titleOnly" preserve="1">
+<p:sldLayout xmlns:a="http://schemas.openxmlformats.org/drawingml/2006/main" xmlns:r="http://schemas.openxmlformats.org/officeDocument/2006/relationships" xmlns:p="http://schemas.openxmlformats.org/presentationml/2006/main" matchingName="제목만" type="titleOnly" preserve="1">
   <p:cSld name="제목만">
     <p:spTree>
       <p:nvGrpSpPr>
@@ -8822,12 +8901,12 @@
       </p:grpSpPr>
       <p:sp>
         <p:nvSpPr>
-          <p:cNvPr id="2" name=""/>
+          <p:cNvPr id="2" name="제목 1"/>
           <p:cNvSpPr>
             <a:spLocks noGrp="1"/>
           </p:cNvSpPr>
           <p:nvPr>
-            <p:ph type="title" idx="0"/>
+            <p:ph type="title"/>
           </p:nvPr>
         </p:nvSpPr>
         <p:spPr/>
@@ -8842,13 +8921,12 @@
               <a:rPr lang="ko-KR" altLang="en-US"/>
               <a:t>마스터 제목 스타일 편집</a:t>
             </a:r>
-            <a:endParaRPr lang="ko-KR" altLang="en-US"/>
           </a:p>
         </p:txBody>
       </p:sp>
       <p:sp>
         <p:nvSpPr>
-          <p:cNvPr id="3" name=""/>
+          <p:cNvPr id="3" name="날짜 개체 틀 2"/>
           <p:cNvSpPr>
             <a:spLocks noGrp="1"/>
           </p:cNvSpPr>
@@ -8869,7 +8947,7 @@
               <a:pPr>
                 <a:defRPr lang="ko-KR" altLang="en-US"/>
               </a:pPr>
-              <a:t>2021-07-05</a:t>
+              <a:t>2021-07-06</a:t>
             </a:fld>
             <a:endParaRPr lang="ko-KR" altLang="en-US"/>
           </a:p>
@@ -8877,7 +8955,7 @@
       </p:sp>
       <p:sp>
         <p:nvSpPr>
-          <p:cNvPr id="4" name=""/>
+          <p:cNvPr id="4" name="바닥글 개체 틀 3"/>
           <p:cNvSpPr>
             <a:spLocks noGrp="1"/>
           </p:cNvSpPr>
@@ -8893,17 +8971,13 @@
             <a:pPr>
               <a:defRPr lang="ko-KR" altLang="en-US"/>
             </a:pPr>
-            <a:r>
-              <a:rPr lang="ko-KR" altLang="en-US"/>
-              <a:t/>
-            </a:r>
             <a:endParaRPr lang="ko-KR" altLang="en-US"/>
           </a:p>
         </p:txBody>
       </p:sp>
       <p:sp>
         <p:nvSpPr>
-          <p:cNvPr id="5" name=""/>
+          <p:cNvPr id="5" name="슬라이드 번호 개체 틀 4"/>
           <p:cNvSpPr>
             <a:spLocks noGrp="1"/>
           </p:cNvSpPr>
@@ -8935,12 +9009,12 @@
   <p:clrMapOvr>
     <a:masterClrMapping/>
   </p:clrMapOvr>
-  <p:transition xmlns:mc="http://schemas.openxmlformats.org/markup-compatibility/2006" xmlns:hp="http://schemas.haansoft.com/office/presentation/8.0" mc:Ignorable="hp" hp:hslDur="500"/>
+  <p:transition/>
 </p:sldLayout>
 </file>
 
 <file path=ppt/slideLayouts/slideLayout7.xml><?xml version="1.0" encoding="utf-8"?>
-<p:sldLayout xmlns:r="http://schemas.openxmlformats.org/officeDocument/2006/relationships" xmlns:c="http://schemas.openxmlformats.org/drawingml/2006/chart" xmlns:a="http://schemas.openxmlformats.org/drawingml/2006/main" xmlns:dgm="http://schemas.openxmlformats.org/drawingml/2006/diagram" xmlns:dsp="http://schemas.microsoft.com/office/drawing/2008/diagram" xmlns:p="http://schemas.openxmlformats.org/presentationml/2006/main" showMasterPhAnim="1" matchingName="표" type="tbl" preserve="1">
+<p:sldLayout xmlns:a="http://schemas.openxmlformats.org/drawingml/2006/main" xmlns:r="http://schemas.openxmlformats.org/officeDocument/2006/relationships" xmlns:p="http://schemas.openxmlformats.org/presentationml/2006/main" matchingName="표" type="tbl" preserve="1">
   <p:cSld name="표">
     <p:spTree>
       <p:nvGrpSpPr>
@@ -8958,12 +9032,12 @@
       </p:grpSpPr>
       <p:sp>
         <p:nvSpPr>
-          <p:cNvPr id="7" name=""/>
+          <p:cNvPr id="7" name="제목 6"/>
           <p:cNvSpPr>
             <a:spLocks noGrp="1"/>
           </p:cNvSpPr>
           <p:nvPr>
-            <p:ph type="title" idx="0"/>
+            <p:ph type="title"/>
           </p:nvPr>
         </p:nvSpPr>
         <p:spPr>
@@ -8986,13 +9060,12 @@
               <a:rPr lang="ko-KR" altLang="en-US"/>
               <a:t>마스터 제목 스타일 편집</a:t>
             </a:r>
-            <a:endParaRPr lang="ko-KR" altLang="en-US"/>
           </a:p>
         </p:txBody>
       </p:sp>
       <p:sp>
         <p:nvSpPr>
-          <p:cNvPr id="6" name=""/>
+          <p:cNvPr id="6" name="표 개체 틀 5"/>
           <p:cNvSpPr>
             <a:spLocks noGrp="1" noTextEdit="1"/>
           </p:cNvSpPr>
@@ -9022,13 +9095,12 @@
               <a:rPr lang="ko-KR" altLang="en-US"/>
               <a:t>표를 추가하려면 아이콘을 클릭하십시오</a:t>
             </a:r>
-            <a:endParaRPr lang="ko-KR" altLang="en-US"/>
           </a:p>
         </p:txBody>
       </p:sp>
       <p:sp>
         <p:nvSpPr>
-          <p:cNvPr id="2" name=""/>
+          <p:cNvPr id="2" name="날짜 개체 틀 1"/>
           <p:cNvSpPr>
             <a:spLocks noGrp="1"/>
           </p:cNvSpPr>
@@ -9049,7 +9121,7 @@
               <a:pPr>
                 <a:defRPr lang="ko-KR" altLang="en-US"/>
               </a:pPr>
-              <a:t>2021-07-05</a:t>
+              <a:t>2021-07-06</a:t>
             </a:fld>
             <a:endParaRPr lang="ko-KR" altLang="en-US"/>
           </a:p>
@@ -9057,7 +9129,7 @@
       </p:sp>
       <p:sp>
         <p:nvSpPr>
-          <p:cNvPr id="3" name=""/>
+          <p:cNvPr id="3" name="바닥글 개체 틀 2"/>
           <p:cNvSpPr>
             <a:spLocks noGrp="1"/>
           </p:cNvSpPr>
@@ -9073,17 +9145,13 @@
             <a:pPr>
               <a:defRPr lang="ko-KR" altLang="en-US"/>
             </a:pPr>
-            <a:r>
-              <a:rPr lang="ko-KR" altLang="en-US"/>
-              <a:t/>
-            </a:r>
             <a:endParaRPr lang="ko-KR" altLang="en-US"/>
           </a:p>
         </p:txBody>
       </p:sp>
       <p:sp>
         <p:nvSpPr>
-          <p:cNvPr id="4" name=""/>
+          <p:cNvPr id="4" name="슬라이드 번호 개체 틀 3"/>
           <p:cNvSpPr>
             <a:spLocks noGrp="1"/>
           </p:cNvSpPr>
@@ -9115,12 +9183,12 @@
   <p:clrMapOvr>
     <a:masterClrMapping/>
   </p:clrMapOvr>
-  <p:transition xmlns:mc="http://schemas.openxmlformats.org/markup-compatibility/2006" xmlns:hp="http://schemas.haansoft.com/office/presentation/8.0" mc:Ignorable="hp" hp:hslDur="500"/>
+  <p:transition/>
 </p:sldLayout>
 </file>
 
 <file path=ppt/slideLayouts/slideLayout8.xml><?xml version="1.0" encoding="utf-8"?>
-<p:sldLayout xmlns:r="http://schemas.openxmlformats.org/officeDocument/2006/relationships" xmlns:c="http://schemas.openxmlformats.org/drawingml/2006/chart" xmlns:a="http://schemas.openxmlformats.org/drawingml/2006/main" xmlns:dgm="http://schemas.openxmlformats.org/drawingml/2006/diagram" xmlns:dsp="http://schemas.microsoft.com/office/drawing/2008/diagram" xmlns:p="http://schemas.openxmlformats.org/presentationml/2006/main" showMasterPhAnim="1" matchingName="내용 4개" type="fourObj" preserve="1">
+<p:sldLayout xmlns:a="http://schemas.openxmlformats.org/drawingml/2006/main" xmlns:r="http://schemas.openxmlformats.org/officeDocument/2006/relationships" xmlns:p="http://schemas.openxmlformats.org/presentationml/2006/main" matchingName="내용 4개" type="fourObj" preserve="1">
   <p:cSld name="내용 4개">
     <p:spTree>
       <p:nvGrpSpPr>
@@ -9138,12 +9206,12 @@
       </p:grpSpPr>
       <p:sp>
         <p:nvSpPr>
-          <p:cNvPr id="2" name=""/>
+          <p:cNvPr id="2" name="제목 1"/>
           <p:cNvSpPr>
             <a:spLocks noGrp="1"/>
           </p:cNvSpPr>
           <p:nvPr>
-            <p:ph type="title" idx="0"/>
+            <p:ph type="title"/>
           </p:nvPr>
         </p:nvSpPr>
         <p:spPr>
@@ -9163,13 +9231,12 @@
               <a:rPr lang="ko-KR" altLang="en-US"/>
               <a:t>마스터 제목 스타일 편집</a:t>
             </a:r>
-            <a:endParaRPr lang="ko-KR" altLang="en-US"/>
           </a:p>
         </p:txBody>
       </p:sp>
       <p:sp>
         <p:nvSpPr>
-          <p:cNvPr id="11" name=""/>
+          <p:cNvPr id="11" name="내용 개체 틀 10"/>
           <p:cNvSpPr>
             <a:spLocks noGrp="1"/>
           </p:cNvSpPr>
@@ -9194,7 +9261,6 @@
               <a:rPr lang="ko-KR" altLang="en-US"/>
               <a:t>마스터 텍스트 스타일을 편집합니다</a:t>
             </a:r>
-            <a:endParaRPr lang="ko-KR" altLang="en-US"/>
           </a:p>
           <a:p>
             <a:pPr lvl="1">
@@ -9204,7 +9270,6 @@
               <a:rPr lang="ko-KR" altLang="en-US"/>
               <a:t>둘째 수준</a:t>
             </a:r>
-            <a:endParaRPr lang="ko-KR" altLang="en-US"/>
           </a:p>
           <a:p>
             <a:pPr lvl="2">
@@ -9214,7 +9279,6 @@
               <a:rPr lang="ko-KR" altLang="en-US"/>
               <a:t>셋째 수준</a:t>
             </a:r>
-            <a:endParaRPr lang="ko-KR" altLang="en-US"/>
           </a:p>
           <a:p>
             <a:pPr lvl="3">
@@ -9224,7 +9288,6 @@
               <a:rPr lang="ko-KR" altLang="en-US"/>
               <a:t>넷째 수준</a:t>
             </a:r>
-            <a:endParaRPr lang="ko-KR" altLang="en-US"/>
           </a:p>
           <a:p>
             <a:pPr lvl="4">
@@ -9234,13 +9297,12 @@
               <a:rPr lang="ko-KR" altLang="en-US"/>
               <a:t>다섯째 수준</a:t>
             </a:r>
-            <a:endParaRPr lang="ko-KR" altLang="en-US"/>
           </a:p>
         </p:txBody>
       </p:sp>
       <p:sp>
         <p:nvSpPr>
-          <p:cNvPr id="18" name=""/>
+          <p:cNvPr id="18" name="내용 개체 틀 17"/>
           <p:cNvSpPr>
             <a:spLocks noGrp="1"/>
           </p:cNvSpPr>
@@ -9265,7 +9327,6 @@
               <a:rPr lang="ko-KR" altLang="en-US"/>
               <a:t>마스터 텍스트 스타일을 편집합니다</a:t>
             </a:r>
-            <a:endParaRPr lang="ko-KR" altLang="en-US"/>
           </a:p>
           <a:p>
             <a:pPr lvl="1">
@@ -9275,7 +9336,6 @@
               <a:rPr lang="ko-KR" altLang="en-US"/>
               <a:t>둘째 수준</a:t>
             </a:r>
-            <a:endParaRPr lang="ko-KR" altLang="en-US"/>
           </a:p>
           <a:p>
             <a:pPr lvl="2">
@@ -9285,7 +9345,6 @@
               <a:rPr lang="ko-KR" altLang="en-US"/>
               <a:t>셋째 수준</a:t>
             </a:r>
-            <a:endParaRPr lang="ko-KR" altLang="en-US"/>
           </a:p>
           <a:p>
             <a:pPr lvl="3">
@@ -9295,7 +9354,6 @@
               <a:rPr lang="ko-KR" altLang="en-US"/>
               <a:t>넷째 수준</a:t>
             </a:r>
-            <a:endParaRPr lang="ko-KR" altLang="en-US"/>
           </a:p>
           <a:p>
             <a:pPr lvl="4">
@@ -9305,13 +9363,12 @@
               <a:rPr lang="ko-KR" altLang="en-US"/>
               <a:t>다섯째 수준</a:t>
             </a:r>
-            <a:endParaRPr lang="ko-KR" altLang="en-US"/>
           </a:p>
         </p:txBody>
       </p:sp>
       <p:sp>
         <p:nvSpPr>
-          <p:cNvPr id="19" name=""/>
+          <p:cNvPr id="19" name="내용 개체 틀 18"/>
           <p:cNvSpPr>
             <a:spLocks noGrp="1"/>
           </p:cNvSpPr>
@@ -9336,7 +9393,6 @@
               <a:rPr lang="ko-KR" altLang="en-US"/>
               <a:t>마스터 텍스트 스타일을 편집합니다</a:t>
             </a:r>
-            <a:endParaRPr lang="ko-KR" altLang="en-US"/>
           </a:p>
           <a:p>
             <a:pPr lvl="1">
@@ -9346,7 +9402,6 @@
               <a:rPr lang="ko-KR" altLang="en-US"/>
               <a:t>둘째 수준</a:t>
             </a:r>
-            <a:endParaRPr lang="ko-KR" altLang="en-US"/>
           </a:p>
           <a:p>
             <a:pPr lvl="2">
@@ -9356,7 +9411,6 @@
               <a:rPr lang="ko-KR" altLang="en-US"/>
               <a:t>셋째 수준</a:t>
             </a:r>
-            <a:endParaRPr lang="ko-KR" altLang="en-US"/>
           </a:p>
           <a:p>
             <a:pPr lvl="3">
@@ -9366,7 +9420,6 @@
               <a:rPr lang="ko-KR" altLang="en-US"/>
               <a:t>넷째 수준</a:t>
             </a:r>
-            <a:endParaRPr lang="ko-KR" altLang="en-US"/>
           </a:p>
           <a:p>
             <a:pPr lvl="4">
@@ -9376,13 +9429,12 @@
               <a:rPr lang="ko-KR" altLang="en-US"/>
               <a:t>다섯째 수준</a:t>
             </a:r>
-            <a:endParaRPr lang="ko-KR" altLang="en-US"/>
           </a:p>
         </p:txBody>
       </p:sp>
       <p:sp>
         <p:nvSpPr>
-          <p:cNvPr id="20" name=""/>
+          <p:cNvPr id="20" name="내용 개체 틀 19"/>
           <p:cNvSpPr>
             <a:spLocks noGrp="1"/>
           </p:cNvSpPr>
@@ -9407,7 +9459,6 @@
               <a:rPr lang="ko-KR" altLang="en-US"/>
               <a:t>마스터 텍스트 스타일을 편집합니다</a:t>
             </a:r>
-            <a:endParaRPr lang="ko-KR" altLang="en-US"/>
           </a:p>
           <a:p>
             <a:pPr lvl="1">
@@ -9417,7 +9468,6 @@
               <a:rPr lang="ko-KR" altLang="en-US"/>
               <a:t>둘째 수준</a:t>
             </a:r>
-            <a:endParaRPr lang="ko-KR" altLang="en-US"/>
           </a:p>
           <a:p>
             <a:pPr lvl="2">
@@ -9427,7 +9477,6 @@
               <a:rPr lang="ko-KR" altLang="en-US"/>
               <a:t>셋째 수준</a:t>
             </a:r>
-            <a:endParaRPr lang="ko-KR" altLang="en-US"/>
           </a:p>
           <a:p>
             <a:pPr lvl="3">
@@ -9437,7 +9486,6 @@
               <a:rPr lang="ko-KR" altLang="en-US"/>
               <a:t>넷째 수준</a:t>
             </a:r>
-            <a:endParaRPr lang="ko-KR" altLang="en-US"/>
           </a:p>
           <a:p>
             <a:pPr lvl="4">
@@ -9447,13 +9495,12 @@
               <a:rPr lang="ko-KR" altLang="en-US"/>
               <a:t>다섯째 수준</a:t>
             </a:r>
-            <a:endParaRPr lang="ko-KR" altLang="en-US"/>
           </a:p>
         </p:txBody>
       </p:sp>
       <p:sp>
         <p:nvSpPr>
-          <p:cNvPr id="3" name=""/>
+          <p:cNvPr id="3" name="날짜 개체 틀 2"/>
           <p:cNvSpPr>
             <a:spLocks noGrp="1"/>
           </p:cNvSpPr>
@@ -9474,7 +9521,7 @@
               <a:pPr>
                 <a:defRPr lang="ko-KR" altLang="en-US"/>
               </a:pPr>
-              <a:t>2021-07-05</a:t>
+              <a:t>2021-07-06</a:t>
             </a:fld>
             <a:endParaRPr lang="ko-KR" altLang="en-US"/>
           </a:p>
@@ -9482,7 +9529,7 @@
       </p:sp>
       <p:sp>
         <p:nvSpPr>
-          <p:cNvPr id="4" name=""/>
+          <p:cNvPr id="4" name="바닥글 개체 틀 3"/>
           <p:cNvSpPr>
             <a:spLocks noGrp="1"/>
           </p:cNvSpPr>
@@ -9498,17 +9545,13 @@
             <a:pPr>
               <a:defRPr lang="ko-KR" altLang="en-US"/>
             </a:pPr>
-            <a:r>
-              <a:rPr lang="ko-KR" altLang="en-US"/>
-              <a:t/>
-            </a:r>
             <a:endParaRPr lang="ko-KR" altLang="en-US"/>
           </a:p>
         </p:txBody>
       </p:sp>
       <p:sp>
         <p:nvSpPr>
-          <p:cNvPr id="5" name=""/>
+          <p:cNvPr id="5" name="슬라이드 번호 개체 틀 4"/>
           <p:cNvSpPr>
             <a:spLocks noGrp="1"/>
           </p:cNvSpPr>
@@ -9540,12 +9583,12 @@
   <p:clrMapOvr>
     <a:masterClrMapping/>
   </p:clrMapOvr>
-  <p:transition xmlns:mc="http://schemas.openxmlformats.org/markup-compatibility/2006" xmlns:hp="http://schemas.haansoft.com/office/presentation/8.0" mc:Ignorable="hp" hp:hslDur="500"/>
+  <p:transition/>
 </p:sldLayout>
 </file>
 
 <file path=ppt/slideLayouts/slideLayout9.xml><?xml version="1.0" encoding="utf-8"?>
-<p:sldLayout xmlns:r="http://schemas.openxmlformats.org/officeDocument/2006/relationships" xmlns:c="http://schemas.openxmlformats.org/drawingml/2006/chart" xmlns:a="http://schemas.openxmlformats.org/drawingml/2006/main" xmlns:dgm="http://schemas.openxmlformats.org/drawingml/2006/diagram" xmlns:dsp="http://schemas.microsoft.com/office/drawing/2008/diagram" xmlns:p="http://schemas.openxmlformats.org/presentationml/2006/main" showMasterSp="0" showMasterPhAnim="1" matchingName="그림 및 설명" type="picTx" preserve="1">
+<p:sldLayout xmlns:a="http://schemas.openxmlformats.org/drawingml/2006/main" xmlns:r="http://schemas.openxmlformats.org/officeDocument/2006/relationships" xmlns:p="http://schemas.openxmlformats.org/presentationml/2006/main" showMasterSp="0" matchingName="그림 및 설명" type="picTx" preserve="1">
   <p:cSld name="그림 및 설명">
     <p:bg>
       <p:bgRef idx="1001">
@@ -9568,12 +9611,12 @@
       </p:grpSpPr>
       <p:grpSp>
         <p:nvGrpSpPr>
-          <p:cNvPr id="8" name=""/>
+          <p:cNvPr id="8" name="그룹 7"/>
           <p:cNvGrpSpPr/>
           <p:nvPr/>
         </p:nvGrpSpPr>
         <p:grpSpPr>
-          <a:xfrm rot="0">
+          <a:xfrm>
             <a:off x="0" y="0"/>
             <a:ext cx="12191999" cy="990600"/>
             <a:chOff x="0" y="0"/>
@@ -9582,7 +9625,7 @@
         </p:grpSpPr>
         <p:sp>
           <p:nvSpPr>
-            <p:cNvPr id="9" name=""/>
+            <p:cNvPr id="9" name="자유형: 도형 8"/>
             <p:cNvSpPr/>
             <p:nvPr/>
           </p:nvSpPr>
@@ -9635,6 +9678,7 @@
                 <a:gd name="connsiteX3" fmla="*/ 8839200 w 8839200"/>
                 <a:gd name="connsiteY3" fmla="*/ 0 h 990600"/>
               </a:gdLst>
+              <a:ahLst/>
               <a:cxnLst>
                 <a:cxn ang="0">
                   <a:pos x="connsiteX0" y="connsiteY0"/>
@@ -9700,6 +9744,7 @@
           </p:spPr>
           <p:txBody>
             <a:bodyPr anchor="ctr"/>
+            <a:lstStyle/>
             <a:p>
               <a:pPr algn="ctr">
                 <a:defRPr lang="ko-KR" altLang="en-US"/>
@@ -9710,7 +9755,7 @@
         </p:sp>
         <p:sp>
           <p:nvSpPr>
-            <p:cNvPr id="10" name=""/>
+            <p:cNvPr id="10" name="자유형: 도형 9"/>
             <p:cNvSpPr/>
             <p:nvPr/>
           </p:nvSpPr>
@@ -9775,6 +9820,7 @@
                 <a:gd name="connsiteX4" fmla="*/ 9144000 w 9144000"/>
                 <a:gd name="connsiteY4" fmla="*/ 0 h 990600"/>
               </a:gdLst>
+              <a:ahLst/>
               <a:cxnLst>
                 <a:cxn ang="0">
                   <a:pos x="connsiteX0" y="connsiteY0"/>
@@ -9849,6 +9895,7 @@
           </p:spPr>
           <p:txBody>
             <a:bodyPr anchor="ctr"/>
+            <a:lstStyle/>
             <a:p>
               <a:pPr algn="ctr">
                 <a:defRPr lang="ko-KR" altLang="en-US"/>
@@ -9860,12 +9907,12 @@
       </p:grpSp>
       <p:grpSp>
         <p:nvGrpSpPr>
-          <p:cNvPr id="11" name=""/>
+          <p:cNvPr id="11" name="그룹 10"/>
           <p:cNvGrpSpPr/>
           <p:nvPr/>
         </p:nvGrpSpPr>
         <p:grpSpPr>
-          <a:xfrm rot="0">
+          <a:xfrm>
             <a:off x="10764946" y="180000"/>
             <a:ext cx="1367999" cy="3268800"/>
             <a:chOff x="7681902" y="180972"/>
@@ -9874,7 +9921,7 @@
         </p:grpSpPr>
         <p:sp>
           <p:nvSpPr>
-            <p:cNvPr id="12" name=""/>
+            <p:cNvPr id="12" name="타원 11"/>
             <p:cNvSpPr/>
             <p:nvPr/>
           </p:nvSpPr>
@@ -9917,6 +9964,7 @@
             <a:bodyPr vert="horz" wrap="square" lIns="91440" tIns="45720" rIns="91440" bIns="45720" anchor="ctr">
               <a:noAutofit/>
             </a:bodyPr>
+            <a:lstStyle/>
             <a:p>
               <a:pPr algn="ctr">
                 <a:defRPr lang="ko-KR" altLang="en-US"/>
@@ -9927,7 +9975,7 @@
         </p:sp>
         <p:sp>
           <p:nvSpPr>
-            <p:cNvPr id="13" name=""/>
+            <p:cNvPr id="13" name="타원 12"/>
             <p:cNvSpPr/>
             <p:nvPr/>
           </p:nvSpPr>
@@ -9970,6 +10018,7 @@
             <a:bodyPr vert="horz" wrap="square" lIns="91440" tIns="45720" rIns="91440" bIns="45720" anchor="ctr">
               <a:noAutofit/>
             </a:bodyPr>
+            <a:lstStyle/>
             <a:p>
               <a:pPr algn="ctr">
                 <a:defRPr lang="ko-KR" altLang="en-US"/>
@@ -9980,7 +10029,7 @@
         </p:sp>
         <p:sp>
           <p:nvSpPr>
-            <p:cNvPr id="14" name=""/>
+            <p:cNvPr id="14" name="타원 13"/>
             <p:cNvSpPr/>
             <p:nvPr/>
           </p:nvSpPr>
@@ -10021,6 +10070,7 @@
             <a:bodyPr vert="horz" wrap="square" lIns="91440" tIns="45720" rIns="91440" bIns="45720" anchor="ctr">
               <a:noAutofit/>
             </a:bodyPr>
+            <a:lstStyle/>
             <a:p>
               <a:pPr algn="ctr">
                 <a:defRPr lang="ko-KR" altLang="en-US"/>
@@ -10031,7 +10081,7 @@
         </p:sp>
         <p:sp>
           <p:nvSpPr>
-            <p:cNvPr id="15" name=""/>
+            <p:cNvPr id="15" name="타원 14"/>
             <p:cNvSpPr/>
             <p:nvPr/>
           </p:nvSpPr>
@@ -10074,6 +10124,7 @@
             <a:bodyPr vert="horz" wrap="square" lIns="91440" tIns="45720" rIns="91440" bIns="45720" anchor="ctr">
               <a:noAutofit/>
             </a:bodyPr>
+            <a:lstStyle/>
             <a:p>
               <a:pPr algn="ctr">
                 <a:defRPr lang="ko-KR" altLang="en-US"/>
@@ -10084,7 +10135,7 @@
         </p:sp>
         <p:sp>
           <p:nvSpPr>
-            <p:cNvPr id="16" name=""/>
+            <p:cNvPr id="16" name="타원 15"/>
             <p:cNvSpPr/>
             <p:nvPr/>
           </p:nvSpPr>
@@ -10125,6 +10176,7 @@
             <a:bodyPr vert="horz" wrap="square" lIns="91440" tIns="45720" rIns="91440" bIns="45720" anchor="ctr">
               <a:noAutofit/>
             </a:bodyPr>
+            <a:lstStyle/>
             <a:p>
               <a:pPr algn="ctr">
                 <a:defRPr lang="ko-KR" altLang="en-US"/>
@@ -10135,7 +10187,7 @@
         </p:sp>
         <p:sp>
           <p:nvSpPr>
-            <p:cNvPr id="17" name=""/>
+            <p:cNvPr id="17" name="타원 16"/>
             <p:cNvSpPr/>
             <p:nvPr/>
           </p:nvSpPr>
@@ -10178,6 +10230,7 @@
             <a:bodyPr vert="horz" wrap="square" lIns="91440" tIns="45720" rIns="91440" bIns="45720" anchor="ctr">
               <a:noAutofit/>
             </a:bodyPr>
+            <a:lstStyle/>
             <a:p>
               <a:pPr algn="ctr">
                 <a:defRPr lang="ko-KR" altLang="en-US"/>
@@ -10188,7 +10241,7 @@
         </p:sp>
         <p:sp>
           <p:nvSpPr>
-            <p:cNvPr id="18" name=""/>
+            <p:cNvPr id="18" name="타원 17"/>
             <p:cNvSpPr/>
             <p:nvPr/>
           </p:nvSpPr>
@@ -10231,6 +10284,7 @@
             <a:bodyPr vert="horz" wrap="square" lIns="91440" tIns="45720" rIns="91440" bIns="45720" anchor="ctr">
               <a:noAutofit/>
             </a:bodyPr>
+            <a:lstStyle/>
             <a:p>
               <a:pPr algn="ctr">
                 <a:defRPr lang="ko-KR" altLang="en-US"/>
@@ -10241,7 +10295,7 @@
         </p:sp>
         <p:sp>
           <p:nvSpPr>
-            <p:cNvPr id="19" name=""/>
+            <p:cNvPr id="19" name="타원 18"/>
             <p:cNvSpPr/>
             <p:nvPr/>
           </p:nvSpPr>
@@ -10284,6 +10338,7 @@
             <a:bodyPr vert="horz" wrap="square" lIns="91440" tIns="45720" rIns="91440" bIns="45720" anchor="ctr">
               <a:noAutofit/>
             </a:bodyPr>
+            <a:lstStyle/>
             <a:p>
               <a:pPr algn="ctr">
                 <a:defRPr lang="ko-KR" altLang="en-US"/>
@@ -10295,12 +10350,12 @@
       </p:grpSp>
       <p:grpSp>
         <p:nvGrpSpPr>
-          <p:cNvPr id="20" name=""/>
+          <p:cNvPr id="20" name="그룹 19"/>
           <p:cNvGrpSpPr/>
           <p:nvPr/>
         </p:nvGrpSpPr>
         <p:grpSpPr>
-          <a:xfrm rot="0" flipH="1" flipV="1">
+          <a:xfrm flipH="1" flipV="1">
             <a:off x="35432" y="3277456"/>
             <a:ext cx="1367999" cy="3268800"/>
             <a:chOff x="7681902" y="180972"/>
@@ -10309,7 +10364,7 @@
         </p:grpSpPr>
         <p:sp>
           <p:nvSpPr>
-            <p:cNvPr id="21" name=""/>
+            <p:cNvPr id="21" name="타원 20"/>
             <p:cNvSpPr/>
             <p:nvPr/>
           </p:nvSpPr>
@@ -10352,6 +10407,7 @@
             <a:bodyPr vert="horz" wrap="square" lIns="91440" tIns="45720" rIns="91440" bIns="45720" anchor="ctr">
               <a:noAutofit/>
             </a:bodyPr>
+            <a:lstStyle/>
             <a:p>
               <a:pPr algn="ctr">
                 <a:defRPr lang="ko-KR" altLang="en-US"/>
@@ -10362,7 +10418,7 @@
         </p:sp>
         <p:sp>
           <p:nvSpPr>
-            <p:cNvPr id="22" name=""/>
+            <p:cNvPr id="22" name="타원 21"/>
             <p:cNvSpPr/>
             <p:nvPr/>
           </p:nvSpPr>
@@ -10405,6 +10461,7 @@
             <a:bodyPr vert="horz" wrap="square" lIns="91440" tIns="45720" rIns="91440" bIns="45720" anchor="ctr">
               <a:noAutofit/>
             </a:bodyPr>
+            <a:lstStyle/>
             <a:p>
               <a:pPr algn="ctr">
                 <a:defRPr lang="ko-KR" altLang="en-US"/>
@@ -10415,7 +10472,7 @@
         </p:sp>
         <p:sp>
           <p:nvSpPr>
-            <p:cNvPr id="23" name=""/>
+            <p:cNvPr id="23" name="타원 22"/>
             <p:cNvSpPr/>
             <p:nvPr/>
           </p:nvSpPr>
@@ -10456,6 +10513,7 @@
             <a:bodyPr vert="horz" wrap="square" lIns="91440" tIns="45720" rIns="91440" bIns="45720" anchor="ctr">
               <a:noAutofit/>
             </a:bodyPr>
+            <a:lstStyle/>
             <a:p>
               <a:pPr algn="ctr">
                 <a:defRPr lang="ko-KR" altLang="en-US"/>
@@ -10466,7 +10524,7 @@
         </p:sp>
         <p:sp>
           <p:nvSpPr>
-            <p:cNvPr id="24" name=""/>
+            <p:cNvPr id="24" name="타원 23"/>
             <p:cNvSpPr/>
             <p:nvPr/>
           </p:nvSpPr>
@@ -10509,6 +10567,7 @@
             <a:bodyPr vert="horz" wrap="square" lIns="91440" tIns="45720" rIns="91440" bIns="45720" anchor="ctr">
               <a:noAutofit/>
             </a:bodyPr>
+            <a:lstStyle/>
             <a:p>
               <a:pPr algn="ctr">
                 <a:defRPr lang="ko-KR" altLang="en-US"/>
@@ -10519,7 +10578,7 @@
         </p:sp>
         <p:sp>
           <p:nvSpPr>
-            <p:cNvPr id="25" name=""/>
+            <p:cNvPr id="25" name="타원 24"/>
             <p:cNvSpPr/>
             <p:nvPr/>
           </p:nvSpPr>
@@ -10560,6 +10619,7 @@
             <a:bodyPr vert="horz" wrap="square" lIns="91440" tIns="45720" rIns="91440" bIns="45720" anchor="ctr">
               <a:noAutofit/>
             </a:bodyPr>
+            <a:lstStyle/>
             <a:p>
               <a:pPr algn="ctr">
                 <a:defRPr lang="ko-KR" altLang="en-US"/>
@@ -10570,7 +10630,7 @@
         </p:sp>
         <p:sp>
           <p:nvSpPr>
-            <p:cNvPr id="26" name=""/>
+            <p:cNvPr id="26" name="타원 25"/>
             <p:cNvSpPr/>
             <p:nvPr/>
           </p:nvSpPr>
@@ -10613,6 +10673,7 @@
             <a:bodyPr vert="horz" wrap="square" lIns="91440" tIns="45720" rIns="91440" bIns="45720" anchor="ctr">
               <a:noAutofit/>
             </a:bodyPr>
+            <a:lstStyle/>
             <a:p>
               <a:pPr algn="ctr">
                 <a:defRPr lang="ko-KR" altLang="en-US"/>
@@ -10623,7 +10684,7 @@
         </p:sp>
         <p:sp>
           <p:nvSpPr>
-            <p:cNvPr id="27" name=""/>
+            <p:cNvPr id="27" name="타원 26"/>
             <p:cNvSpPr/>
             <p:nvPr/>
           </p:nvSpPr>
@@ -10666,6 +10727,7 @@
             <a:bodyPr vert="horz" wrap="square" lIns="91440" tIns="45720" rIns="91440" bIns="45720" anchor="ctr">
               <a:noAutofit/>
             </a:bodyPr>
+            <a:lstStyle/>
             <a:p>
               <a:pPr algn="ctr">
                 <a:defRPr lang="ko-KR" altLang="en-US"/>
@@ -10676,7 +10738,7 @@
         </p:sp>
         <p:sp>
           <p:nvSpPr>
-            <p:cNvPr id="28" name=""/>
+            <p:cNvPr id="28" name="타원 27"/>
             <p:cNvSpPr/>
             <p:nvPr/>
           </p:nvSpPr>
@@ -10719,6 +10781,7 @@
             <a:bodyPr vert="horz" wrap="square" lIns="91440" tIns="45720" rIns="91440" bIns="45720" anchor="ctr">
               <a:noAutofit/>
             </a:bodyPr>
+            <a:lstStyle/>
             <a:p>
               <a:pPr algn="ctr">
                 <a:defRPr lang="ko-KR" altLang="en-US"/>
@@ -10730,12 +10793,12 @@
       </p:grpSp>
       <p:sp>
         <p:nvSpPr>
-          <p:cNvPr id="2" name=""/>
+          <p:cNvPr id="2" name="제목 1"/>
           <p:cNvSpPr>
             <a:spLocks noGrp="1"/>
           </p:cNvSpPr>
           <p:nvPr>
-            <p:ph type="title" idx="0"/>
+            <p:ph type="title"/>
           </p:nvPr>
         </p:nvSpPr>
         <p:spPr>
@@ -10759,13 +10822,12 @@
               <a:rPr lang="ko-KR" altLang="en-US"/>
               <a:t>마스터 제목 스타일 편집</a:t>
             </a:r>
-            <a:endParaRPr lang="ko-KR" altLang="en-US"/>
           </a:p>
         </p:txBody>
       </p:sp>
       <p:sp>
         <p:nvSpPr>
-          <p:cNvPr id="3" name=""/>
+          <p:cNvPr id="3" name="그림 개체 틀 2"/>
           <p:cNvSpPr>
             <a:spLocks noGrp="1" noTextEdit="1"/>
           </p:cNvSpPr>
@@ -10840,13 +10902,12 @@
               <a:rPr lang="ko-KR" altLang="en-US"/>
               <a:t>그림을 추가하려면 아이콘을 클릭하십시오</a:t>
             </a:r>
-            <a:endParaRPr lang="ko-KR" altLang="en-US"/>
           </a:p>
         </p:txBody>
       </p:sp>
       <p:sp>
         <p:nvSpPr>
-          <p:cNvPr id="4" name=""/>
+          <p:cNvPr id="4" name="텍스트 개체 틀 3"/>
           <p:cNvSpPr>
             <a:spLocks noGrp="1"/>
           </p:cNvSpPr>
@@ -10908,13 +10969,12 @@
               <a:rPr lang="ko-KR" altLang="en-US"/>
               <a:t>마스터 텍스트 스타일을 편집합니다</a:t>
             </a:r>
-            <a:endParaRPr lang="ko-KR" altLang="en-US"/>
           </a:p>
         </p:txBody>
       </p:sp>
       <p:sp>
         <p:nvSpPr>
-          <p:cNvPr id="5" name=""/>
+          <p:cNvPr id="5" name="날짜 개체 틀 4"/>
           <p:cNvSpPr>
             <a:spLocks noGrp="1"/>
           </p:cNvSpPr>
@@ -10935,7 +10995,7 @@
               <a:pPr>
                 <a:defRPr lang="ko-KR" altLang="en-US"/>
               </a:pPr>
-              <a:t>2021-07-05</a:t>
+              <a:t>2021-07-06</a:t>
             </a:fld>
             <a:endParaRPr lang="ko-KR" altLang="en-US"/>
           </a:p>
@@ -10943,7 +11003,7 @@
       </p:sp>
       <p:sp>
         <p:nvSpPr>
-          <p:cNvPr id="6" name=""/>
+          <p:cNvPr id="6" name="바닥글 개체 틀 5"/>
           <p:cNvSpPr>
             <a:spLocks noGrp="1"/>
           </p:cNvSpPr>
@@ -10959,17 +11019,13 @@
             <a:pPr>
               <a:defRPr lang="ko-KR" altLang="en-US"/>
             </a:pPr>
-            <a:r>
-              <a:rPr lang="ko-KR" altLang="en-US"/>
-              <a:t/>
-            </a:r>
             <a:endParaRPr lang="ko-KR" altLang="en-US"/>
           </a:p>
         </p:txBody>
       </p:sp>
       <p:sp>
         <p:nvSpPr>
-          <p:cNvPr id="7" name=""/>
+          <p:cNvPr id="7" name="슬라이드 번호 개체 틀 6"/>
           <p:cNvSpPr>
             <a:spLocks noGrp="1"/>
           </p:cNvSpPr>
@@ -11001,12 +11057,12 @@
   <p:clrMapOvr>
     <a:overrideClrMapping bg1="lt1" tx1="dk1" bg2="lt2" tx2="dk2" accent1="accent1" accent2="accent2" accent3="accent3" accent4="accent4" accent5="accent5" accent6="accent6" hlink="hlink" folHlink="folHlink"/>
   </p:clrMapOvr>
-  <p:transition xmlns:mc="http://schemas.openxmlformats.org/markup-compatibility/2006" xmlns:hp="http://schemas.haansoft.com/office/presentation/8.0" mc:Ignorable="hp" hp:hslDur="500"/>
+  <p:transition/>
 </p:sldLayout>
 </file>
 
 <file path=ppt/slideMasters/slideMaster1.xml><?xml version="1.0" encoding="utf-8"?>
-<p:sldMaster xmlns:r="http://schemas.openxmlformats.org/officeDocument/2006/relationships" xmlns:c="http://schemas.openxmlformats.org/drawingml/2006/chart" xmlns:a="http://schemas.openxmlformats.org/drawingml/2006/main" xmlns:dgm="http://schemas.openxmlformats.org/drawingml/2006/diagram" xmlns:dsp="http://schemas.microsoft.com/office/drawing/2008/diagram" xmlns:p="http://schemas.openxmlformats.org/presentationml/2006/main">
+<p:sldMaster xmlns:a="http://schemas.openxmlformats.org/drawingml/2006/main" xmlns:r="http://schemas.openxmlformats.org/officeDocument/2006/relationships" xmlns:p="http://schemas.openxmlformats.org/presentationml/2006/main">
   <p:cSld name="물방울">
     <p:bg>
       <p:bgRef idx="1002">
@@ -11029,12 +11085,12 @@
       </p:grpSpPr>
       <p:grpSp>
         <p:nvGrpSpPr>
-          <p:cNvPr id="7" name=""/>
+          <p:cNvPr id="7" name="그룹 6"/>
           <p:cNvGrpSpPr/>
           <p:nvPr/>
         </p:nvGrpSpPr>
         <p:grpSpPr>
-          <a:xfrm rot="0">
+          <a:xfrm>
             <a:off x="0" y="0"/>
             <a:ext cx="12191999" cy="990600"/>
             <a:chOff x="0" y="0"/>
@@ -11043,7 +11099,7 @@
         </p:grpSpPr>
         <p:sp>
           <p:nvSpPr>
-            <p:cNvPr id="10" name=""/>
+            <p:cNvPr id="10" name="자유형: 도형 9"/>
             <p:cNvSpPr/>
             <p:nvPr/>
           </p:nvSpPr>
@@ -11096,6 +11152,7 @@
                 <a:gd name="connsiteX3" fmla="*/ 8839200 w 8839200"/>
                 <a:gd name="connsiteY3" fmla="*/ 0 h 990600"/>
               </a:gdLst>
+              <a:ahLst/>
               <a:cxnLst>
                 <a:cxn ang="0">
                   <a:pos x="connsiteX0" y="connsiteY0"/>
@@ -11161,6 +11218,7 @@
           </p:spPr>
           <p:txBody>
             <a:bodyPr anchor="ctr"/>
+            <a:lstStyle/>
             <a:p>
               <a:pPr algn="ctr">
                 <a:defRPr lang="ko-KR" altLang="en-US"/>
@@ -11171,7 +11229,7 @@
         </p:sp>
         <p:sp>
           <p:nvSpPr>
-            <p:cNvPr id="9" name=""/>
+            <p:cNvPr id="9" name="자유형: 도형 8"/>
             <p:cNvSpPr/>
             <p:nvPr/>
           </p:nvSpPr>
@@ -11236,6 +11294,7 @@
                 <a:gd name="connsiteX4" fmla="*/ 9144000 w 9144000"/>
                 <a:gd name="connsiteY4" fmla="*/ 0 h 990600"/>
               </a:gdLst>
+              <a:ahLst/>
               <a:cxnLst>
                 <a:cxn ang="0">
                   <a:pos x="connsiteX0" y="connsiteY0"/>
@@ -11310,6 +11369,7 @@
           </p:spPr>
           <p:txBody>
             <a:bodyPr anchor="ctr"/>
+            <a:lstStyle/>
             <a:p>
               <a:pPr algn="ctr">
                 <a:defRPr lang="ko-KR" altLang="en-US"/>
@@ -11321,12 +11381,12 @@
       </p:grpSp>
       <p:grpSp>
         <p:nvGrpSpPr>
-          <p:cNvPr id="8" name=""/>
+          <p:cNvPr id="8" name="그룹 7"/>
           <p:cNvGrpSpPr/>
           <p:nvPr/>
         </p:nvGrpSpPr>
         <p:grpSpPr>
-          <a:xfrm rot="0">
+          <a:xfrm>
             <a:off x="11124819" y="158400"/>
             <a:ext cx="972000" cy="1663200"/>
             <a:chOff x="8077200" y="152400"/>
@@ -11335,7 +11395,7 @@
         </p:grpSpPr>
         <p:sp>
           <p:nvSpPr>
-            <p:cNvPr id="12" name=""/>
+            <p:cNvPr id="12" name="타원 11"/>
             <p:cNvSpPr/>
             <p:nvPr/>
           </p:nvSpPr>
@@ -11378,6 +11438,7 @@
             <a:bodyPr vert="horz" wrap="square" lIns="91440" tIns="45720" rIns="91440" bIns="45720" anchor="ctr">
               <a:noAutofit/>
             </a:bodyPr>
+            <a:lstStyle/>
             <a:p>
               <a:pPr algn="ctr">
                 <a:defRPr lang="ko-KR" altLang="en-US"/>
@@ -11388,7 +11449,7 @@
         </p:sp>
         <p:sp>
           <p:nvSpPr>
-            <p:cNvPr id="13" name=""/>
+            <p:cNvPr id="13" name="타원 12"/>
             <p:cNvSpPr/>
             <p:nvPr/>
           </p:nvSpPr>
@@ -11429,6 +11490,7 @@
             <a:bodyPr vert="horz" wrap="square" lIns="91440" tIns="45720" rIns="91440" bIns="45720" anchor="ctr">
               <a:noAutofit/>
             </a:bodyPr>
+            <a:lstStyle/>
             <a:p>
               <a:pPr algn="ctr">
                 <a:defRPr lang="ko-KR" altLang="en-US"/>
@@ -11439,7 +11501,7 @@
         </p:sp>
         <p:sp>
           <p:nvSpPr>
-            <p:cNvPr id="14" name=""/>
+            <p:cNvPr id="14" name="타원 13"/>
             <p:cNvSpPr/>
             <p:nvPr/>
           </p:nvSpPr>
@@ -11482,6 +11544,7 @@
             <a:bodyPr vert="horz" wrap="square" lIns="91440" tIns="45720" rIns="91440" bIns="45720" anchor="ctr">
               <a:noAutofit/>
             </a:bodyPr>
+            <a:lstStyle/>
             <a:p>
               <a:pPr algn="ctr">
                 <a:defRPr lang="ko-KR" altLang="en-US"/>
@@ -11492,7 +11555,7 @@
         </p:sp>
         <p:sp>
           <p:nvSpPr>
-            <p:cNvPr id="15" name=""/>
+            <p:cNvPr id="15" name="타원 14"/>
             <p:cNvSpPr/>
             <p:nvPr/>
           </p:nvSpPr>
@@ -11535,6 +11598,7 @@
             <a:bodyPr vert="horz" wrap="square" lIns="91440" tIns="45720" rIns="91440" bIns="45720" anchor="ctr">
               <a:noAutofit/>
             </a:bodyPr>
+            <a:lstStyle/>
             <a:p>
               <a:pPr algn="ctr">
                 <a:defRPr lang="ko-KR" altLang="en-US"/>
@@ -11545,7 +11609,7 @@
         </p:sp>
         <p:sp>
           <p:nvSpPr>
-            <p:cNvPr id="16" name=""/>
+            <p:cNvPr id="16" name="타원 15"/>
             <p:cNvSpPr/>
             <p:nvPr/>
           </p:nvSpPr>
@@ -11588,6 +11652,7 @@
             <a:bodyPr vert="horz" wrap="square" lIns="91440" tIns="45720" rIns="91440" bIns="45720" anchor="ctr">
               <a:noAutofit/>
             </a:bodyPr>
+            <a:lstStyle/>
             <a:p>
               <a:pPr algn="ctr">
                 <a:defRPr lang="ko-KR" altLang="en-US"/>
@@ -11598,7 +11663,7 @@
         </p:sp>
         <p:sp>
           <p:nvSpPr>
-            <p:cNvPr id="17" name=""/>
+            <p:cNvPr id="17" name="타원 16"/>
             <p:cNvSpPr/>
             <p:nvPr/>
           </p:nvSpPr>
@@ -11639,6 +11704,7 @@
             <a:bodyPr vert="horz" wrap="square" lIns="91440" tIns="45720" rIns="91440" bIns="45720" anchor="ctr">
               <a:noAutofit/>
             </a:bodyPr>
+            <a:lstStyle/>
             <a:p>
               <a:pPr algn="ctr">
                 <a:defRPr lang="ko-KR" altLang="en-US"/>
@@ -11650,12 +11716,12 @@
       </p:grpSp>
       <p:sp>
         <p:nvSpPr>
-          <p:cNvPr id="2" name=""/>
+          <p:cNvPr id="2" name="제목 개체 틀 1"/>
           <p:cNvSpPr>
             <a:spLocks noGrp="1"/>
           </p:cNvSpPr>
           <p:nvPr>
-            <p:ph type="title" idx="0"/>
+            <p:ph type="title"/>
           </p:nvPr>
         </p:nvSpPr>
         <p:spPr>
@@ -11678,13 +11744,12 @@
               <a:rPr lang="ko-KR" altLang="en-US"/>
               <a:t>마스터 제목 스타일 편집</a:t>
             </a:r>
-            <a:endParaRPr lang="ko-KR" altLang="en-US"/>
           </a:p>
         </p:txBody>
       </p:sp>
       <p:sp>
         <p:nvSpPr>
-          <p:cNvPr id="3" name=""/>
+          <p:cNvPr id="3" name="텍스트 개체 틀 2"/>
           <p:cNvSpPr>
             <a:spLocks noGrp="1"/>
           </p:cNvSpPr>
@@ -11712,7 +11777,6 @@
               <a:rPr lang="ko-KR" altLang="en-US"/>
               <a:t>마스터 텍스트 스타일을 편집합니다</a:t>
             </a:r>
-            <a:endParaRPr lang="ko-KR" altLang="en-US"/>
           </a:p>
           <a:p>
             <a:pPr lvl="1">
@@ -11722,7 +11786,6 @@
               <a:rPr lang="ko-KR" altLang="en-US"/>
               <a:t>둘째 수준</a:t>
             </a:r>
-            <a:endParaRPr lang="ko-KR" altLang="en-US"/>
           </a:p>
           <a:p>
             <a:pPr lvl="2">
@@ -11732,7 +11795,6 @@
               <a:rPr lang="ko-KR" altLang="en-US"/>
               <a:t>셋째 수준</a:t>
             </a:r>
-            <a:endParaRPr lang="ko-KR" altLang="en-US"/>
           </a:p>
           <a:p>
             <a:pPr lvl="3">
@@ -11742,7 +11804,6 @@
               <a:rPr lang="ko-KR" altLang="en-US"/>
               <a:t>넷째 수준</a:t>
             </a:r>
-            <a:endParaRPr lang="ko-KR" altLang="en-US"/>
           </a:p>
           <a:p>
             <a:pPr lvl="4">
@@ -11752,13 +11813,12 @@
               <a:rPr lang="ko-KR" altLang="en-US"/>
               <a:t>다섯째 수준</a:t>
             </a:r>
-            <a:endParaRPr lang="ko-KR" altLang="en-US"/>
           </a:p>
         </p:txBody>
       </p:sp>
       <p:sp>
         <p:nvSpPr>
-          <p:cNvPr id="4" name=""/>
+          <p:cNvPr id="4" name="날짜 개체 틀 3"/>
           <p:cNvSpPr>
             <a:spLocks noGrp="1"/>
           </p:cNvSpPr>
@@ -11795,7 +11855,7 @@
               <a:pPr>
                 <a:defRPr lang="ko-KR" altLang="en-US"/>
               </a:pPr>
-              <a:t>2021-07-05</a:t>
+              <a:t>2021-07-06</a:t>
             </a:fld>
             <a:endParaRPr lang="ko-KR" altLang="en-US"/>
           </a:p>
@@ -11803,7 +11863,7 @@
       </p:sp>
       <p:sp>
         <p:nvSpPr>
-          <p:cNvPr id="5" name=""/>
+          <p:cNvPr id="5" name="바닥글 개체 틀 4"/>
           <p:cNvSpPr>
             <a:spLocks noGrp="1"/>
           </p:cNvSpPr>
@@ -11835,17 +11895,13 @@
             <a:pPr>
               <a:defRPr lang="ko-KR" altLang="en-US"/>
             </a:pPr>
-            <a:r>
-              <a:rPr lang="ko-KR" altLang="en-US"/>
-              <a:t/>
-            </a:r>
             <a:endParaRPr lang="ko-KR" altLang="en-US"/>
           </a:p>
         </p:txBody>
       </p:sp>
       <p:sp>
         <p:nvSpPr>
-          <p:cNvPr id="6" name=""/>
+          <p:cNvPr id="6" name="슬라이드 번호 개체 틀 5"/>
           <p:cNvSpPr>
             <a:spLocks noGrp="1"/>
           </p:cNvSpPr>
@@ -11905,7 +11961,7 @@
     <p:sldLayoutId id="2147483728" r:id="rId11"/>
     <p:sldLayoutId id="2147483729" r:id="rId12"/>
   </p:sldLayoutIdLst>
-  <p:transition xmlns:mc="http://schemas.openxmlformats.org/markup-compatibility/2006" xmlns:hp="http://schemas.haansoft.com/office/presentation/8.0" mc:Ignorable="hp" hp:hslDur="500"/>
+  <p:transition/>
   <p:hf sldNum="0" hdr="0" ftr="0" dt="0"/>
   <p:txStyles>
     <p:titleStyle>
@@ -12193,7 +12249,7 @@
 </file>
 
 <file path=ppt/slides/slide1.xml><?xml version="1.0" encoding="utf-8"?>
-<p:sld xmlns:r="http://schemas.openxmlformats.org/officeDocument/2006/relationships" xmlns:c="http://schemas.openxmlformats.org/drawingml/2006/chart" xmlns:a="http://schemas.openxmlformats.org/drawingml/2006/main" xmlns:dgm="http://schemas.openxmlformats.org/drawingml/2006/diagram" xmlns:dsp="http://schemas.microsoft.com/office/drawing/2008/diagram" xmlns:p="http://schemas.openxmlformats.org/presentationml/2006/main">
+<p:sld xmlns:a="http://schemas.openxmlformats.org/drawingml/2006/main" xmlns:r="http://schemas.openxmlformats.org/officeDocument/2006/relationships" xmlns:p="http://schemas.openxmlformats.org/presentationml/2006/main">
   <p:cSld>
     <p:spTree>
       <p:nvGrpSpPr>
@@ -12216,7 +12272,7 @@
             <a:spLocks noGrp="1"/>
           </p:cNvSpPr>
           <p:nvPr>
-            <p:ph type="ctrTitle" idx="0"/>
+            <p:ph type="ctrTitle"/>
           </p:nvPr>
         </p:nvSpPr>
         <p:spPr/>
@@ -12231,7 +12287,6 @@
               <a:rPr lang="ko-KR" altLang="en-US"/>
               <a:t>크롤링 계획서</a:t>
             </a:r>
-            <a:endParaRPr lang="ko-KR" altLang="en-US"/>
           </a:p>
         </p:txBody>
       </p:sp>
@@ -12257,7 +12312,6 @@
               <a:rPr lang="ko-KR" altLang="en-US"/>
               <a:t>건강기능식품 인증 마크 인식 모델 학습데이터 구축</a:t>
             </a:r>
-            <a:endParaRPr lang="ko-KR" altLang="en-US"/>
           </a:p>
         </p:txBody>
       </p:sp>
@@ -12266,11 +12320,11 @@
   <p:clrMapOvr>
     <a:masterClrMapping/>
   </p:clrMapOvr>
-  <mc:AlternateContent xmlns:mc="http://schemas.openxmlformats.org/markup-compatibility/2006">
-    <mc:Choice xmlns:p14="http://schemas.microsoft.com/office/powerpoint/2010/main" Requires="p14">
-      <p:transition xmlns:mc="http://schemas.openxmlformats.org/markup-compatibility/2006" xmlns:p14="http://schemas.microsoft.com/office/powerpoint/2010/main" mc:Ignorable="p14" p14:dur="500"/>
+  <mc:AlternateContent xmlns:mc="http://schemas.openxmlformats.org/markup-compatibility/2006" xmlns:p14="http://schemas.microsoft.com/office/powerpoint/2010/main">
+    <mc:Choice Requires="p14">
+      <p:transition/>
     </mc:Choice>
-    <mc:Fallback>
+    <mc:Fallback xmlns="" xmlns:c="http://schemas.openxmlformats.org/drawingml/2006/chart" xmlns:dgm="http://schemas.openxmlformats.org/drawingml/2006/diagram" xmlns:dsp="http://schemas.microsoft.com/office/drawing/2008/diagram">
       <p:transition/>
     </mc:Fallback>
   </mc:AlternateContent>
@@ -12278,7 +12332,7 @@
 </file>
 
 <file path=ppt/slides/slide2.xml><?xml version="1.0" encoding="utf-8"?>
-<p:sld xmlns:r="http://schemas.openxmlformats.org/officeDocument/2006/relationships" xmlns:c="http://schemas.openxmlformats.org/drawingml/2006/chart" xmlns:a="http://schemas.openxmlformats.org/drawingml/2006/main" xmlns:dgm="http://schemas.openxmlformats.org/drawingml/2006/diagram" xmlns:dsp="http://schemas.microsoft.com/office/drawing/2008/diagram" xmlns:p="http://schemas.openxmlformats.org/presentationml/2006/main">
+<p:sld xmlns:a="http://schemas.openxmlformats.org/drawingml/2006/main" xmlns:r="http://schemas.openxmlformats.org/officeDocument/2006/relationships" xmlns:p="http://schemas.openxmlformats.org/presentationml/2006/main">
   <p:cSld>
     <p:spTree>
       <p:nvGrpSpPr>
@@ -12296,12 +12350,12 @@
       </p:grpSpPr>
       <p:sp>
         <p:nvSpPr>
-          <p:cNvPr id="2" name=""/>
+          <p:cNvPr id="2" name="제목 1"/>
           <p:cNvSpPr>
             <a:spLocks noGrp="1"/>
           </p:cNvSpPr>
           <p:nvPr>
-            <p:ph type="title" idx="0"/>
+            <p:ph type="title"/>
           </p:nvPr>
         </p:nvSpPr>
         <p:spPr/>
@@ -12316,13 +12370,12 @@
               <a:rPr lang="ko-KR" altLang="en-US"/>
               <a:t>목차</a:t>
             </a:r>
-            <a:endParaRPr lang="ko-KR" altLang="en-US"/>
           </a:p>
         </p:txBody>
       </p:sp>
       <p:sp>
         <p:nvSpPr>
-          <p:cNvPr id="3" name=""/>
+          <p:cNvPr id="3" name="내용 개체 틀 2"/>
           <p:cNvSpPr>
             <a:spLocks noGrp="1"/>
           </p:cNvSpPr>
@@ -12342,7 +12395,6 @@
               <a:rPr lang="ko-KR" altLang="en-US"/>
               <a:t>크롤링 계획서 요약 정리</a:t>
             </a:r>
-            <a:endParaRPr lang="ko-KR" altLang="en-US"/>
           </a:p>
           <a:p>
             <a:pPr>
@@ -12368,7 +12420,6 @@
               <a:rPr lang="ko-KR" altLang="en-US"/>
               <a:t> 카테고리 선정 이유</a:t>
             </a:r>
-            <a:endParaRPr lang="ko-KR" altLang="en-US"/>
           </a:p>
           <a:p>
             <a:pPr>
@@ -12378,7 +12429,6 @@
               <a:rPr lang="ko-KR" altLang="en-US"/>
               <a:t>수집 대상 이미지</a:t>
             </a:r>
-            <a:endParaRPr lang="ko-KR" altLang="en-US"/>
           </a:p>
           <a:p>
             <a:pPr>
@@ -12388,7 +12438,6 @@
               <a:rPr lang="ko-KR" altLang="en-US"/>
               <a:t>수집 이미지 저장 폴더 구조</a:t>
             </a:r>
-            <a:endParaRPr lang="ko-KR" altLang="en-US"/>
           </a:p>
           <a:p>
             <a:pPr>
@@ -12398,7 +12447,6 @@
               <a:rPr lang="ko-KR" altLang="en-US"/>
               <a:t>역추적을 위한 자료 정리</a:t>
             </a:r>
-            <a:endParaRPr lang="ko-KR" altLang="en-US"/>
           </a:p>
         </p:txBody>
       </p:sp>
@@ -12407,11 +12455,11 @@
   <p:clrMapOvr>
     <a:masterClrMapping/>
   </p:clrMapOvr>
-  <mc:AlternateContent xmlns:mc="http://schemas.openxmlformats.org/markup-compatibility/2006">
-    <mc:Choice xmlns:p14="http://schemas.microsoft.com/office/powerpoint/2010/main" Requires="p14">
-      <p:transition xmlns:mc="http://schemas.openxmlformats.org/markup-compatibility/2006" xmlns:p14="http://schemas.microsoft.com/office/powerpoint/2010/main" mc:Ignorable="p14" p14:dur="500"/>
+  <mc:AlternateContent xmlns:mc="http://schemas.openxmlformats.org/markup-compatibility/2006" xmlns:p14="http://schemas.microsoft.com/office/powerpoint/2010/main">
+    <mc:Choice Requires="p14">
+      <p:transition/>
     </mc:Choice>
-    <mc:Fallback>
+    <mc:Fallback xmlns="" xmlns:c="http://schemas.openxmlformats.org/drawingml/2006/chart" xmlns:dgm="http://schemas.openxmlformats.org/drawingml/2006/diagram" xmlns:dsp="http://schemas.microsoft.com/office/drawing/2008/diagram">
       <p:transition/>
     </mc:Fallback>
   </mc:AlternateContent>
@@ -12419,7 +12467,7 @@
 </file>
 
 <file path=ppt/slides/slide3.xml><?xml version="1.0" encoding="utf-8"?>
-<p:sld xmlns:r="http://schemas.openxmlformats.org/officeDocument/2006/relationships" xmlns:c="http://schemas.openxmlformats.org/drawingml/2006/chart" xmlns:a="http://schemas.openxmlformats.org/drawingml/2006/main" xmlns:dgm="http://schemas.openxmlformats.org/drawingml/2006/diagram" xmlns:dsp="http://schemas.microsoft.com/office/drawing/2008/diagram" xmlns:p="http://schemas.openxmlformats.org/presentationml/2006/main">
+<p:sld xmlns:a="http://schemas.openxmlformats.org/drawingml/2006/main" xmlns:r="http://schemas.openxmlformats.org/officeDocument/2006/relationships" xmlns:p="http://schemas.openxmlformats.org/presentationml/2006/main">
   <p:cSld>
     <p:spTree>
       <p:nvGrpSpPr>
@@ -12437,12 +12485,12 @@
       </p:grpSpPr>
       <p:sp>
         <p:nvSpPr>
-          <p:cNvPr id="2" name=""/>
+          <p:cNvPr id="2" name="제목 1"/>
           <p:cNvSpPr>
             <a:spLocks noGrp="1"/>
           </p:cNvSpPr>
           <p:nvPr>
-            <p:ph type="title" idx="0"/>
+            <p:ph type="title"/>
           </p:nvPr>
         </p:nvSpPr>
         <p:spPr/>
@@ -12457,23 +12505,27 @@
               <a:rPr lang="ko-KR" altLang="en-US"/>
               <a:t>크롤링 계획서 요약 정리</a:t>
             </a:r>
-            <a:endParaRPr lang="ko-KR" altLang="en-US"/>
           </a:p>
         </p:txBody>
       </p:sp>
       <p:graphicFrame>
         <p:nvGraphicFramePr>
-          <p:cNvPr id="3" name=""/>
+          <p:cNvPr id="3" name="내용 개체 틀 2"/>
           <p:cNvGraphicFramePr>
             <a:graphicFrameLocks noGrp="1"/>
           </p:cNvGraphicFramePr>
           <p:nvPr>
             <p:ph idx="1"/>
+            <p:extLst>
+              <p:ext uri="{D42A27DB-BD31-4B8C-83A1-F6EECF244321}">
+                <p14:modId xmlns:p14="http://schemas.microsoft.com/office/powerpoint/2010/main" val="1058967154"/>
+              </p:ext>
+            </p:extLst>
           </p:nvPr>
         </p:nvGraphicFramePr>
         <p:xfrm>
           <a:off x="609600" y="1822898"/>
-          <a:ext cx="10972799" cy="2595880"/>
+          <a:ext cx="10972798" cy="2595880"/>
         </p:xfrm>
         <a:graphic>
           <a:graphicData uri="http://schemas.openxmlformats.org/drawingml/2006/table">
@@ -12482,15 +12534,26 @@
                 <a:tableStyleId>{01A66EDD-3DAB-4C5B-A090-DC80EC1FD486}</a:tableStyleId>
               </a:tblPr>
               <a:tblGrid>
-                <a:gridCol w="2133973"/>
-                <a:gridCol w="8838825"/>
+                <a:gridCol w="2478833">
+                  <a:extLst>
+                    <a:ext uri="{9D8B030D-6E8A-4147-A177-3AD203B41FA5}">
+                      <a16:colId xmlns:a16="http://schemas.microsoft.com/office/drawing/2014/main" val="20000"/>
+                    </a:ext>
+                  </a:extLst>
+                </a:gridCol>
+                <a:gridCol w="8493965">
+                  <a:extLst>
+                    <a:ext uri="{9D8B030D-6E8A-4147-A177-3AD203B41FA5}">
+                      <a16:colId xmlns:a16="http://schemas.microsoft.com/office/drawing/2014/main" val="20001"/>
+                    </a:ext>
+                  </a:extLst>
+                </a:gridCol>
               </a:tblGrid>
               <a:tr h="370840">
                 <a:tc>
                   <a:txBody>
-                    <a:bodyPr vert="horz" wrap="square" lIns="91440" tIns="45720" rIns="91440" bIns="45720" anchor="t" anchorCtr="0">
-                      <a:spAutoFit/>
-                    </a:bodyPr>
+                    <a:bodyPr/>
+                    <a:lstStyle/>
                     <a:p>
                       <a:pPr algn="ctr">
                         <a:defRPr/>
@@ -12499,16 +12562,14 @@
                         <a:rPr lang="ko-KR" altLang="en-US"/>
                         <a:t>수집 정보</a:t>
                       </a:r>
-                      <a:endParaRPr lang="ko-KR" altLang="en-US"/>
                     </a:p>
                   </a:txBody>
-                  <a:tcPr marL="91440" marR="91440"/>
+                  <a:tcPr/>
                 </a:tc>
                 <a:tc>
                   <a:txBody>
-                    <a:bodyPr vert="horz" wrap="square" lIns="91440" tIns="45720" rIns="91440" bIns="45720" anchor="t" anchorCtr="0">
-                      <a:spAutoFit/>
-                    </a:bodyPr>
+                    <a:bodyPr/>
+                    <a:lstStyle/>
                     <a:p>
                       <a:pPr algn="ctr">
                         <a:defRPr/>
@@ -12517,18 +12578,21 @@
                         <a:rPr lang="ko-KR" altLang="en-US"/>
                         <a:t>정보</a:t>
                       </a:r>
-                      <a:endParaRPr lang="ko-KR" altLang="en-US"/>
                     </a:p>
                   </a:txBody>
-                  <a:tcPr marL="91440" marR="91440"/>
+                  <a:tcPr/>
                 </a:tc>
+                <a:extLst>
+                  <a:ext uri="{0D108BD9-81ED-4DB2-BD59-A6C34878D82A}">
+                    <a16:rowId xmlns:a16="http://schemas.microsoft.com/office/drawing/2014/main" val="10000"/>
+                  </a:ext>
+                </a:extLst>
               </a:tr>
               <a:tr h="370840">
                 <a:tc>
                   <a:txBody>
-                    <a:bodyPr vert="horz" wrap="square" lIns="91440" tIns="45720" rIns="91440" bIns="45720" anchor="t" anchorCtr="0">
-                      <a:spAutoFit/>
-                    </a:bodyPr>
+                    <a:bodyPr/>
+                    <a:lstStyle/>
                     <a:p>
                       <a:pPr algn="ctr">
                         <a:defRPr/>
@@ -12537,56 +12601,57 @@
                         <a:rPr lang="ko-KR" altLang="en-US"/>
                         <a:t>날짜</a:t>
                       </a:r>
-                      <a:endParaRPr lang="ko-KR" altLang="en-US"/>
                     </a:p>
                   </a:txBody>
-                  <a:tcPr marL="91440" marR="91440"/>
+                  <a:tcPr/>
                 </a:tc>
                 <a:tc>
                   <a:txBody>
-                    <a:bodyPr vert="horz" wrap="square" lIns="91440" tIns="45720" rIns="91440" bIns="45720" anchor="t" anchorCtr="0">
-                      <a:spAutoFit/>
-                    </a:bodyPr>
+                    <a:bodyPr/>
+                    <a:lstStyle/>
                     <a:p>
                       <a:pPr algn="ctr">
                         <a:defRPr/>
                       </a:pPr>
                       <a:r>
-                        <a:rPr lang="en-US" altLang="ko-KR"/>
+                        <a:rPr lang="en-US" altLang="ko-KR" dirty="0"/>
                         <a:t>2021</a:t>
                       </a:r>
                       <a:r>
-                        <a:rPr lang="ko-KR" altLang="en-US"/>
+                        <a:rPr lang="ko-KR" altLang="en-US" dirty="0"/>
                         <a:t>년 </a:t>
                       </a:r>
                       <a:r>
-                        <a:rPr lang="en-US" altLang="ko-KR"/>
-                        <a:t>7</a:t>
+                        <a:rPr lang="en-US" altLang="ko-KR" dirty="0"/>
+                        <a:t>07</a:t>
                       </a:r>
                       <a:r>
-                        <a:rPr lang="ko-KR" altLang="en-US"/>
+                        <a:rPr lang="ko-KR" altLang="en-US" dirty="0"/>
                         <a:t>월 </a:t>
                       </a:r>
                       <a:r>
-                        <a:rPr lang="en-US" altLang="ko-KR"/>
-                        <a:t>xx</a:t>
+                        <a:rPr lang="en-US" altLang="ko-KR" dirty="0"/>
+                        <a:t>06</a:t>
                       </a:r>
                       <a:r>
-                        <a:rPr lang="ko-KR" altLang="en-US"/>
+                        <a:rPr lang="ko-KR" altLang="en-US" dirty="0"/>
                         <a:t>일</a:t>
                       </a:r>
-                      <a:endParaRPr lang="ko-KR" altLang="en-US"/>
                     </a:p>
                   </a:txBody>
-                  <a:tcPr marL="91440" marR="91440"/>
+                  <a:tcPr/>
                 </a:tc>
+                <a:extLst>
+                  <a:ext uri="{0D108BD9-81ED-4DB2-BD59-A6C34878D82A}">
+                    <a16:rowId xmlns:a16="http://schemas.microsoft.com/office/drawing/2014/main" val="10001"/>
+                  </a:ext>
+                </a:extLst>
               </a:tr>
               <a:tr h="370840">
                 <a:tc>
                   <a:txBody>
-                    <a:bodyPr vert="horz" wrap="square" lIns="91440" tIns="45720" rIns="91440" bIns="45720" anchor="t" anchorCtr="0">
-                      <a:spAutoFit/>
-                    </a:bodyPr>
+                    <a:bodyPr/>
+                    <a:lstStyle/>
                     <a:p>
                       <a:pPr algn="ctr">
                         <a:defRPr/>
@@ -12595,16 +12660,14 @@
                         <a:rPr lang="ko-KR" altLang="en-US"/>
                         <a:t>사이트</a:t>
                       </a:r>
-                      <a:endParaRPr lang="ko-KR" altLang="en-US"/>
                     </a:p>
                   </a:txBody>
-                  <a:tcPr marL="91440" marR="91440"/>
+                  <a:tcPr/>
                 </a:tc>
                 <a:tc>
                   <a:txBody>
-                    <a:bodyPr vert="horz" wrap="square" lIns="91440" tIns="45720" rIns="91440" bIns="45720" anchor="t" anchorCtr="0">
-                      <a:spAutoFit/>
-                    </a:bodyPr>
+                    <a:bodyPr/>
+                    <a:lstStyle/>
                     <a:p>
                       <a:pPr algn="ctr">
                         <a:defRPr/>
@@ -12631,18 +12694,21 @@
                         <a:rPr lang="en-US" altLang="ko-KR"/>
                         <a:t> )</a:t>
                       </a:r>
-                      <a:endParaRPr lang="en-US" altLang="ko-KR"/>
                     </a:p>
                   </a:txBody>
-                  <a:tcPr marL="91440" marR="91440"/>
+                  <a:tcPr/>
                 </a:tc>
+                <a:extLst>
+                  <a:ext uri="{0D108BD9-81ED-4DB2-BD59-A6C34878D82A}">
+                    <a16:rowId xmlns:a16="http://schemas.microsoft.com/office/drawing/2014/main" val="10002"/>
+                  </a:ext>
+                </a:extLst>
               </a:tr>
               <a:tr h="370840">
                 <a:tc>
                   <a:txBody>
-                    <a:bodyPr vert="horz" wrap="square" lIns="91440" tIns="45720" rIns="91440" bIns="45720" anchor="t" anchorCtr="0">
-                      <a:spAutoFit/>
-                    </a:bodyPr>
+                    <a:bodyPr/>
+                    <a:lstStyle/>
                     <a:p>
                       <a:pPr algn="ctr">
                         <a:defRPr/>
@@ -12651,16 +12717,14 @@
                         <a:rPr lang="ko-KR" altLang="en-US"/>
                         <a:t>카테고리</a:t>
                       </a:r>
-                      <a:endParaRPr lang="ko-KR" altLang="en-US"/>
                     </a:p>
                   </a:txBody>
-                  <a:tcPr marL="91440" marR="91440"/>
+                  <a:tcPr/>
                 </a:tc>
                 <a:tc>
                   <a:txBody>
-                    <a:bodyPr vert="horz" wrap="square" lIns="91440" tIns="45720" rIns="91440" bIns="45720" anchor="t" anchorCtr="0">
-                      <a:spAutoFit/>
-                    </a:bodyPr>
+                    <a:bodyPr/>
+                    <a:lstStyle/>
                     <a:p>
                       <a:pPr algn="ctr">
                         <a:defRPr/>
@@ -12669,18 +12733,21 @@
                         <a:rPr lang="ko-KR" altLang="en-US"/>
                         <a:t>영양제</a:t>
                       </a:r>
-                      <a:endParaRPr lang="ko-KR" altLang="en-US"/>
                     </a:p>
                   </a:txBody>
-                  <a:tcPr marL="91440" marR="91440"/>
+                  <a:tcPr/>
                 </a:tc>
+                <a:extLst>
+                  <a:ext uri="{0D108BD9-81ED-4DB2-BD59-A6C34878D82A}">
+                    <a16:rowId xmlns:a16="http://schemas.microsoft.com/office/drawing/2014/main" val="10003"/>
+                  </a:ext>
+                </a:extLst>
               </a:tr>
               <a:tr h="370840">
                 <a:tc>
                   <a:txBody>
-                    <a:bodyPr vert="horz" wrap="square" lIns="91440" tIns="45720" rIns="91440" bIns="45720" anchor="t" anchorCtr="0">
-                      <a:spAutoFit/>
-                    </a:bodyPr>
+                    <a:bodyPr/>
+                    <a:lstStyle/>
                     <a:p>
                       <a:pPr algn="ctr">
                         <a:defRPr/>
@@ -12689,16 +12756,14 @@
                         <a:rPr lang="ko-KR" altLang="en-US"/>
                         <a:t>키워드</a:t>
                       </a:r>
-                      <a:endParaRPr lang="ko-KR" altLang="en-US"/>
                     </a:p>
                   </a:txBody>
-                  <a:tcPr marL="91440" marR="91440"/>
+                  <a:tcPr/>
                 </a:tc>
                 <a:tc>
                   <a:txBody>
-                    <a:bodyPr vert="horz" wrap="square" lIns="91440" tIns="45720" rIns="91440" bIns="45720" anchor="t" anchorCtr="0">
-                      <a:spAutoFit/>
-                    </a:bodyPr>
+                    <a:bodyPr/>
+                    <a:lstStyle/>
                     <a:p>
                       <a:pPr algn="ctr">
                         <a:defRPr/>
@@ -12707,60 +12772,64 @@
                         <a:rPr lang="en-US" altLang="ko-KR"/>
                         <a:t>-</a:t>
                       </a:r>
-                      <a:endParaRPr lang="en-US" altLang="ko-KR"/>
                     </a:p>
                   </a:txBody>
-                  <a:tcPr marL="91440" marR="91440"/>
+                  <a:tcPr/>
                 </a:tc>
+                <a:extLst>
+                  <a:ext uri="{0D108BD9-81ED-4DB2-BD59-A6C34878D82A}">
+                    <a16:rowId xmlns:a16="http://schemas.microsoft.com/office/drawing/2014/main" val="10004"/>
+                  </a:ext>
+                </a:extLst>
               </a:tr>
               <a:tr h="370840">
                 <a:tc>
                   <a:txBody>
-                    <a:bodyPr vert="horz" wrap="square" lIns="91440" tIns="45720" rIns="91440" bIns="45720" anchor="t" anchorCtr="0">
-                      <a:spAutoFit/>
-                    </a:bodyPr>
+                    <a:bodyPr/>
+                    <a:lstStyle/>
                     <a:p>
                       <a:pPr algn="ctr">
                         <a:defRPr/>
                       </a:pPr>
                       <a:r>
-                        <a:rPr lang="ko-KR" altLang="en-US"/>
+                        <a:rPr lang="ko-KR" altLang="en-US" dirty="0"/>
                         <a:t>페이지당 상품 개수</a:t>
                       </a:r>
-                      <a:endParaRPr lang="ko-KR" altLang="en-US"/>
                     </a:p>
                   </a:txBody>
-                  <a:tcPr marL="91440" marR="91440"/>
+                  <a:tcPr anchor="ctr"/>
                 </a:tc>
                 <a:tc>
                   <a:txBody>
-                    <a:bodyPr vert="horz" wrap="square" lIns="91440" tIns="45720" rIns="91440" bIns="45720" anchor="t" anchorCtr="0">
-                      <a:spAutoFit/>
-                    </a:bodyPr>
+                    <a:bodyPr/>
+                    <a:lstStyle/>
                     <a:p>
                       <a:pPr algn="ctr">
                         <a:defRPr/>
                       </a:pPr>
                       <a:r>
-                        <a:rPr lang="en-US" altLang="ko-KR"/>
+                        <a:rPr lang="en-US" altLang="ko-KR" dirty="0"/>
                         <a:t>100</a:t>
                       </a:r>
                       <a:r>
-                        <a:rPr lang="ko-KR" altLang="en-US"/>
+                        <a:rPr lang="ko-KR" altLang="en-US" dirty="0"/>
                         <a:t>개</a:t>
                       </a:r>
-                      <a:endParaRPr lang="ko-KR" altLang="en-US"/>
                     </a:p>
                   </a:txBody>
-                  <a:tcPr marL="91440" marR="91440"/>
+                  <a:tcPr anchor="ctr"/>
                 </a:tc>
+                <a:extLst>
+                  <a:ext uri="{0D108BD9-81ED-4DB2-BD59-A6C34878D82A}">
+                    <a16:rowId xmlns:a16="http://schemas.microsoft.com/office/drawing/2014/main" val="10005"/>
+                  </a:ext>
+                </a:extLst>
               </a:tr>
               <a:tr h="370840">
                 <a:tc>
                   <a:txBody>
-                    <a:bodyPr vert="horz" wrap="square" lIns="91440" tIns="45720" rIns="91440" bIns="45720" anchor="t" anchorCtr="0">
-                      <a:spAutoFit/>
-                    </a:bodyPr>
+                    <a:bodyPr/>
+                    <a:lstStyle/>
                     <a:p>
                       <a:pPr algn="ctr">
                         <a:defRPr/>
@@ -12769,69 +12838,71 @@
                         <a:rPr lang="ko-KR" altLang="en-US"/>
                         <a:t>수집할 페이지 수</a:t>
                       </a:r>
-                      <a:endParaRPr lang="ko-KR" altLang="en-US"/>
                     </a:p>
                   </a:txBody>
-                  <a:tcPr marL="91440" marR="91440"/>
+                  <a:tcPr/>
                 </a:tc>
                 <a:tc>
                   <a:txBody>
-                    <a:bodyPr vert="horz" wrap="square" lIns="91440" tIns="45720" rIns="91440" bIns="45720" anchor="t" anchorCtr="0">
-                      <a:spAutoFit/>
-                    </a:bodyPr>
+                    <a:bodyPr/>
+                    <a:lstStyle/>
                     <a:p>
                       <a:pPr algn="ctr">
                         <a:defRPr/>
                       </a:pPr>
                       <a:r>
-                        <a:rPr lang="en-US" altLang="ko-KR"/>
+                        <a:rPr lang="en-US" altLang="ko-KR" dirty="0"/>
                         <a:t>1 </a:t>
                       </a:r>
                       <a:r>
-                        <a:rPr lang="ko-KR" altLang="en-US"/>
+                        <a:rPr lang="ko-KR" altLang="en-US" dirty="0"/>
                         <a:t>페이지 </a:t>
                       </a:r>
                       <a:r>
-                        <a:rPr lang="en-US" altLang="ko-KR"/>
+                        <a:rPr lang="en-US" altLang="ko-KR" dirty="0"/>
                         <a:t>~</a:t>
                       </a:r>
                       <a:r>
-                        <a:rPr lang="ko-KR" altLang="en-US"/>
+                        <a:rPr lang="ko-KR" altLang="en-US" dirty="0"/>
                         <a:t> </a:t>
                       </a:r>
                       <a:r>
-                        <a:rPr lang="en-US" altLang="ko-KR"/>
+                        <a:rPr lang="en-US" altLang="ko-KR" dirty="0"/>
                         <a:t>50</a:t>
                       </a:r>
                       <a:r>
-                        <a:rPr lang="ko-KR" altLang="en-US"/>
+                        <a:rPr lang="ko-KR" altLang="en-US" dirty="0"/>
                         <a:t> 페이지 </a:t>
                       </a:r>
                       <a:r>
-                        <a:rPr lang="en-US" altLang="ko-KR"/>
+                        <a:rPr lang="en-US" altLang="ko-KR" dirty="0"/>
                         <a:t>(</a:t>
                       </a:r>
                       <a:r>
-                        <a:rPr lang="ko-KR" altLang="en-US"/>
+                        <a:rPr lang="ko-KR" altLang="en-US" dirty="0"/>
                         <a:t> 총 </a:t>
                       </a:r>
                       <a:r>
-                        <a:rPr lang="en-US" altLang="ko-KR"/>
+                        <a:rPr lang="en-US" altLang="ko-KR" dirty="0"/>
                         <a:t>50</a:t>
                       </a:r>
                       <a:r>
-                        <a:rPr lang="ko-KR" altLang="en-US"/>
+                        <a:rPr lang="ko-KR" altLang="en-US" dirty="0"/>
                         <a:t> 페이지 </a:t>
                       </a:r>
                       <a:r>
-                        <a:rPr lang="en-US" altLang="ko-KR"/>
+                        <a:rPr lang="en-US" altLang="ko-KR" dirty="0"/>
                         <a:t>)</a:t>
                       </a:r>
-                      <a:endParaRPr lang="en-US" altLang="ko-KR"/>
                     </a:p>
                   </a:txBody>
-                  <a:tcPr marL="91440" marR="91440"/>
+                  <a:tcPr/>
                 </a:tc>
+                <a:extLst>
+                  <a:ext uri="{0D108BD9-81ED-4DB2-BD59-A6C34878D82A}">
+                    <a16:rowId xmlns:a16="http://schemas.microsoft.com/office/drawing/2014/main" val="10006"/>
+                  </a:ext>
+                </a:extLst>
               </a:tr>
             </a:tbl>
           </a:graphicData>
@@ -12842,11 +12913,11 @@
   <p:clrMapOvr>
     <a:masterClrMapping/>
   </p:clrMapOvr>
-  <mc:AlternateContent xmlns:mc="http://schemas.openxmlformats.org/markup-compatibility/2006">
-    <mc:Choice xmlns:p14="http://schemas.microsoft.com/office/powerpoint/2010/main" Requires="p14">
-      <p:transition xmlns:mc="http://schemas.openxmlformats.org/markup-compatibility/2006" xmlns:p14="http://schemas.microsoft.com/office/powerpoint/2010/main" mc:Ignorable="p14" p14:dur="500"/>
+  <mc:AlternateContent xmlns:mc="http://schemas.openxmlformats.org/markup-compatibility/2006" xmlns:p14="http://schemas.microsoft.com/office/powerpoint/2010/main">
+    <mc:Choice Requires="p14">
+      <p:transition/>
     </mc:Choice>
-    <mc:Fallback>
+    <mc:Fallback xmlns="" xmlns:c="http://schemas.openxmlformats.org/drawingml/2006/chart" xmlns:dgm="http://schemas.openxmlformats.org/drawingml/2006/diagram" xmlns:dsp="http://schemas.microsoft.com/office/drawing/2008/diagram">
       <p:transition/>
     </mc:Fallback>
   </mc:AlternateContent>
@@ -12854,7 +12925,7 @@
 </file>
 
 <file path=ppt/slides/slide4.xml><?xml version="1.0" encoding="utf-8"?>
-<p:sld xmlns:r="http://schemas.openxmlformats.org/officeDocument/2006/relationships" xmlns:c="http://schemas.openxmlformats.org/drawingml/2006/chart" xmlns:a="http://schemas.openxmlformats.org/drawingml/2006/main" xmlns:dgm="http://schemas.openxmlformats.org/drawingml/2006/diagram" xmlns:dsp="http://schemas.microsoft.com/office/drawing/2008/diagram" xmlns:p="http://schemas.openxmlformats.org/presentationml/2006/main">
+<p:sld xmlns:a="http://schemas.openxmlformats.org/drawingml/2006/main" xmlns:r="http://schemas.openxmlformats.org/officeDocument/2006/relationships" xmlns:p="http://schemas.openxmlformats.org/presentationml/2006/main">
   <p:cSld>
     <p:spTree>
       <p:nvGrpSpPr>
@@ -12872,12 +12943,12 @@
       </p:grpSpPr>
       <p:sp>
         <p:nvSpPr>
-          <p:cNvPr id="2" name=""/>
+          <p:cNvPr id="2" name="제목 1"/>
           <p:cNvSpPr>
             <a:spLocks noGrp="1"/>
           </p:cNvSpPr>
           <p:nvPr>
-            <p:ph type="title" idx="0"/>
+            <p:ph type="title"/>
           </p:nvPr>
         </p:nvSpPr>
         <p:spPr/>
@@ -12900,13 +12971,12 @@
               <a:rPr lang="ko-KR" altLang="en-US"/>
               <a:t> 키워드 선정 이유</a:t>
             </a:r>
-            <a:endParaRPr lang="ko-KR" altLang="en-US"/>
           </a:p>
         </p:txBody>
       </p:sp>
       <p:pic>
         <p:nvPicPr>
-          <p:cNvPr id="4" name=""/>
+          <p:cNvPr id="4" name="그림 3"/>
           <p:cNvPicPr>
             <a:picLocks noChangeAspect="1"/>
           </p:cNvPicPr>
@@ -12920,7 +12990,7 @@
         </p:blipFill>
         <p:spPr>
           <a:xfrm>
-            <a:off x="1005695" y="2504402"/>
+            <a:off x="1094165" y="2308390"/>
             <a:ext cx="3921135" cy="3684514"/>
           </a:xfrm>
           <a:prstGeom prst="rect">
@@ -12930,7 +13000,7 @@
       </p:pic>
       <p:pic>
         <p:nvPicPr>
-          <p:cNvPr id="5" name=""/>
+          <p:cNvPr id="5" name="그림 4"/>
           <p:cNvPicPr>
             <a:picLocks noChangeAspect="1"/>
           </p:cNvPicPr>
@@ -12944,7 +13014,7 @@
         </p:blipFill>
         <p:spPr>
           <a:xfrm>
-            <a:off x="6933439" y="2504402"/>
+            <a:off x="7026153" y="2308390"/>
             <a:ext cx="3713260" cy="3684512"/>
           </a:xfrm>
           <a:prstGeom prst="rect">
@@ -12954,13 +13024,13 @@
       </p:pic>
       <p:sp>
         <p:nvSpPr>
-          <p:cNvPr id="6" name=""/>
+          <p:cNvPr id="6" name="직사각형 5"/>
           <p:cNvSpPr/>
           <p:nvPr/>
         </p:nvSpPr>
         <p:spPr>
           <a:xfrm>
-            <a:off x="2319670" y="5898482"/>
+            <a:off x="2440077" y="5721200"/>
             <a:ext cx="1229313" cy="271702"/>
           </a:xfrm>
           <a:prstGeom prst="rect">
@@ -12969,535 +13039,7 @@
           <a:noFill/>
           <a:ln w="25400" algn="ctr">
             <a:solidFill>
-              <a:srgbClr val="ff0000"/>
-            </a:solidFill>
-          </a:ln>
-        </p:spPr>
-        <p:style>
-          <a:lnRef idx="2">
-            <a:schemeClr val="accent1">
-              <a:shade val="20000"/>
-            </a:schemeClr>
-          </a:lnRef>
-          <a:fillRef idx="1">
-            <a:schemeClr val="accent1"/>
-          </a:fillRef>
-          <a:effectRef idx="0">
-            <a:schemeClr val="accent1"/>
-          </a:effectRef>
-          <a:fontRef idx="minor">
-            <a:schemeClr val="lt1"/>
-          </a:fontRef>
-        </p:style>
-        <p:txBody>
-          <a:bodyPr vert="horz" wrap="square" lIns="91440" tIns="45720" rIns="91440" bIns="45720" anchor="ctr">
-            <a:noAutofit/>
-          </a:bodyPr>
-          <a:p>
-            <a:pPr algn="ctr">
-              <a:defRPr/>
-            </a:pPr>
-            <a:endParaRPr lang="ko-KR" altLang="en-US"/>
-          </a:p>
-        </p:txBody>
-      </p:sp>
-      <p:sp>
-        <p:nvSpPr>
-          <p:cNvPr id="7" name=""/>
-          <p:cNvSpPr/>
-          <p:nvPr/>
-        </p:nvSpPr>
-        <p:spPr>
-          <a:xfrm>
-            <a:off x="8268127" y="5898482"/>
-            <a:ext cx="1229313" cy="271702"/>
-          </a:xfrm>
-          <a:prstGeom prst="rect">
-            <a:avLst/>
-          </a:prstGeom>
-          <a:noFill/>
-          <a:ln w="25400" algn="ctr">
-            <a:solidFill>
-              <a:srgbClr val="ff0000"/>
-            </a:solidFill>
-          </a:ln>
-        </p:spPr>
-        <p:style>
-          <a:lnRef idx="2">
-            <a:schemeClr val="accent1">
-              <a:shade val="20000"/>
-            </a:schemeClr>
-          </a:lnRef>
-          <a:fillRef idx="1">
-            <a:schemeClr val="accent1"/>
-          </a:fillRef>
-          <a:effectRef idx="0">
-            <a:schemeClr val="accent1"/>
-          </a:effectRef>
-          <a:fontRef idx="minor">
-            <a:schemeClr val="lt1"/>
-          </a:fontRef>
-        </p:style>
-        <p:txBody>
-          <a:bodyPr vert="horz" wrap="square" lIns="91440" tIns="45720" rIns="91440" bIns="45720" anchor="ctr">
-            <a:noAutofit/>
-          </a:bodyPr>
-          <a:p>
-            <a:pPr algn="ctr">
-              <a:defRPr/>
-            </a:pPr>
-            <a:endParaRPr lang="ko-KR" altLang="en-US"/>
-          </a:p>
-        </p:txBody>
-      </p:sp>
-      <p:sp>
-        <p:nvSpPr>
-          <p:cNvPr id="8" name=""/>
-          <p:cNvSpPr/>
-          <p:nvPr/>
-        </p:nvSpPr>
-        <p:spPr>
-          <a:xfrm>
-            <a:off x="2037789" y="2504402"/>
-            <a:ext cx="896537" cy="271702"/>
-          </a:xfrm>
-          <a:prstGeom prst="rect">
-            <a:avLst/>
-          </a:prstGeom>
-          <a:noFill/>
-          <a:ln w="25400" algn="ctr">
-            <a:solidFill>
-              <a:srgbClr val="ff0000"/>
-            </a:solidFill>
-          </a:ln>
-        </p:spPr>
-        <p:style>
-          <a:lnRef idx="2">
-            <a:schemeClr val="accent1">
-              <a:shade val="20000"/>
-            </a:schemeClr>
-          </a:lnRef>
-          <a:fillRef idx="1">
-            <a:schemeClr val="accent1"/>
-          </a:fillRef>
-          <a:effectRef idx="0">
-            <a:schemeClr val="accent1"/>
-          </a:effectRef>
-          <a:fontRef idx="minor">
-            <a:schemeClr val="lt1"/>
-          </a:fontRef>
-        </p:style>
-        <p:txBody>
-          <a:bodyPr vert="horz" wrap="square" lIns="91440" tIns="45720" rIns="91440" bIns="45720" anchor="ctr">
-            <a:noAutofit/>
-          </a:bodyPr>
-          <a:p>
-            <a:pPr algn="ctr">
-              <a:defRPr/>
-            </a:pPr>
-            <a:endParaRPr lang="ko-KR" altLang="en-US"/>
-          </a:p>
-        </p:txBody>
-      </p:sp>
-      <p:sp>
-        <p:nvSpPr>
-          <p:cNvPr id="9" name=""/>
-          <p:cNvSpPr/>
-          <p:nvPr/>
-        </p:nvSpPr>
-        <p:spPr>
-          <a:xfrm>
-            <a:off x="7082170" y="3523814"/>
-            <a:ext cx="896537" cy="381322"/>
-          </a:xfrm>
-          <a:prstGeom prst="rect">
-            <a:avLst/>
-          </a:prstGeom>
-          <a:noFill/>
-          <a:ln w="25400" algn="ctr">
-            <a:solidFill>
-              <a:srgbClr val="ff0000"/>
-            </a:solidFill>
-          </a:ln>
-        </p:spPr>
-        <p:style>
-          <a:lnRef idx="2">
-            <a:schemeClr val="accent1">
-              <a:shade val="20000"/>
-            </a:schemeClr>
-          </a:lnRef>
-          <a:fillRef idx="1">
-            <a:schemeClr val="accent1"/>
-          </a:fillRef>
-          <a:effectRef idx="0">
-            <a:schemeClr val="accent1"/>
-          </a:effectRef>
-          <a:fontRef idx="minor">
-            <a:schemeClr val="lt1"/>
-          </a:fontRef>
-        </p:style>
-        <p:txBody>
-          <a:bodyPr vert="horz" wrap="square" lIns="91440" tIns="45720" rIns="91440" bIns="45720" anchor="ctr">
-            <a:noAutofit/>
-          </a:bodyPr>
-          <a:p>
-            <a:pPr algn="ctr">
-              <a:defRPr/>
-            </a:pPr>
-            <a:endParaRPr lang="ko-KR" altLang="en-US"/>
-          </a:p>
-        </p:txBody>
-      </p:sp>
-      <p:sp>
-        <p:nvSpPr>
-          <p:cNvPr id="10" name=""/>
-          <p:cNvSpPr txBox="1"/>
-          <p:nvPr/>
-        </p:nvSpPr>
-        <p:spPr>
-          <a:xfrm>
-            <a:off x="1451246" y="6170184"/>
-            <a:ext cx="3455147" cy="575757"/>
-          </a:xfrm>
-          <a:prstGeom prst="rect">
-            <a:avLst/>
-          </a:prstGeom>
-        </p:spPr>
-        <p:txBody>
-          <a:bodyPr wrap="square">
-            <a:spAutoFit/>
-          </a:bodyPr>
-          <a:p>
-            <a:pPr algn="ctr">
-              <a:defRPr/>
-            </a:pPr>
-            <a:r>
-              <a:rPr lang="ko-KR" altLang="en-US" sz="1600"/>
-              <a:t>건강기능식품 키워드로 검색 한 결과</a:t>
-            </a:r>
-            <a:endParaRPr lang="ko-KR" altLang="en-US" sz="1600"/>
-          </a:p>
-          <a:p>
-            <a:pPr algn="ctr">
-              <a:defRPr/>
-            </a:pPr>
-            <a:r>
-              <a:rPr lang="ko-KR" altLang="en-US" sz="1600"/>
-              <a:t>상품 개수 </a:t>
-            </a:r>
-            <a:r>
-              <a:rPr lang="en-US" altLang="ko-KR" sz="1600"/>
-              <a:t>:</a:t>
-            </a:r>
-            <a:r>
-              <a:rPr lang="ko-KR" altLang="en-US" sz="1600"/>
-              <a:t> </a:t>
-            </a:r>
-            <a:r>
-              <a:rPr lang="en-US" altLang="ko-KR" sz="1600"/>
-              <a:t>2,903</a:t>
-            </a:r>
-            <a:r>
-              <a:rPr lang="ko-KR" altLang="en-US" sz="1600"/>
-              <a:t>개</a:t>
-            </a:r>
-            <a:endParaRPr lang="ko-KR" altLang="en-US" sz="1600"/>
-          </a:p>
-        </p:txBody>
-      </p:sp>
-      <p:sp>
-        <p:nvSpPr>
-          <p:cNvPr id="11" name=""/>
-          <p:cNvSpPr txBox="1"/>
-          <p:nvPr/>
-        </p:nvSpPr>
-        <p:spPr>
-          <a:xfrm>
-            <a:off x="7353012" y="6170184"/>
-            <a:ext cx="3455148" cy="575757"/>
-          </a:xfrm>
-          <a:prstGeom prst="rect">
-            <a:avLst/>
-          </a:prstGeom>
-        </p:spPr>
-        <p:txBody>
-          <a:bodyPr wrap="square">
-            <a:spAutoFit/>
-          </a:bodyPr>
-          <a:p>
-            <a:pPr algn="ctr">
-              <a:defRPr/>
-            </a:pPr>
-            <a:r>
-              <a:rPr lang="ko-KR" altLang="en-US" sz="1600"/>
-              <a:t>영양제 카테고리로 검색 한 결과</a:t>
-            </a:r>
-            <a:endParaRPr lang="ko-KR" altLang="en-US" sz="1600"/>
-          </a:p>
-          <a:p>
-            <a:pPr algn="ctr">
-              <a:defRPr/>
-            </a:pPr>
-            <a:r>
-              <a:rPr lang="ko-KR" altLang="en-US" sz="1600"/>
-              <a:t>상품 개수 </a:t>
-            </a:r>
-            <a:r>
-              <a:rPr lang="en-US" altLang="ko-KR" sz="1600"/>
-              <a:t>:</a:t>
-            </a:r>
-            <a:r>
-              <a:rPr lang="ko-KR" altLang="en-US" sz="1600"/>
-              <a:t> </a:t>
-            </a:r>
-            <a:r>
-              <a:rPr lang="en-US" altLang="ko-KR" sz="1600"/>
-              <a:t>989,400</a:t>
-            </a:r>
-            <a:r>
-              <a:rPr lang="ko-KR" altLang="en-US" sz="1600"/>
-              <a:t>개</a:t>
-            </a:r>
-            <a:endParaRPr lang="ko-KR" altLang="en-US" sz="1600"/>
-          </a:p>
-        </p:txBody>
-      </p:sp>
-      <p:sp>
-        <p:nvSpPr>
-          <p:cNvPr id="12" name=""/>
-          <p:cNvSpPr txBox="1"/>
-          <p:nvPr/>
-        </p:nvSpPr>
-        <p:spPr>
-          <a:xfrm>
-            <a:off x="796551" y="1407271"/>
-            <a:ext cx="10384118" cy="638699"/>
-          </a:xfrm>
-          <a:prstGeom prst="rect">
-            <a:avLst/>
-          </a:prstGeom>
-        </p:spPr>
-        <p:txBody>
-          <a:bodyPr wrap="square">
-            <a:spAutoFit/>
-          </a:bodyPr>
-          <a:p>
-            <a:pPr marL="257040" indent="-257040">
-              <a:buClr>
-                <a:srgbClr val="333333"/>
-              </a:buClr>
-              <a:buFont typeface="Arial"/>
-              <a:buChar char="•"/>
-              <a:defRPr/>
-            </a:pPr>
-            <a:r>
-              <a:rPr lang="en-US" altLang="ko-KR"/>
-              <a:t>‘</a:t>
-            </a:r>
-            <a:r>
-              <a:rPr lang="ko-KR" altLang="en-US"/>
-              <a:t>건강기능식품</a:t>
-            </a:r>
-            <a:r>
-              <a:rPr lang="en-US" altLang="ko-KR"/>
-              <a:t>’</a:t>
-            </a:r>
-            <a:r>
-              <a:rPr lang="ko-KR" altLang="en-US"/>
-              <a:t>으로 검색 했을 때의 상품 개수는 </a:t>
-            </a:r>
-            <a:r>
-              <a:rPr lang="en-US" altLang="ko-KR"/>
-              <a:t>2,903</a:t>
-            </a:r>
-            <a:r>
-              <a:rPr lang="ko-KR" altLang="en-US"/>
-              <a:t>개로 비교적 적은 수를 보임</a:t>
-            </a:r>
-            <a:endParaRPr lang="ko-KR" altLang="en-US"/>
-          </a:p>
-          <a:p>
-            <a:pPr marL="257040" indent="-257040">
-              <a:buClr>
-                <a:srgbClr val="333333"/>
-              </a:buClr>
-              <a:buFont typeface="Arial"/>
-              <a:buChar char="•"/>
-              <a:defRPr/>
-            </a:pPr>
-            <a:r>
-              <a:rPr lang="ko-KR" altLang="en-US"/>
-              <a:t>카테고리를 영양제로 선택 시 </a:t>
-            </a:r>
-            <a:r>
-              <a:rPr lang="en-US" altLang="ko-KR"/>
-              <a:t>989,400</a:t>
-            </a:r>
-            <a:r>
-              <a:rPr lang="ko-KR" altLang="en-US"/>
-              <a:t>개로 매우 많은 개수의 상품을 검색 할 수 있음</a:t>
-            </a:r>
-            <a:endParaRPr lang="ko-KR" altLang="en-US"/>
-          </a:p>
-        </p:txBody>
-      </p:sp>
-    </p:spTree>
-  </p:cSld>
-  <p:clrMapOvr>
-    <a:masterClrMapping/>
-  </p:clrMapOvr>
-  <mc:AlternateContent xmlns:mc="http://schemas.openxmlformats.org/markup-compatibility/2006">
-    <mc:Choice xmlns:p14="http://schemas.microsoft.com/office/powerpoint/2010/main" Requires="p14">
-      <p:transition xmlns:mc="http://schemas.openxmlformats.org/markup-compatibility/2006" xmlns:p14="http://schemas.microsoft.com/office/powerpoint/2010/main" mc:Ignorable="p14" p14:dur="500"/>
-    </mc:Choice>
-    <mc:Fallback>
-      <p:transition/>
-    </mc:Fallback>
-  </mc:AlternateContent>
-</p:sld>
-</file>
-
-<file path=ppt/slides/slide5.xml><?xml version="1.0" encoding="utf-8"?>
-<p:sld xmlns:r="http://schemas.openxmlformats.org/officeDocument/2006/relationships" xmlns:c="http://schemas.openxmlformats.org/drawingml/2006/chart" xmlns:a="http://schemas.openxmlformats.org/drawingml/2006/main" xmlns:dgm="http://schemas.openxmlformats.org/drawingml/2006/diagram" xmlns:dsp="http://schemas.microsoft.com/office/drawing/2008/diagram" xmlns:p="http://schemas.openxmlformats.org/presentationml/2006/main">
-  <p:cSld>
-    <p:spTree>
-      <p:nvGrpSpPr>
-        <p:cNvPr id="1" name=""/>
-        <p:cNvGrpSpPr/>
-        <p:nvPr/>
-      </p:nvGrpSpPr>
-      <p:grpSpPr>
-        <a:xfrm>
-          <a:off x="0" y="0"/>
-          <a:ext cx="0" cy="0"/>
-          <a:chOff x="0" y="0"/>
-          <a:chExt cx="0" cy="0"/>
-        </a:xfrm>
-      </p:grpSpPr>
-      <p:sp>
-        <p:nvSpPr>
-          <p:cNvPr id="2" name=""/>
-          <p:cNvSpPr>
-            <a:spLocks noGrp="1"/>
-          </p:cNvSpPr>
-          <p:nvPr>
-            <p:ph type="title" idx="0"/>
-          </p:nvPr>
-        </p:nvSpPr>
-        <p:spPr/>
-        <p:txBody>
-          <a:bodyPr/>
-          <a:lstStyle/>
-          <a:p>
-            <a:pPr>
-              <a:defRPr/>
-            </a:pPr>
-            <a:r>
-              <a:rPr lang="ko-KR" altLang="en-US"/>
-              <a:t>수집 대상 이미지</a:t>
-            </a:r>
-            <a:endParaRPr lang="ko-KR" altLang="en-US"/>
-          </a:p>
-        </p:txBody>
-      </p:sp>
-      <p:pic>
-        <p:nvPicPr>
-          <p:cNvPr id="4" name=""/>
-          <p:cNvPicPr>
-            <a:picLocks noChangeAspect="1"/>
-          </p:cNvPicPr>
-          <p:nvPr/>
-        </p:nvPicPr>
-        <p:blipFill rotWithShape="1">
-          <a:blip r:embed="rId2"/>
-          <a:stretch>
-            <a:fillRect/>
-          </a:stretch>
-        </p:blipFill>
-        <p:spPr>
-          <a:xfrm>
-            <a:off x="609599" y="2550102"/>
-            <a:ext cx="3609644" cy="3572622"/>
-          </a:xfrm>
-          <a:prstGeom prst="rect">
-            <a:avLst/>
-          </a:prstGeom>
-        </p:spPr>
-      </p:pic>
-      <p:sp>
-        <p:nvSpPr>
-          <p:cNvPr id="6" name=""/>
-          <p:cNvSpPr txBox="1"/>
-          <p:nvPr/>
-        </p:nvSpPr>
-        <p:spPr>
-          <a:xfrm>
-            <a:off x="609599" y="6180361"/>
-            <a:ext cx="3455147" cy="333321"/>
-          </a:xfrm>
-          <a:prstGeom prst="rect">
-            <a:avLst/>
-          </a:prstGeom>
-        </p:spPr>
-        <p:txBody>
-          <a:bodyPr wrap="square">
-            <a:spAutoFit/>
-          </a:bodyPr>
-          <a:lstStyle/>
-          <a:p>
-            <a:pPr algn="ctr">
-              <a:defRPr/>
-            </a:pPr>
-            <a:r>
-              <a:rPr lang="ko-KR" altLang="en-US" sz="1600"/>
-              <a:t>상품 사이트 상단 대표 이미지</a:t>
-            </a:r>
-            <a:endParaRPr lang="ko-KR" altLang="en-US" sz="1600"/>
-          </a:p>
-        </p:txBody>
-      </p:sp>
-      <p:pic>
-        <p:nvPicPr>
-          <p:cNvPr id="15" name=""/>
-          <p:cNvPicPr>
-            <a:picLocks noChangeAspect="1"/>
-          </p:cNvPicPr>
-          <p:nvPr/>
-        </p:nvPicPr>
-        <p:blipFill rotWithShape="1">
-          <a:blip r:embed="rId3"/>
-          <a:stretch>
-            <a:fillRect/>
-          </a:stretch>
-        </p:blipFill>
-        <p:spPr>
-          <a:xfrm>
-            <a:off x="5189787" y="2839587"/>
-            <a:ext cx="6392611" cy="3572622"/>
-          </a:xfrm>
-          <a:prstGeom prst="rect">
-            <a:avLst/>
-          </a:prstGeom>
-        </p:spPr>
-      </p:pic>
-      <p:sp>
-        <p:nvSpPr>
-          <p:cNvPr id="16" name=""/>
-          <p:cNvSpPr/>
-          <p:nvPr/>
-        </p:nvSpPr>
-        <p:spPr>
-          <a:xfrm>
-            <a:off x="5189787" y="2839587"/>
-            <a:ext cx="3196305" cy="2993651"/>
-          </a:xfrm>
-          <a:prstGeom prst="rect">
-            <a:avLst/>
-          </a:prstGeom>
-          <a:noFill/>
-          <a:ln w="25400" algn="ctr">
-            <a:solidFill>
-              <a:srgbClr val="ff0000"/>
+              <a:srgbClr val="FF0000"/>
             </a:solidFill>
           </a:ln>
         </p:spPr>
@@ -13532,14 +13074,14 @@
       </p:sp>
       <p:sp>
         <p:nvSpPr>
-          <p:cNvPr id="17" name=""/>
+          <p:cNvPr id="7" name="직사각형 6"/>
           <p:cNvSpPr/>
           <p:nvPr/>
         </p:nvSpPr>
         <p:spPr>
           <a:xfrm>
-            <a:off x="609599" y="2550101"/>
-            <a:ext cx="3609644" cy="3572622"/>
+            <a:off x="8342772" y="5704074"/>
+            <a:ext cx="1229313" cy="271702"/>
           </a:xfrm>
           <a:prstGeom prst="rect">
             <a:avLst/>
@@ -13547,7 +13089,7 @@
           <a:noFill/>
           <a:ln w="25400" algn="ctr">
             <a:solidFill>
-              <a:srgbClr val="ff0000"/>
+              <a:srgbClr val="FF0000"/>
             </a:solidFill>
           </a:ln>
         </p:spPr>
@@ -13580,9 +13122,536 @@
           </a:p>
         </p:txBody>
       </p:sp>
+      <p:sp>
+        <p:nvSpPr>
+          <p:cNvPr id="8" name="직사각형 7"/>
+          <p:cNvSpPr/>
+          <p:nvPr/>
+        </p:nvSpPr>
+        <p:spPr>
+          <a:xfrm>
+            <a:off x="2158196" y="2327120"/>
+            <a:ext cx="896537" cy="271702"/>
+          </a:xfrm>
+          <a:prstGeom prst="rect">
+            <a:avLst/>
+          </a:prstGeom>
+          <a:noFill/>
+          <a:ln w="25400" algn="ctr">
+            <a:solidFill>
+              <a:srgbClr val="FF0000"/>
+            </a:solidFill>
+          </a:ln>
+        </p:spPr>
+        <p:style>
+          <a:lnRef idx="2">
+            <a:schemeClr val="accent1">
+              <a:shade val="20000"/>
+            </a:schemeClr>
+          </a:lnRef>
+          <a:fillRef idx="1">
+            <a:schemeClr val="accent1"/>
+          </a:fillRef>
+          <a:effectRef idx="0">
+            <a:schemeClr val="accent1"/>
+          </a:effectRef>
+          <a:fontRef idx="minor">
+            <a:schemeClr val="lt1"/>
+          </a:fontRef>
+        </p:style>
+        <p:txBody>
+          <a:bodyPr vert="horz" wrap="square" lIns="91440" tIns="45720" rIns="91440" bIns="45720" anchor="ctr">
+            <a:noAutofit/>
+          </a:bodyPr>
+          <a:lstStyle/>
+          <a:p>
+            <a:pPr algn="ctr">
+              <a:defRPr/>
+            </a:pPr>
+            <a:endParaRPr lang="ko-KR" altLang="en-US"/>
+          </a:p>
+        </p:txBody>
+      </p:sp>
+      <p:sp>
+        <p:nvSpPr>
+          <p:cNvPr id="9" name="직사각형 8"/>
+          <p:cNvSpPr/>
+          <p:nvPr/>
+        </p:nvSpPr>
+        <p:spPr>
+          <a:xfrm>
+            <a:off x="7222129" y="3333153"/>
+            <a:ext cx="896537" cy="381322"/>
+          </a:xfrm>
+          <a:prstGeom prst="rect">
+            <a:avLst/>
+          </a:prstGeom>
+          <a:noFill/>
+          <a:ln w="25400" algn="ctr">
+            <a:solidFill>
+              <a:srgbClr val="FF0000"/>
+            </a:solidFill>
+          </a:ln>
+        </p:spPr>
+        <p:style>
+          <a:lnRef idx="2">
+            <a:schemeClr val="accent1">
+              <a:shade val="20000"/>
+            </a:schemeClr>
+          </a:lnRef>
+          <a:fillRef idx="1">
+            <a:schemeClr val="accent1"/>
+          </a:fillRef>
+          <a:effectRef idx="0">
+            <a:schemeClr val="accent1"/>
+          </a:effectRef>
+          <a:fontRef idx="minor">
+            <a:schemeClr val="lt1"/>
+          </a:fontRef>
+        </p:style>
+        <p:txBody>
+          <a:bodyPr vert="horz" wrap="square" lIns="91440" tIns="45720" rIns="91440" bIns="45720" anchor="ctr">
+            <a:noAutofit/>
+          </a:bodyPr>
+          <a:lstStyle/>
+          <a:p>
+            <a:pPr algn="ctr">
+              <a:defRPr/>
+            </a:pPr>
+            <a:endParaRPr lang="ko-KR" altLang="en-US"/>
+          </a:p>
+        </p:txBody>
+      </p:sp>
+      <p:sp>
+        <p:nvSpPr>
+          <p:cNvPr id="10" name="TextBox 9"/>
+          <p:cNvSpPr txBox="1"/>
+          <p:nvPr/>
+        </p:nvSpPr>
+        <p:spPr>
+          <a:xfrm>
+            <a:off x="1126103" y="6160761"/>
+            <a:ext cx="3900698" cy="584775"/>
+          </a:xfrm>
+          <a:prstGeom prst="rect">
+            <a:avLst/>
+          </a:prstGeom>
+        </p:spPr>
+        <p:txBody>
+          <a:bodyPr wrap="square">
+            <a:spAutoFit/>
+          </a:bodyPr>
+          <a:lstStyle/>
+          <a:p>
+            <a:pPr algn="ctr">
+              <a:defRPr/>
+            </a:pPr>
+            <a:r>
+              <a:rPr lang="ko-KR" altLang="en-US" sz="1600" dirty="0"/>
+              <a:t>건강기능식품 키워드로 검색 한 결과</a:t>
+            </a:r>
+          </a:p>
+          <a:p>
+            <a:pPr algn="ctr">
+              <a:defRPr/>
+            </a:pPr>
+            <a:r>
+              <a:rPr lang="ko-KR" altLang="en-US" sz="1600" dirty="0"/>
+              <a:t>상품 개수 </a:t>
+            </a:r>
+            <a:r>
+              <a:rPr lang="en-US" altLang="ko-KR" sz="1600" dirty="0"/>
+              <a:t>:</a:t>
+            </a:r>
+            <a:r>
+              <a:rPr lang="ko-KR" altLang="en-US" sz="1600" dirty="0"/>
+              <a:t> </a:t>
+            </a:r>
+            <a:r>
+              <a:rPr lang="en-US" altLang="ko-KR" sz="1600" dirty="0"/>
+              <a:t>2,903</a:t>
+            </a:r>
+            <a:r>
+              <a:rPr lang="ko-KR" altLang="en-US" sz="1600" dirty="0"/>
+              <a:t>개</a:t>
+            </a:r>
+          </a:p>
+        </p:txBody>
+      </p:sp>
+      <p:sp>
+        <p:nvSpPr>
+          <p:cNvPr id="11" name="TextBox 10"/>
+          <p:cNvSpPr txBox="1"/>
+          <p:nvPr/>
+        </p:nvSpPr>
+        <p:spPr>
+          <a:xfrm>
+            <a:off x="7229854" y="6170184"/>
+            <a:ext cx="3455148" cy="575757"/>
+          </a:xfrm>
+          <a:prstGeom prst="rect">
+            <a:avLst/>
+          </a:prstGeom>
+        </p:spPr>
+        <p:txBody>
+          <a:bodyPr wrap="square">
+            <a:spAutoFit/>
+          </a:bodyPr>
+          <a:lstStyle/>
+          <a:p>
+            <a:pPr algn="ctr">
+              <a:defRPr/>
+            </a:pPr>
+            <a:r>
+              <a:rPr lang="ko-KR" altLang="en-US" sz="1600" dirty="0"/>
+              <a:t>영양제 카테고리로 검색 한 결과</a:t>
+            </a:r>
+          </a:p>
+          <a:p>
+            <a:pPr algn="ctr">
+              <a:defRPr/>
+            </a:pPr>
+            <a:r>
+              <a:rPr lang="ko-KR" altLang="en-US" sz="1600" dirty="0"/>
+              <a:t>상품 개수 </a:t>
+            </a:r>
+            <a:r>
+              <a:rPr lang="en-US" altLang="ko-KR" sz="1600" dirty="0"/>
+              <a:t>:</a:t>
+            </a:r>
+            <a:r>
+              <a:rPr lang="ko-KR" altLang="en-US" sz="1600" dirty="0"/>
+              <a:t> </a:t>
+            </a:r>
+            <a:r>
+              <a:rPr lang="en-US" altLang="ko-KR" sz="1600" dirty="0"/>
+              <a:t>989,400</a:t>
+            </a:r>
+            <a:r>
+              <a:rPr lang="ko-KR" altLang="en-US" sz="1600" dirty="0"/>
+              <a:t>개</a:t>
+            </a:r>
+          </a:p>
+        </p:txBody>
+      </p:sp>
+      <p:sp>
+        <p:nvSpPr>
+          <p:cNvPr id="12" name="TextBox 11"/>
+          <p:cNvSpPr txBox="1"/>
+          <p:nvPr/>
+        </p:nvSpPr>
+        <p:spPr>
+          <a:xfrm>
+            <a:off x="796551" y="1407271"/>
+            <a:ext cx="10384118" cy="638699"/>
+          </a:xfrm>
+          <a:prstGeom prst="rect">
+            <a:avLst/>
+          </a:prstGeom>
+        </p:spPr>
+        <p:txBody>
+          <a:bodyPr wrap="square">
+            <a:spAutoFit/>
+          </a:bodyPr>
+          <a:lstStyle/>
+          <a:p>
+            <a:pPr marL="257040" indent="-257040">
+              <a:buClr>
+                <a:srgbClr val="333333"/>
+              </a:buClr>
+              <a:buFont typeface="Arial"/>
+              <a:buChar char="•"/>
+              <a:defRPr/>
+            </a:pPr>
+            <a:r>
+              <a:rPr lang="en-US" altLang="ko-KR"/>
+              <a:t>‘</a:t>
+            </a:r>
+            <a:r>
+              <a:rPr lang="ko-KR" altLang="en-US"/>
+              <a:t>건강기능식품</a:t>
+            </a:r>
+            <a:r>
+              <a:rPr lang="en-US" altLang="ko-KR"/>
+              <a:t>’</a:t>
+            </a:r>
+            <a:r>
+              <a:rPr lang="ko-KR" altLang="en-US"/>
+              <a:t>으로 검색 했을 때의 상품 개수는 </a:t>
+            </a:r>
+            <a:r>
+              <a:rPr lang="en-US" altLang="ko-KR"/>
+              <a:t>2,903</a:t>
+            </a:r>
+            <a:r>
+              <a:rPr lang="ko-KR" altLang="en-US"/>
+              <a:t>개로 비교적 적은 수를 보임</a:t>
+            </a:r>
+          </a:p>
+          <a:p>
+            <a:pPr marL="257040" indent="-257040">
+              <a:buClr>
+                <a:srgbClr val="333333"/>
+              </a:buClr>
+              <a:buFont typeface="Arial"/>
+              <a:buChar char="•"/>
+              <a:defRPr/>
+            </a:pPr>
+            <a:r>
+              <a:rPr lang="ko-KR" altLang="en-US"/>
+              <a:t>카테고리를 영양제로 선택 시 </a:t>
+            </a:r>
+            <a:r>
+              <a:rPr lang="en-US" altLang="ko-KR"/>
+              <a:t>989,400</a:t>
+            </a:r>
+            <a:r>
+              <a:rPr lang="ko-KR" altLang="en-US"/>
+              <a:t>개로 매우 많은 개수의 상품을 검색 할 수 있음</a:t>
+            </a:r>
+          </a:p>
+        </p:txBody>
+      </p:sp>
+    </p:spTree>
+  </p:cSld>
+  <p:clrMapOvr>
+    <a:masterClrMapping/>
+  </p:clrMapOvr>
+  <mc:AlternateContent xmlns:mc="http://schemas.openxmlformats.org/markup-compatibility/2006" xmlns:p14="http://schemas.microsoft.com/office/powerpoint/2010/main">
+    <mc:Choice Requires="p14">
+      <p:transition/>
+    </mc:Choice>
+    <mc:Fallback xmlns="" xmlns:c="http://schemas.openxmlformats.org/drawingml/2006/chart" xmlns:dgm="http://schemas.openxmlformats.org/drawingml/2006/diagram" xmlns:dsp="http://schemas.microsoft.com/office/drawing/2008/diagram">
+      <p:transition/>
+    </mc:Fallback>
+  </mc:AlternateContent>
+</p:sld>
+</file>
+
+<file path=ppt/slides/slide5.xml><?xml version="1.0" encoding="utf-8"?>
+<p:sld xmlns:a="http://schemas.openxmlformats.org/drawingml/2006/main" xmlns:r="http://schemas.openxmlformats.org/officeDocument/2006/relationships" xmlns:p="http://schemas.openxmlformats.org/presentationml/2006/main">
+  <p:cSld>
+    <p:spTree>
+      <p:nvGrpSpPr>
+        <p:cNvPr id="1" name=""/>
+        <p:cNvGrpSpPr/>
+        <p:nvPr/>
+      </p:nvGrpSpPr>
+      <p:grpSpPr>
+        <a:xfrm>
+          <a:off x="0" y="0"/>
+          <a:ext cx="0" cy="0"/>
+          <a:chOff x="0" y="0"/>
+          <a:chExt cx="0" cy="0"/>
+        </a:xfrm>
+      </p:grpSpPr>
+      <p:sp>
+        <p:nvSpPr>
+          <p:cNvPr id="2" name="제목 1"/>
+          <p:cNvSpPr>
+            <a:spLocks noGrp="1"/>
+          </p:cNvSpPr>
+          <p:nvPr>
+            <p:ph type="title"/>
+          </p:nvPr>
+        </p:nvSpPr>
+        <p:spPr/>
+        <p:txBody>
+          <a:bodyPr/>
+          <a:lstStyle/>
+          <a:p>
+            <a:pPr>
+              <a:defRPr/>
+            </a:pPr>
+            <a:r>
+              <a:rPr lang="ko-KR" altLang="en-US"/>
+              <a:t>수집 대상 이미지</a:t>
+            </a:r>
+          </a:p>
+        </p:txBody>
+      </p:sp>
+      <p:pic>
+        <p:nvPicPr>
+          <p:cNvPr id="4" name="그림 3"/>
+          <p:cNvPicPr>
+            <a:picLocks noChangeAspect="1"/>
+          </p:cNvPicPr>
+          <p:nvPr/>
+        </p:nvPicPr>
+        <p:blipFill rotWithShape="1">
+          <a:blip r:embed="rId2"/>
+          <a:stretch>
+            <a:fillRect/>
+          </a:stretch>
+        </p:blipFill>
+        <p:spPr>
+          <a:xfrm>
+            <a:off x="609599" y="2550102"/>
+            <a:ext cx="3609644" cy="3572622"/>
+          </a:xfrm>
+          <a:prstGeom prst="rect">
+            <a:avLst/>
+          </a:prstGeom>
+        </p:spPr>
+      </p:pic>
+      <p:sp>
+        <p:nvSpPr>
+          <p:cNvPr id="6" name="TextBox 5"/>
+          <p:cNvSpPr txBox="1"/>
+          <p:nvPr/>
+        </p:nvSpPr>
+        <p:spPr>
+          <a:xfrm>
+            <a:off x="609599" y="6180361"/>
+            <a:ext cx="3455147" cy="333321"/>
+          </a:xfrm>
+          <a:prstGeom prst="rect">
+            <a:avLst/>
+          </a:prstGeom>
+        </p:spPr>
+        <p:txBody>
+          <a:bodyPr wrap="square">
+            <a:spAutoFit/>
+          </a:bodyPr>
+          <a:lstStyle/>
+          <a:p>
+            <a:pPr algn="ctr">
+              <a:defRPr/>
+            </a:pPr>
+            <a:r>
+              <a:rPr lang="ko-KR" altLang="en-US" sz="1600"/>
+              <a:t>상품 사이트 상단 대표 이미지</a:t>
+            </a:r>
+          </a:p>
+        </p:txBody>
+      </p:sp>
+      <p:pic>
+        <p:nvPicPr>
+          <p:cNvPr id="15" name="그림 14"/>
+          <p:cNvPicPr>
+            <a:picLocks noChangeAspect="1"/>
+          </p:cNvPicPr>
+          <p:nvPr/>
+        </p:nvPicPr>
+        <p:blipFill rotWithShape="1">
+          <a:blip r:embed="rId3"/>
+          <a:stretch>
+            <a:fillRect/>
+          </a:stretch>
+        </p:blipFill>
+        <p:spPr>
+          <a:xfrm>
+            <a:off x="5189787" y="2839587"/>
+            <a:ext cx="6392611" cy="3572622"/>
+          </a:xfrm>
+          <a:prstGeom prst="rect">
+            <a:avLst/>
+          </a:prstGeom>
+        </p:spPr>
+      </p:pic>
+      <p:sp>
+        <p:nvSpPr>
+          <p:cNvPr id="16" name="직사각형 15"/>
+          <p:cNvSpPr/>
+          <p:nvPr/>
+        </p:nvSpPr>
+        <p:spPr>
+          <a:xfrm>
+            <a:off x="5189787" y="2839587"/>
+            <a:ext cx="3196305" cy="2993651"/>
+          </a:xfrm>
+          <a:prstGeom prst="rect">
+            <a:avLst/>
+          </a:prstGeom>
+          <a:noFill/>
+          <a:ln w="25400" algn="ctr">
+            <a:solidFill>
+              <a:srgbClr val="FF0000"/>
+            </a:solidFill>
+          </a:ln>
+        </p:spPr>
+        <p:style>
+          <a:lnRef idx="2">
+            <a:schemeClr val="accent1">
+              <a:shade val="20000"/>
+            </a:schemeClr>
+          </a:lnRef>
+          <a:fillRef idx="1">
+            <a:schemeClr val="accent1"/>
+          </a:fillRef>
+          <a:effectRef idx="0">
+            <a:schemeClr val="accent1"/>
+          </a:effectRef>
+          <a:fontRef idx="minor">
+            <a:schemeClr val="lt1"/>
+          </a:fontRef>
+        </p:style>
+        <p:txBody>
+          <a:bodyPr vert="horz" wrap="square" lIns="91440" tIns="45720" rIns="91440" bIns="45720" anchor="ctr">
+            <a:noAutofit/>
+          </a:bodyPr>
+          <a:lstStyle/>
+          <a:p>
+            <a:pPr algn="ctr">
+              <a:defRPr/>
+            </a:pPr>
+            <a:endParaRPr lang="ko-KR" altLang="en-US"/>
+          </a:p>
+        </p:txBody>
+      </p:sp>
+      <p:sp>
+        <p:nvSpPr>
+          <p:cNvPr id="17" name="직사각형 16"/>
+          <p:cNvSpPr/>
+          <p:nvPr/>
+        </p:nvSpPr>
+        <p:spPr>
+          <a:xfrm>
+            <a:off x="609599" y="2550101"/>
+            <a:ext cx="3609644" cy="3572622"/>
+          </a:xfrm>
+          <a:prstGeom prst="rect">
+            <a:avLst/>
+          </a:prstGeom>
+          <a:noFill/>
+          <a:ln w="25400" algn="ctr">
+            <a:solidFill>
+              <a:srgbClr val="FF0000"/>
+            </a:solidFill>
+          </a:ln>
+        </p:spPr>
+        <p:style>
+          <a:lnRef idx="2">
+            <a:schemeClr val="accent1">
+              <a:shade val="20000"/>
+            </a:schemeClr>
+          </a:lnRef>
+          <a:fillRef idx="1">
+            <a:schemeClr val="accent1"/>
+          </a:fillRef>
+          <a:effectRef idx="0">
+            <a:schemeClr val="accent1"/>
+          </a:effectRef>
+          <a:fontRef idx="minor">
+            <a:schemeClr val="lt1"/>
+          </a:fontRef>
+        </p:style>
+        <p:txBody>
+          <a:bodyPr vert="horz" wrap="square" lIns="91440" tIns="45720" rIns="91440" bIns="45720" anchor="ctr">
+            <a:noAutofit/>
+          </a:bodyPr>
+          <a:lstStyle/>
+          <a:p>
+            <a:pPr algn="ctr">
+              <a:defRPr/>
+            </a:pPr>
+            <a:endParaRPr lang="ko-KR" altLang="en-US"/>
+          </a:p>
+        </p:txBody>
+      </p:sp>
       <p:cxnSp>
         <p:nvCxnSpPr>
-          <p:cNvPr id="19" name=""/>
+          <p:cNvPr id="19" name="직선 화살표 연결선 18"/>
           <p:cNvCxnSpPr>
             <a:stCxn id="16" idx="1"/>
             <a:endCxn id="17" idx="3"/>
@@ -13599,7 +13668,7 @@
           </a:prstGeom>
           <a:ln algn="ctr">
             <a:solidFill>
-              <a:srgbClr val="ff0000"/>
+              <a:srgbClr val="FF0000"/>
             </a:solidFill>
             <a:tailEnd type="arrow"/>
           </a:ln>
@@ -13621,7 +13690,7 @@
       </p:cxnSp>
       <p:sp>
         <p:nvSpPr>
-          <p:cNvPr id="20" name=""/>
+          <p:cNvPr id="20" name="TextBox 19"/>
           <p:cNvSpPr txBox="1"/>
           <p:nvPr/>
         </p:nvSpPr>
@@ -13638,6 +13707,7 @@
           <a:bodyPr wrap="square">
             <a:spAutoFit/>
           </a:bodyPr>
+          <a:lstStyle/>
           <a:p>
             <a:pPr marL="257040" indent="-257040">
               <a:buClr>
@@ -13651,7 +13721,6 @@
               <a:rPr lang="ko-KR" altLang="en-US"/>
               <a:t>상품 판매 사이트 상단 대표 이미지</a:t>
             </a:r>
-            <a:endParaRPr lang="ko-KR" altLang="en-US"/>
           </a:p>
         </p:txBody>
       </p:sp>
@@ -13660,11 +13729,11 @@
   <p:clrMapOvr>
     <a:masterClrMapping/>
   </p:clrMapOvr>
-  <mc:AlternateContent xmlns:mc="http://schemas.openxmlformats.org/markup-compatibility/2006">
-    <mc:Choice xmlns:p14="http://schemas.microsoft.com/office/powerpoint/2010/main" Requires="p14">
-      <p:transition xmlns:mc="http://schemas.openxmlformats.org/markup-compatibility/2006" xmlns:p14="http://schemas.microsoft.com/office/powerpoint/2010/main" mc:Ignorable="p14" p14:dur="500"/>
+  <mc:AlternateContent xmlns:mc="http://schemas.openxmlformats.org/markup-compatibility/2006" xmlns:p14="http://schemas.microsoft.com/office/powerpoint/2010/main">
+    <mc:Choice Requires="p14">
+      <p:transition/>
     </mc:Choice>
-    <mc:Fallback>
+    <mc:Fallback xmlns="" xmlns:c="http://schemas.openxmlformats.org/drawingml/2006/chart" xmlns:dgm="http://schemas.openxmlformats.org/drawingml/2006/diagram" xmlns:dsp="http://schemas.microsoft.com/office/drawing/2008/diagram">
       <p:transition/>
     </mc:Fallback>
   </mc:AlternateContent>
@@ -13672,7 +13741,7 @@
 </file>
 
 <file path=ppt/slides/slide6.xml><?xml version="1.0" encoding="utf-8"?>
-<p:sld xmlns:r="http://schemas.openxmlformats.org/officeDocument/2006/relationships" xmlns:c="http://schemas.openxmlformats.org/drawingml/2006/chart" xmlns:a="http://schemas.openxmlformats.org/drawingml/2006/main" xmlns:dgm="http://schemas.openxmlformats.org/drawingml/2006/diagram" xmlns:dsp="http://schemas.microsoft.com/office/drawing/2008/diagram" xmlns:p="http://schemas.openxmlformats.org/presentationml/2006/main">
+<p:sld xmlns:a="http://schemas.openxmlformats.org/drawingml/2006/main" xmlns:r="http://schemas.openxmlformats.org/officeDocument/2006/relationships" xmlns:p="http://schemas.openxmlformats.org/presentationml/2006/main">
   <p:cSld>
     <p:spTree>
       <p:nvGrpSpPr>
@@ -13690,7 +13759,7 @@
       </p:grpSpPr>
       <p:cxnSp>
         <p:nvCxnSpPr>
-          <p:cNvPr id="11" name=""/>
+          <p:cNvPr id="11" name="직선 연결선 10"/>
           <p:cNvCxnSpPr/>
           <p:nvPr/>
         </p:nvCxnSpPr>
@@ -13704,7 +13773,7 @@
           </a:prstGeom>
           <a:ln algn="ctr">
             <a:solidFill>
-              <a:srgbClr val="ff0000"/>
+              <a:srgbClr val="FF0000"/>
             </a:solidFill>
           </a:ln>
         </p:spPr>
@@ -13725,7 +13794,7 @@
       </p:cxnSp>
       <p:cxnSp>
         <p:nvCxnSpPr>
-          <p:cNvPr id="12" name=""/>
+          <p:cNvPr id="12" name="직선 연결선 11"/>
           <p:cNvCxnSpPr/>
           <p:nvPr/>
         </p:nvCxnSpPr>
@@ -13739,7 +13808,7 @@
           </a:prstGeom>
           <a:ln algn="ctr">
             <a:solidFill>
-              <a:srgbClr val="ff0000"/>
+              <a:srgbClr val="FF0000"/>
             </a:solidFill>
           </a:ln>
         </p:spPr>
@@ -13760,12 +13829,12 @@
       </p:cxnSp>
       <p:sp>
         <p:nvSpPr>
-          <p:cNvPr id="2" name=""/>
+          <p:cNvPr id="2" name="제목 1"/>
           <p:cNvSpPr>
             <a:spLocks noGrp="1"/>
           </p:cNvSpPr>
           <p:nvPr>
-            <p:ph type="title" idx="0"/>
+            <p:ph type="title"/>
           </p:nvPr>
         </p:nvSpPr>
         <p:spPr/>
@@ -13780,13 +13849,12 @@
               <a:rPr lang="ko-KR" altLang="en-US"/>
               <a:t>수집 대상 이미지</a:t>
             </a:r>
-            <a:endParaRPr lang="ko-KR" altLang="en-US"/>
           </a:p>
         </p:txBody>
       </p:sp>
       <p:pic>
         <p:nvPicPr>
-          <p:cNvPr id="5" name=""/>
+          <p:cNvPr id="5" name="그림 4"/>
           <p:cNvPicPr>
             <a:picLocks noChangeAspect="1"/>
           </p:cNvPicPr>
@@ -13810,7 +13878,7 @@
       </p:pic>
       <p:sp>
         <p:nvSpPr>
-          <p:cNvPr id="7" name=""/>
+          <p:cNvPr id="7" name="TextBox 6"/>
           <p:cNvSpPr txBox="1"/>
           <p:nvPr/>
         </p:nvSpPr>
@@ -13836,13 +13904,12 @@
               <a:rPr lang="ko-KR" altLang="en-US" sz="1600"/>
               <a:t>제품 상세 이미지</a:t>
             </a:r>
-            <a:endParaRPr lang="ko-KR" altLang="en-US" sz="1600"/>
           </a:p>
         </p:txBody>
       </p:sp>
       <p:pic>
         <p:nvPicPr>
-          <p:cNvPr id="8" name=""/>
+          <p:cNvPr id="8" name="그림 7"/>
           <p:cNvPicPr>
             <a:picLocks noChangeAspect="1"/>
           </p:cNvPicPr>
@@ -13866,7 +13933,7 @@
       </p:pic>
       <p:sp>
         <p:nvSpPr>
-          <p:cNvPr id="9" name=""/>
+          <p:cNvPr id="9" name="직사각형 8"/>
           <p:cNvSpPr/>
           <p:nvPr/>
         </p:nvSpPr>
@@ -13881,7 +13948,7 @@
           <a:noFill/>
           <a:ln w="25400" algn="ctr">
             <a:solidFill>
-              <a:srgbClr val="ff0000"/>
+              <a:srgbClr val="FF0000"/>
             </a:solidFill>
           </a:ln>
         </p:spPr>
@@ -13905,6 +13972,7 @@
           <a:bodyPr vert="horz" wrap="square" lIns="91440" tIns="45720" rIns="91440" bIns="45720" anchor="ctr">
             <a:noAutofit/>
           </a:bodyPr>
+          <a:lstStyle/>
           <a:p>
             <a:pPr algn="ctr">
               <a:defRPr/>
@@ -13915,7 +13983,7 @@
       </p:sp>
       <p:sp>
         <p:nvSpPr>
-          <p:cNvPr id="10" name=""/>
+          <p:cNvPr id="10" name="직사각형 9"/>
           <p:cNvSpPr/>
           <p:nvPr/>
         </p:nvSpPr>
@@ -13930,7 +13998,7 @@
           <a:noFill/>
           <a:ln w="25400" algn="ctr">
             <a:solidFill>
-              <a:srgbClr val="ff0000"/>
+              <a:srgbClr val="FF0000"/>
             </a:solidFill>
           </a:ln>
         </p:spPr>
@@ -13954,6 +14022,7 @@
           <a:bodyPr vert="horz" wrap="square" lIns="91440" tIns="45720" rIns="91440" bIns="45720" anchor="ctr">
             <a:noAutofit/>
           </a:bodyPr>
+          <a:lstStyle/>
           <a:p>
             <a:pPr algn="ctr">
               <a:defRPr/>
@@ -13964,7 +14033,7 @@
       </p:sp>
       <p:cxnSp>
         <p:nvCxnSpPr>
-          <p:cNvPr id="13" name=""/>
+          <p:cNvPr id="13" name="직선 연결선 12"/>
           <p:cNvCxnSpPr/>
           <p:nvPr/>
         </p:nvCxnSpPr>
@@ -13978,7 +14047,7 @@
           </a:prstGeom>
           <a:ln algn="ctr">
             <a:solidFill>
-              <a:srgbClr val="ff0000"/>
+              <a:srgbClr val="FF0000"/>
             </a:solidFill>
           </a:ln>
         </p:spPr>
@@ -13999,7 +14068,7 @@
       </p:cxnSp>
       <p:cxnSp>
         <p:nvCxnSpPr>
-          <p:cNvPr id="14" name=""/>
+          <p:cNvPr id="14" name="직선 연결선 13"/>
           <p:cNvCxnSpPr/>
           <p:nvPr/>
         </p:nvCxnSpPr>
@@ -14013,7 +14082,7 @@
           </a:prstGeom>
           <a:ln algn="ctr">
             <a:solidFill>
-              <a:srgbClr val="ff0000"/>
+              <a:srgbClr val="FF0000"/>
             </a:solidFill>
           </a:ln>
         </p:spPr>
@@ -14034,7 +14103,7 @@
       </p:cxnSp>
       <p:sp>
         <p:nvSpPr>
-          <p:cNvPr id="16" name=""/>
+          <p:cNvPr id="16" name="TextBox 15"/>
           <p:cNvSpPr txBox="1"/>
           <p:nvPr/>
         </p:nvSpPr>
@@ -14065,7 +14134,6 @@
               <a:rPr lang="ko-KR" altLang="en-US"/>
               <a:t>제품 상세 설명 이미지</a:t>
             </a:r>
-            <a:endParaRPr lang="ko-KR" altLang="en-US"/>
           </a:p>
         </p:txBody>
       </p:sp>
@@ -14074,11 +14142,11 @@
   <p:clrMapOvr>
     <a:masterClrMapping/>
   </p:clrMapOvr>
-  <mc:AlternateContent xmlns:mc="http://schemas.openxmlformats.org/markup-compatibility/2006">
-    <mc:Choice xmlns:p14="http://schemas.microsoft.com/office/powerpoint/2010/main" Requires="p14">
-      <p:transition xmlns:mc="http://schemas.openxmlformats.org/markup-compatibility/2006" xmlns:p14="http://schemas.microsoft.com/office/powerpoint/2010/main" mc:Ignorable="p14" p14:dur="500"/>
+  <mc:AlternateContent xmlns:mc="http://schemas.openxmlformats.org/markup-compatibility/2006" xmlns:p14="http://schemas.microsoft.com/office/powerpoint/2010/main">
+    <mc:Choice Requires="p14">
+      <p:transition/>
     </mc:Choice>
-    <mc:Fallback>
+    <mc:Fallback xmlns="" xmlns:c="http://schemas.openxmlformats.org/drawingml/2006/chart" xmlns:dgm="http://schemas.openxmlformats.org/drawingml/2006/diagram" xmlns:dsp="http://schemas.microsoft.com/office/drawing/2008/diagram">
       <p:transition/>
     </mc:Fallback>
   </mc:AlternateContent>
@@ -14086,7 +14154,7 @@
 </file>
 
 <file path=ppt/slides/slide7.xml><?xml version="1.0" encoding="utf-8"?>
-<p:sld xmlns:r="http://schemas.openxmlformats.org/officeDocument/2006/relationships" xmlns:c="http://schemas.openxmlformats.org/drawingml/2006/chart" xmlns:a="http://schemas.openxmlformats.org/drawingml/2006/main" xmlns:dgm="http://schemas.openxmlformats.org/drawingml/2006/diagram" xmlns:dsp="http://schemas.microsoft.com/office/drawing/2008/diagram" xmlns:p="http://schemas.openxmlformats.org/presentationml/2006/main">
+<p:sld xmlns:a="http://schemas.openxmlformats.org/drawingml/2006/main" xmlns:r="http://schemas.openxmlformats.org/officeDocument/2006/relationships" xmlns:p="http://schemas.openxmlformats.org/presentationml/2006/main">
   <p:cSld>
     <p:spTree>
       <p:nvGrpSpPr>
@@ -14104,12 +14172,12 @@
       </p:grpSpPr>
       <p:sp>
         <p:nvSpPr>
-          <p:cNvPr id="2" name=""/>
+          <p:cNvPr id="2" name="제목 1"/>
           <p:cNvSpPr>
             <a:spLocks noGrp="1"/>
           </p:cNvSpPr>
           <p:nvPr>
-            <p:ph type="title" idx="0"/>
+            <p:ph type="title"/>
           </p:nvPr>
         </p:nvSpPr>
         <p:spPr/>
@@ -14124,13 +14192,12 @@
               <a:rPr lang="ko-KR" altLang="en-US"/>
               <a:t>수집 이미지 저장 폴더 구조</a:t>
             </a:r>
-            <a:endParaRPr lang="ko-KR" altLang="en-US"/>
           </a:p>
         </p:txBody>
       </p:sp>
       <p:sp>
         <p:nvSpPr>
-          <p:cNvPr id="3" name=""/>
+          <p:cNvPr id="3" name="내용 개체 틀 2"/>
           <p:cNvSpPr>
             <a:spLocks noGrp="1"/>
           </p:cNvSpPr>
@@ -14138,7 +14205,12 @@
             <p:ph idx="1"/>
           </p:nvPr>
         </p:nvSpPr>
-        <p:spPr/>
+        <p:spPr>
+          <a:xfrm>
+            <a:off x="609600" y="1133474"/>
+            <a:ext cx="4316964" cy="5648349"/>
+          </a:xfrm>
+        </p:spPr>
         <p:txBody>
           <a:bodyPr/>
           <a:lstStyle/>
@@ -14147,212 +14219,272 @@
               <a:defRPr/>
             </a:pPr>
             <a:r>
-              <a:rPr lang="en-US" altLang="ko-KR"/>
-              <a:t>Gmarket 2107xx</a:t>
-            </a:r>
-            <a:endParaRPr lang="en-US" altLang="ko-KR"/>
+              <a:rPr lang="en-US" altLang="ko-KR" dirty="0" err="1"/>
+              <a:t>Gmarket</a:t>
+            </a:r>
+            <a:r>
+              <a:rPr lang="en-US" altLang="ko-KR" dirty="0"/>
+              <a:t> 2107xx</a:t>
+            </a:r>
           </a:p>
           <a:p>
             <a:pPr lvl="1">
               <a:defRPr/>
             </a:pPr>
             <a:r>
-              <a:rPr lang="ko-KR" altLang="en-US"/>
+              <a:rPr lang="ko-KR" altLang="en-US" dirty="0"/>
               <a:t>상품</a:t>
             </a:r>
             <a:r>
-              <a:rPr lang="en-US" altLang="ko-KR"/>
+              <a:rPr lang="en-US" altLang="ko-KR" dirty="0"/>
               <a:t>(</a:t>
             </a:r>
             <a:r>
-              <a:rPr lang="ko-KR" altLang="en-US"/>
+              <a:rPr lang="ko-KR" altLang="en-US" dirty="0"/>
               <a:t>상품명</a:t>
             </a:r>
             <a:r>
-              <a:rPr lang="en-US" altLang="ko-KR"/>
+              <a:rPr lang="en-US" altLang="ko-KR" dirty="0"/>
               <a:t>)</a:t>
             </a:r>
-            <a:endParaRPr lang="en-US" altLang="ko-KR"/>
           </a:p>
           <a:p>
             <a:pPr lvl="2">
               <a:defRPr/>
             </a:pPr>
             <a:r>
-              <a:rPr lang="ko-KR" altLang="en-US"/>
+              <a:rPr lang="ko-KR" altLang="en-US" dirty="0"/>
               <a:t>대표 이미지</a:t>
             </a:r>
-            <a:endParaRPr lang="ko-KR" altLang="en-US"/>
           </a:p>
           <a:p>
             <a:pPr lvl="3">
               <a:defRPr/>
             </a:pPr>
             <a:r>
-              <a:rPr lang="ko-KR" altLang="en-US"/>
-              <a:t>이미지 </a:t>
-            </a:r>
-            <a:r>
-              <a:rPr lang="en-US" altLang="ko-KR"/>
-              <a:t>1</a:t>
-            </a:r>
-            <a:endParaRPr lang="en-US" altLang="ko-KR"/>
+              <a:rPr lang="ko-KR" altLang="en-US" dirty="0"/>
+              <a:t>이미지</a:t>
+            </a:r>
+            <a:r>
+              <a:rPr lang="en-US" altLang="ko-KR" dirty="0"/>
+              <a:t>_main_1</a:t>
+            </a:r>
           </a:p>
           <a:p>
             <a:pPr lvl="3">
               <a:defRPr/>
             </a:pPr>
             <a:r>
-              <a:rPr lang="ko-KR" altLang="en-US"/>
-              <a:t>이미지 </a:t>
-            </a:r>
-            <a:r>
-              <a:rPr lang="en-US" altLang="ko-KR"/>
-              <a:t>2</a:t>
-            </a:r>
-            <a:endParaRPr lang="en-US" altLang="ko-KR"/>
+              <a:rPr lang="ko-KR" altLang="en-US" dirty="0"/>
+              <a:t>이미지</a:t>
+            </a:r>
+            <a:r>
+              <a:rPr lang="en-US" altLang="ko-KR" dirty="0"/>
+              <a:t>_main_2</a:t>
+            </a:r>
           </a:p>
           <a:p>
             <a:pPr lvl="2">
               <a:defRPr/>
             </a:pPr>
             <a:r>
-              <a:rPr lang="ko-KR" altLang="en-US"/>
+              <a:rPr lang="ko-KR" altLang="en-US" dirty="0"/>
               <a:t>상세 이미지</a:t>
             </a:r>
-            <a:endParaRPr lang="ko-KR" altLang="en-US"/>
           </a:p>
           <a:p>
             <a:pPr lvl="3">
               <a:defRPr/>
             </a:pPr>
             <a:r>
-              <a:rPr lang="ko-KR" altLang="en-US"/>
-              <a:t>이미지 </a:t>
-            </a:r>
-            <a:r>
-              <a:rPr lang="en-US" altLang="ko-KR"/>
-              <a:t>1</a:t>
-            </a:r>
-            <a:endParaRPr lang="en-US" altLang="ko-KR"/>
+              <a:rPr lang="ko-KR" altLang="en-US" dirty="0"/>
+              <a:t>이미지</a:t>
+            </a:r>
+            <a:r>
+              <a:rPr lang="en-US" altLang="ko-KR" dirty="0"/>
+              <a:t>_detail_1</a:t>
+            </a:r>
           </a:p>
           <a:p>
             <a:pPr lvl="3">
               <a:defRPr/>
             </a:pPr>
             <a:r>
-              <a:rPr lang="ko-KR" altLang="en-US"/>
-              <a:t>이미지 </a:t>
-            </a:r>
-            <a:r>
-              <a:rPr lang="en-US" altLang="ko-KR"/>
-              <a:t>2</a:t>
-            </a:r>
-            <a:endParaRPr lang="en-US" altLang="ko-KR"/>
+              <a:rPr lang="ko-KR" altLang="en-US" dirty="0"/>
+              <a:t>이미지</a:t>
+            </a:r>
+            <a:r>
+              <a:rPr lang="en-US" altLang="ko-KR" dirty="0"/>
+              <a:t>_detail_2</a:t>
+            </a:r>
           </a:p>
           <a:p>
             <a:pPr lvl="1">
               <a:defRPr/>
             </a:pPr>
-            <a:endParaRPr lang="ko-KR" altLang="en-US"/>
-          </a:p>
-          <a:p>
-            <a:pPr lvl="1">
-              <a:defRPr/>
-            </a:pPr>
-            <a:r>
-              <a:rPr lang="ko-KR" altLang="en-US"/>
+            <a:r>
+              <a:rPr lang="ko-KR" altLang="en-US" dirty="0"/>
               <a:t>상품</a:t>
             </a:r>
             <a:r>
-              <a:rPr lang="en-US" altLang="ko-KR"/>
+              <a:rPr lang="en-US" altLang="ko-KR" dirty="0"/>
               <a:t>(</a:t>
             </a:r>
             <a:r>
-              <a:rPr lang="ko-KR" altLang="en-US"/>
+              <a:rPr lang="ko-KR" altLang="en-US" dirty="0"/>
               <a:t>상품명</a:t>
             </a:r>
             <a:r>
-              <a:rPr lang="en-US" altLang="ko-KR"/>
+              <a:rPr lang="en-US" altLang="ko-KR" dirty="0"/>
               <a:t>)</a:t>
             </a:r>
-            <a:endParaRPr lang="en-US" altLang="ko-KR"/>
           </a:p>
           <a:p>
             <a:pPr lvl="2">
               <a:defRPr/>
             </a:pPr>
             <a:r>
-              <a:rPr lang="ko-KR" altLang="en-US"/>
+              <a:rPr lang="ko-KR" altLang="en-US" dirty="0"/>
               <a:t>대표 이미지</a:t>
             </a:r>
-            <a:endParaRPr lang="ko-KR" altLang="en-US"/>
           </a:p>
           <a:p>
             <a:pPr lvl="3">
               <a:defRPr/>
             </a:pPr>
             <a:r>
-              <a:rPr lang="ko-KR" altLang="en-US"/>
-              <a:t>이미지 </a:t>
-            </a:r>
-            <a:r>
-              <a:rPr lang="en-US" altLang="ko-KR"/>
-              <a:t>1</a:t>
-            </a:r>
-            <a:endParaRPr lang="en-US" altLang="ko-KR"/>
+              <a:rPr lang="ko-KR" altLang="en-US" dirty="0"/>
+              <a:t>이미지</a:t>
+            </a:r>
+            <a:r>
+              <a:rPr lang="en-US" altLang="ko-KR" dirty="0"/>
+              <a:t> _main_ 1</a:t>
+            </a:r>
           </a:p>
           <a:p>
             <a:pPr lvl="3">
               <a:defRPr/>
             </a:pPr>
             <a:r>
-              <a:rPr lang="ko-KR" altLang="en-US"/>
-              <a:t>이미지 </a:t>
-            </a:r>
-            <a:r>
-              <a:rPr lang="en-US" altLang="ko-KR"/>
-              <a:t>2</a:t>
-            </a:r>
-            <a:endParaRPr lang="en-US" altLang="ko-KR"/>
+              <a:rPr lang="ko-KR" altLang="en-US" dirty="0"/>
+              <a:t>이미지</a:t>
+            </a:r>
+            <a:r>
+              <a:rPr lang="en-US" altLang="ko-KR" dirty="0"/>
+              <a:t> _main_ 2</a:t>
+            </a:r>
           </a:p>
           <a:p>
             <a:pPr lvl="2">
               <a:defRPr/>
             </a:pPr>
             <a:r>
-              <a:rPr lang="ko-KR" altLang="en-US"/>
+              <a:rPr lang="ko-KR" altLang="en-US" dirty="0"/>
               <a:t>상세 이미지</a:t>
             </a:r>
-            <a:endParaRPr lang="ko-KR" altLang="en-US"/>
           </a:p>
           <a:p>
             <a:pPr lvl="3">
               <a:defRPr/>
             </a:pPr>
             <a:r>
-              <a:rPr lang="ko-KR" altLang="en-US"/>
-              <a:t>이미지 </a:t>
-            </a:r>
-            <a:r>
-              <a:rPr lang="en-US" altLang="ko-KR"/>
-              <a:t>1</a:t>
-            </a:r>
-            <a:endParaRPr lang="en-US" altLang="ko-KR"/>
+              <a:rPr lang="ko-KR" altLang="en-US" dirty="0"/>
+              <a:t>이미지</a:t>
+            </a:r>
+            <a:r>
+              <a:rPr lang="en-US" altLang="ko-KR" dirty="0"/>
+              <a:t> _detail_ 1</a:t>
+            </a:r>
           </a:p>
           <a:p>
             <a:pPr lvl="3">
               <a:defRPr/>
             </a:pPr>
             <a:r>
-              <a:rPr lang="ko-KR" altLang="en-US"/>
-              <a:t>이미지 </a:t>
-            </a:r>
-            <a:r>
-              <a:rPr lang="en-US" altLang="ko-KR"/>
-              <a:t>2</a:t>
-            </a:r>
-            <a:endParaRPr lang="en-US" altLang="ko-KR"/>
+              <a:rPr lang="ko-KR" altLang="en-US" dirty="0"/>
+              <a:t>이미지</a:t>
+            </a:r>
+            <a:r>
+              <a:rPr lang="en-US" altLang="ko-KR" dirty="0"/>
+              <a:t> _detail_ 2</a:t>
+            </a:r>
+          </a:p>
+        </p:txBody>
+      </p:sp>
+      <p:sp>
+        <p:nvSpPr>
+          <p:cNvPr id="4" name="TextBox 3">
+            <a:extLst>
+              <a:ext uri="{FF2B5EF4-FFF2-40B4-BE49-F238E27FC236}">
+                <a16:creationId xmlns:a16="http://schemas.microsoft.com/office/drawing/2014/main" id="{565D2E2D-7B0F-459F-98E7-54CC2D59AE71}"/>
+              </a:ext>
+            </a:extLst>
+          </p:cNvPr>
+          <p:cNvSpPr txBox="1"/>
+          <p:nvPr/>
+        </p:nvSpPr>
+        <p:spPr>
+          <a:xfrm>
+            <a:off x="4161453" y="1222310"/>
+            <a:ext cx="6858000" cy="1477328"/>
+          </a:xfrm>
+          <a:prstGeom prst="rect">
+            <a:avLst/>
+          </a:prstGeom>
+          <a:noFill/>
+        </p:spPr>
+        <p:txBody>
+          <a:bodyPr wrap="square" rtlCol="0">
+            <a:spAutoFit/>
+          </a:bodyPr>
+          <a:lstStyle/>
+          <a:p>
+            <a:r>
+              <a:rPr lang="ko-KR" altLang="en-US" dirty="0"/>
+              <a:t>나중에 이미지를 합칠 때 </a:t>
+            </a:r>
+            <a:r>
+              <a:rPr lang="ko-KR" altLang="en-US" dirty="0">
+                <a:solidFill>
+                  <a:schemeClr val="accent6">
+                    <a:lumMod val="75000"/>
+                  </a:schemeClr>
+                </a:solidFill>
+              </a:rPr>
+              <a:t>파일 명이 중복 되는 것을 방지</a:t>
+            </a:r>
+            <a:r>
+              <a:rPr lang="ko-KR" altLang="en-US" dirty="0"/>
+              <a:t>하기 위해 대표 이미지명 뒤에 </a:t>
+            </a:r>
+            <a:r>
+              <a:rPr lang="en-US" altLang="ko-KR" dirty="0"/>
+              <a:t>_main_ </a:t>
+            </a:r>
+          </a:p>
+          <a:p>
+            <a:r>
+              <a:rPr lang="ko-KR" altLang="en-US" dirty="0"/>
+              <a:t>상세 이미지명 뒤에 </a:t>
+            </a:r>
+            <a:r>
+              <a:rPr lang="en-US" altLang="ko-KR" dirty="0"/>
+              <a:t>_detail_ </a:t>
+            </a:r>
+            <a:r>
+              <a:rPr lang="ko-KR" altLang="en-US" dirty="0"/>
+              <a:t>을 붙여 줌</a:t>
+            </a:r>
+            <a:endParaRPr lang="en-US" altLang="ko-KR" dirty="0"/>
+          </a:p>
+          <a:p>
+            <a:endParaRPr lang="en-US" altLang="ko-KR" dirty="0"/>
+          </a:p>
+          <a:p>
+            <a:r>
+              <a:rPr lang="ko-KR" altLang="en-US" dirty="0"/>
+              <a:t>이미지명 마지막 숫자는 이미지의 개수를 의미</a:t>
+            </a:r>
           </a:p>
         </p:txBody>
       </p:sp>
@@ -14361,11 +14493,11 @@
   <p:clrMapOvr>
     <a:masterClrMapping/>
   </p:clrMapOvr>
-  <mc:AlternateContent xmlns:mc="http://schemas.openxmlformats.org/markup-compatibility/2006">
-    <mc:Choice xmlns:p14="http://schemas.microsoft.com/office/powerpoint/2010/main" Requires="p14">
-      <p:transition xmlns:mc="http://schemas.openxmlformats.org/markup-compatibility/2006" xmlns:p14="http://schemas.microsoft.com/office/powerpoint/2010/main" mc:Ignorable="p14" p14:dur="500"/>
+  <mc:AlternateContent xmlns:mc="http://schemas.openxmlformats.org/markup-compatibility/2006" xmlns:p14="http://schemas.microsoft.com/office/powerpoint/2010/main">
+    <mc:Choice Requires="p14">
+      <p:transition/>
     </mc:Choice>
-    <mc:Fallback>
+    <mc:Fallback xmlns="" xmlns:c="http://schemas.openxmlformats.org/drawingml/2006/chart" xmlns:dgm="http://schemas.openxmlformats.org/drawingml/2006/diagram" xmlns:dsp="http://schemas.microsoft.com/office/drawing/2008/diagram">
       <p:transition/>
     </mc:Fallback>
   </mc:AlternateContent>
@@ -14373,7 +14505,7 @@
 </file>
 
 <file path=ppt/slides/slide8.xml><?xml version="1.0" encoding="utf-8"?>
-<p:sld xmlns:r="http://schemas.openxmlformats.org/officeDocument/2006/relationships" xmlns:c="http://schemas.openxmlformats.org/drawingml/2006/chart" xmlns:a="http://schemas.openxmlformats.org/drawingml/2006/main" xmlns:dgm="http://schemas.openxmlformats.org/drawingml/2006/diagram" xmlns:dsp="http://schemas.microsoft.com/office/drawing/2008/diagram" xmlns:p="http://schemas.openxmlformats.org/presentationml/2006/main">
+<p:sld xmlns:a="http://schemas.openxmlformats.org/drawingml/2006/main" xmlns:r="http://schemas.openxmlformats.org/officeDocument/2006/relationships" xmlns:p="http://schemas.openxmlformats.org/presentationml/2006/main">
   <p:cSld>
     <p:spTree>
       <p:nvGrpSpPr>
@@ -14391,12 +14523,12 @@
       </p:grpSpPr>
       <p:sp>
         <p:nvSpPr>
-          <p:cNvPr id="2" name=""/>
+          <p:cNvPr id="2" name="제목 1"/>
           <p:cNvSpPr>
             <a:spLocks noGrp="1"/>
           </p:cNvSpPr>
           <p:nvPr>
-            <p:ph type="title" idx="0"/>
+            <p:ph type="title"/>
           </p:nvPr>
         </p:nvSpPr>
         <p:spPr/>
@@ -14411,13 +14543,12 @@
               <a:rPr lang="ko-KR" altLang="en-US"/>
               <a:t>역추적을 위한 자료 정리</a:t>
             </a:r>
-            <a:endParaRPr lang="ko-KR" altLang="en-US"/>
           </a:p>
         </p:txBody>
       </p:sp>
       <p:sp>
         <p:nvSpPr>
-          <p:cNvPr id="3" name=""/>
+          <p:cNvPr id="3" name="내용 개체 틀 2"/>
           <p:cNvSpPr>
             <a:spLocks noGrp="1"/>
           </p:cNvSpPr>
@@ -14434,222 +14565,267 @@
               <a:defRPr/>
             </a:pPr>
             <a:r>
-              <a:rPr lang="ko-KR" altLang="en-US"/>
-              <a:t>역추적 이유</a:t>
-            </a:r>
-            <a:endParaRPr lang="ko-KR" altLang="en-US"/>
+              <a:rPr lang="ko-KR" altLang="en-US" dirty="0" err="1"/>
+              <a:t>역추적</a:t>
+            </a:r>
+            <a:r>
+              <a:rPr lang="ko-KR" altLang="en-US" dirty="0"/>
+              <a:t> 이유</a:t>
+            </a:r>
           </a:p>
           <a:p>
             <a:pPr lvl="1">
               <a:defRPr/>
             </a:pPr>
             <a:r>
-              <a:rPr lang="ko-KR" altLang="en-US"/>
-              <a:t>크롤링이 안된 이미지가 존재 할 시 해당 상품 사이트에서 직접 이미지를 저장 </a:t>
-            </a:r>
-            <a:endParaRPr lang="ko-KR" altLang="en-US"/>
+              <a:rPr lang="ko-KR" altLang="en-US" dirty="0" err="1"/>
+              <a:t>크롤링이</a:t>
+            </a:r>
+            <a:r>
+              <a:rPr lang="ko-KR" altLang="en-US" dirty="0"/>
+              <a:t> 안된 이미지가 존재 할 시 해당 상품 사이트에서 직접 이미지를 저장 </a:t>
+            </a:r>
           </a:p>
           <a:p>
             <a:pPr lvl="1">
               <a:defRPr/>
             </a:pPr>
             <a:r>
-              <a:rPr lang="en-US" altLang="ko-KR"/>
+              <a:rPr lang="en-US" altLang="ko-KR" dirty="0"/>
               <a:t>(</a:t>
             </a:r>
             <a:r>
-              <a:rPr lang="ko-KR" altLang="en-US"/>
+              <a:rPr lang="ko-KR" altLang="en-US" dirty="0"/>
               <a:t> 수집 된 데이터가 충분하지 않을 때 해당 </a:t>
             </a:r>
             <a:r>
-              <a:rPr lang="en-US" altLang="ko-KR"/>
+              <a:rPr lang="en-US" altLang="ko-KR" dirty="0"/>
               <a:t>)</a:t>
             </a:r>
-            <a:endParaRPr lang="en-US" altLang="ko-KR"/>
           </a:p>
           <a:p>
             <a:pPr lvl="0">
               <a:defRPr/>
             </a:pPr>
-            <a:endParaRPr lang="ko-KR" altLang="en-US"/>
+            <a:endParaRPr lang="ko-KR" altLang="en-US" dirty="0"/>
           </a:p>
           <a:p>
             <a:pPr lvl="0">
               <a:defRPr/>
             </a:pPr>
             <a:r>
-              <a:rPr lang="ko-KR" altLang="en-US"/>
+              <a:rPr lang="ko-KR" altLang="en-US" dirty="0"/>
               <a:t>자료 정리 방법</a:t>
             </a:r>
-            <a:endParaRPr lang="ko-KR" altLang="en-US"/>
           </a:p>
           <a:p>
             <a:pPr lvl="1">
               <a:defRPr/>
             </a:pPr>
             <a:r>
-              <a:rPr lang="ko-KR" altLang="en-US"/>
+              <a:rPr lang="ko-KR" altLang="en-US" dirty="0"/>
               <a:t>상품 명</a:t>
             </a:r>
             <a:r>
-              <a:rPr lang="en-US" altLang="ko-KR"/>
+              <a:rPr lang="en-US" altLang="ko-KR" dirty="0"/>
               <a:t>,</a:t>
             </a:r>
             <a:r>
-              <a:rPr lang="ko-KR" altLang="en-US"/>
+              <a:rPr lang="ko-KR" altLang="en-US" dirty="0"/>
               <a:t> 재명 된 상품 명</a:t>
             </a:r>
             <a:r>
-              <a:rPr lang="en-US" altLang="ko-KR"/>
+              <a:rPr lang="en-US" altLang="ko-KR" dirty="0"/>
               <a:t>,</a:t>
             </a:r>
             <a:r>
-              <a:rPr lang="ko-KR" altLang="en-US"/>
+              <a:rPr lang="ko-KR" altLang="en-US" dirty="0"/>
               <a:t> 상품 사이트 주소</a:t>
             </a:r>
-            <a:endParaRPr lang="ko-KR" altLang="en-US"/>
           </a:p>
           <a:p>
             <a:pPr lvl="1">
               <a:defRPr/>
             </a:pPr>
             <a:r>
-              <a:rPr lang="ko-KR" altLang="en-US"/>
+              <a:rPr lang="ko-KR" altLang="en-US" dirty="0"/>
               <a:t>상품 명 재명 이유 </a:t>
             </a:r>
             <a:r>
-              <a:rPr lang="en-US" altLang="ko-KR"/>
+              <a:rPr lang="en-US" altLang="ko-KR" dirty="0"/>
               <a:t>:</a:t>
             </a:r>
             <a:r>
-              <a:rPr lang="ko-KR" altLang="en-US"/>
-              <a:t> 상품 명에 </a:t>
-            </a:r>
-            <a:r>
-              <a:rPr lang="en-US" altLang="ko-KR"/>
-              <a:t>‘</a:t>
-            </a:r>
-            <a:r>
-              <a:rPr lang="ko-KR" altLang="en-US"/>
-              <a:t> </a:t>
-            </a:r>
-            <a:r>
-              <a:rPr lang="en-US" altLang="ko-KR"/>
-              <a:t>/</a:t>
-            </a:r>
-            <a:r>
-              <a:rPr lang="ko-KR" altLang="en-US"/>
-              <a:t> </a:t>
-            </a:r>
-            <a:r>
-              <a:rPr lang="en-US" altLang="ko-KR"/>
-              <a:t>‘</a:t>
-            </a:r>
-            <a:r>
-              <a:rPr lang="ko-KR" altLang="en-US"/>
-              <a:t> 문자가 포함 시 크롤링 프로그램에서 경로로 파악해 오류 발생</a:t>
-            </a:r>
-            <a:endParaRPr lang="ko-KR" altLang="en-US"/>
+              <a:rPr lang="ko-KR" altLang="en-US" dirty="0"/>
+              <a:t> 특수문자는 파일명으로 지정 할 수 없어 파일 저장 시 오류 발생</a:t>
+            </a:r>
+            <a:endParaRPr lang="en-US" altLang="ko-KR" dirty="0"/>
           </a:p>
           <a:p>
             <a:pPr lvl="1">
               <a:defRPr/>
             </a:pPr>
             <a:r>
-              <a:rPr lang="ko-KR" altLang="en-US"/>
+              <a:rPr lang="ko-KR" altLang="en-US" dirty="0"/>
               <a:t>상품 명 재명 방법 </a:t>
             </a:r>
             <a:r>
-              <a:rPr lang="en-US" altLang="ko-KR"/>
+              <a:rPr lang="en-US" altLang="ko-KR" dirty="0"/>
               <a:t>:</a:t>
             </a:r>
             <a:r>
-              <a:rPr lang="ko-KR" altLang="en-US"/>
-              <a:t> </a:t>
-            </a:r>
-            <a:r>
-              <a:rPr lang="en-US" altLang="ko-KR"/>
-              <a:t>‘</a:t>
-            </a:r>
-            <a:r>
-              <a:rPr lang="ko-KR" altLang="en-US"/>
-              <a:t> </a:t>
-            </a:r>
-            <a:r>
-              <a:rPr lang="en-US" altLang="ko-KR"/>
-              <a:t>/</a:t>
-            </a:r>
-            <a:r>
-              <a:rPr lang="ko-KR" altLang="en-US"/>
-              <a:t> </a:t>
-            </a:r>
-            <a:r>
-              <a:rPr lang="en-US" altLang="ko-KR"/>
-              <a:t>‘</a:t>
-            </a:r>
-            <a:r>
-              <a:rPr lang="ko-KR" altLang="en-US"/>
-              <a:t> 문자 제거 </a:t>
-            </a:r>
-            <a:endParaRPr lang="ko-KR" altLang="en-US"/>
+              <a:rPr lang="ko-KR" altLang="en-US" dirty="0"/>
+              <a:t> 특수문자 제거 </a:t>
+            </a:r>
+            <a:endParaRPr lang="en-US" altLang="ko-KR" dirty="0"/>
           </a:p>
           <a:p>
             <a:pPr lvl="1">
               <a:defRPr/>
             </a:pPr>
             <a:r>
-              <a:rPr lang="en-US" altLang="ko-KR"/>
-              <a:t>ex) </a:t>
-            </a:r>
-            <a:r>
-              <a:rPr lang="ko-KR" altLang="en-US"/>
-              <a:t>변환 전 </a:t>
-            </a:r>
-            <a:r>
-              <a:rPr lang="en-US" altLang="ko-KR"/>
-              <a:t>:</a:t>
-            </a:r>
-            <a:r>
-              <a:rPr lang="ko-KR" altLang="en-US"/>
-              <a:t> </a:t>
-            </a:r>
-            <a:r>
-              <a:rPr lang="en-US" altLang="ko-KR"/>
-              <a:t>루테인 프리미엄 (6개월분) 눈 건강 / 건강기능식품</a:t>
-            </a:r>
-            <a:endParaRPr lang="en-US" altLang="ko-KR"/>
+              <a:rPr lang="ko-KR" altLang="en-US" dirty="0"/>
+              <a:t>동일 상품 명 존재 할 시 뒤에 페이지 수와 상품 번호를 추가하여 저장</a:t>
+            </a:r>
           </a:p>
           <a:p>
             <a:pPr lvl="1">
               <a:defRPr/>
             </a:pPr>
             <a:r>
-              <a:rPr lang="en-US" altLang="ko-KR"/>
+              <a:rPr lang="en-US" altLang="ko-KR" dirty="0"/>
               <a:t>ex) </a:t>
             </a:r>
             <a:r>
-              <a:rPr lang="ko-KR" altLang="en-US"/>
+              <a:rPr lang="ko-KR" altLang="en-US" dirty="0"/>
+              <a:t>변환 전 </a:t>
+            </a:r>
+            <a:r>
+              <a:rPr lang="en-US" altLang="ko-KR" dirty="0"/>
+              <a:t>:</a:t>
+            </a:r>
+            <a:r>
+              <a:rPr lang="ko-KR" altLang="en-US" dirty="0"/>
+              <a:t> </a:t>
+            </a:r>
+            <a:r>
+              <a:rPr lang="en-US" altLang="ko-KR" dirty="0" err="1"/>
+              <a:t>루테인</a:t>
+            </a:r>
+            <a:r>
+              <a:rPr lang="en-US" altLang="ko-KR" dirty="0"/>
+              <a:t> </a:t>
+            </a:r>
+            <a:r>
+              <a:rPr lang="en-US" altLang="ko-KR" dirty="0" err="1"/>
+              <a:t>프리미엄</a:t>
+            </a:r>
+            <a:r>
+              <a:rPr lang="en-US" altLang="ko-KR" dirty="0"/>
+              <a:t> (6개월분) 눈 </a:t>
+            </a:r>
+            <a:r>
+              <a:rPr lang="en-US" altLang="ko-KR" dirty="0" err="1"/>
+              <a:t>건강</a:t>
+            </a:r>
+            <a:r>
+              <a:rPr lang="en-US" altLang="ko-KR" dirty="0"/>
+              <a:t> / </a:t>
+            </a:r>
+            <a:r>
+              <a:rPr lang="en-US" altLang="ko-KR" dirty="0" err="1"/>
+              <a:t>건강기능식품</a:t>
+            </a:r>
+            <a:endParaRPr lang="en-US" altLang="ko-KR" dirty="0"/>
+          </a:p>
+          <a:p>
+            <a:pPr lvl="1">
+              <a:defRPr/>
+            </a:pPr>
+            <a:r>
+              <a:rPr lang="en-US" altLang="ko-KR" dirty="0"/>
+              <a:t>ex) </a:t>
+            </a:r>
+            <a:r>
+              <a:rPr lang="ko-KR" altLang="en-US" dirty="0"/>
               <a:t>변환 후 </a:t>
             </a:r>
             <a:r>
-              <a:rPr lang="en-US" altLang="ko-KR"/>
+              <a:rPr lang="en-US" altLang="ko-KR" dirty="0"/>
               <a:t>:</a:t>
             </a:r>
             <a:r>
-              <a:rPr lang="ko-KR" altLang="en-US"/>
+              <a:rPr lang="ko-KR" altLang="en-US" dirty="0"/>
               <a:t> </a:t>
             </a:r>
             <a:r>
-              <a:rPr lang="en-US" altLang="ko-KR"/>
-              <a:t>루테인 프리미엄 (6개월분) 눈 건강  건강기능식품</a:t>
-            </a:r>
-            <a:endParaRPr lang="en-US" altLang="ko-KR"/>
+              <a:rPr lang="en-US" altLang="ko-KR" dirty="0" err="1"/>
+              <a:t>루테인</a:t>
+            </a:r>
+            <a:r>
+              <a:rPr lang="en-US" altLang="ko-KR" dirty="0"/>
+              <a:t> </a:t>
+            </a:r>
+            <a:r>
+              <a:rPr lang="en-US" altLang="ko-KR" dirty="0" err="1"/>
+              <a:t>프리미엄</a:t>
+            </a:r>
+            <a:r>
+              <a:rPr lang="en-US" altLang="ko-KR" dirty="0"/>
+              <a:t> (6개월분) 눈 </a:t>
+            </a:r>
+            <a:r>
+              <a:rPr lang="en-US" altLang="ko-KR" dirty="0" err="1"/>
+              <a:t>건강</a:t>
+            </a:r>
+            <a:r>
+              <a:rPr lang="en-US" altLang="ko-KR" dirty="0"/>
+              <a:t>  </a:t>
+            </a:r>
+            <a:r>
+              <a:rPr lang="en-US" altLang="ko-KR" dirty="0" err="1"/>
+              <a:t>건강기능식품</a:t>
+            </a:r>
+            <a:endParaRPr lang="en-US" altLang="ko-KR" dirty="0"/>
+          </a:p>
+          <a:p>
+            <a:pPr lvl="1">
+              <a:defRPr/>
+            </a:pPr>
+            <a:r>
+              <a:rPr lang="en-US" altLang="ko-KR" dirty="0"/>
+              <a:t>ex) </a:t>
+            </a:r>
+            <a:r>
+              <a:rPr lang="ko-KR" altLang="en-US" dirty="0"/>
+              <a:t>비타민</a:t>
+            </a:r>
+            <a:r>
+              <a:rPr lang="en-US" altLang="ko-KR" dirty="0"/>
+              <a:t>D_5_74 (5</a:t>
+            </a:r>
+            <a:r>
+              <a:rPr lang="ko-KR" altLang="en-US" dirty="0"/>
+              <a:t>페이지 </a:t>
+            </a:r>
+            <a:r>
+              <a:rPr lang="en-US" altLang="ko-KR" dirty="0"/>
+              <a:t>74</a:t>
+            </a:r>
+            <a:r>
+              <a:rPr lang="ko-KR" altLang="en-US" dirty="0"/>
+              <a:t>번째 상품</a:t>
+            </a:r>
+            <a:r>
+              <a:rPr lang="en-US" altLang="ko-KR" dirty="0"/>
+              <a:t>)</a:t>
+            </a:r>
           </a:p>
         </p:txBody>
       </p:sp>
       <p:pic>
         <p:nvPicPr>
-          <p:cNvPr id="5" name=""/>
+          <p:cNvPr id="5" name="그림 4"/>
           <p:cNvPicPr>
             <a:picLocks noChangeAspect="1"/>
           </p:cNvPicPr>
@@ -14663,7 +14839,7 @@
         </p:blipFill>
         <p:spPr>
           <a:xfrm>
-            <a:off x="233456" y="5399652"/>
+            <a:off x="233456" y="6005357"/>
             <a:ext cx="11725088" cy="388427"/>
           </a:xfrm>
           <a:prstGeom prst="rect">
@@ -14673,7 +14849,7 @@
       </p:pic>
       <p:sp>
         <p:nvSpPr>
-          <p:cNvPr id="6" name=""/>
+          <p:cNvPr id="6" name="TextBox 5"/>
           <p:cNvSpPr txBox="1"/>
           <p:nvPr/>
         </p:nvSpPr>
@@ -14699,7 +14875,6 @@
               <a:rPr lang="ko-KR" altLang="en-US" sz="1600"/>
               <a:t>파일 형식 예시</a:t>
             </a:r>
-            <a:endParaRPr lang="ko-KR" altLang="en-US" sz="1600"/>
           </a:p>
         </p:txBody>
       </p:sp>
@@ -14708,11 +14883,11 @@
   <p:clrMapOvr>
     <a:masterClrMapping/>
   </p:clrMapOvr>
-  <mc:AlternateContent xmlns:mc="http://schemas.openxmlformats.org/markup-compatibility/2006">
-    <mc:Choice xmlns:p14="http://schemas.microsoft.com/office/powerpoint/2010/main" Requires="p14">
-      <p:transition xmlns:mc="http://schemas.openxmlformats.org/markup-compatibility/2006" xmlns:p14="http://schemas.microsoft.com/office/powerpoint/2010/main" mc:Ignorable="p14" p14:dur="500"/>
+  <mc:AlternateContent xmlns:mc="http://schemas.openxmlformats.org/markup-compatibility/2006" xmlns:p14="http://schemas.microsoft.com/office/powerpoint/2010/main">
+    <mc:Choice Requires="p14">
+      <p:transition/>
     </mc:Choice>
-    <mc:Fallback>
+    <mc:Fallback xmlns="" xmlns:c="http://schemas.openxmlformats.org/drawingml/2006/chart" xmlns:dgm="http://schemas.openxmlformats.org/drawingml/2006/diagram" xmlns:dsp="http://schemas.microsoft.com/office/drawing/2008/diagram">
       <p:transition/>
     </mc:Fallback>
   </mc:AlternateContent>
@@ -14720,41 +14895,41 @@
 </file>
 
 <file path=ppt/theme/theme1.xml><?xml version="1.0" encoding="utf-8"?>
-<a:theme xmlns:r="http://schemas.openxmlformats.org/officeDocument/2006/relationships" xmlns:c="http://schemas.openxmlformats.org/drawingml/2006/chart" xmlns:dgm="http://schemas.openxmlformats.org/drawingml/2006/diagram" xmlns:dsp="http://schemas.microsoft.com/office/drawing/2008/diagram" xmlns:a="http://schemas.openxmlformats.org/drawingml/2006/main" xmlns:pic="http://schemas.openxmlformats.org/drawingml/2006/picture" xmlns:wp="http://schemas.openxmlformats.org/drawingml/2006/wordprocessingDrawing" xmlns:xdr="http://schemas.openxmlformats.org/drawingml/2006/spreadsheetDrawing" name="물방울">
+<a:theme xmlns:a="http://schemas.openxmlformats.org/drawingml/2006/main" name="물방울">
   <a:themeElements>
     <a:clrScheme name="물방울">
       <a:dk1>
         <a:srgbClr val="333333"/>
       </a:dk1>
       <a:lt1>
-        <a:srgbClr val="ffffff"/>
+        <a:srgbClr val="FFFFFF"/>
       </a:lt1>
       <a:dk2>
-        <a:srgbClr val="24aa7e"/>
+        <a:srgbClr val="24AA7E"/>
       </a:dk2>
       <a:lt2>
-        <a:srgbClr val="b9d6db"/>
+        <a:srgbClr val="B9D6DB"/>
       </a:lt2>
       <a:accent1>
-        <a:srgbClr val="2e6774"/>
+        <a:srgbClr val="2E6774"/>
       </a:accent1>
       <a:accent2>
-        <a:srgbClr val="00825a"/>
+        <a:srgbClr val="00825A"/>
       </a:accent2>
       <a:accent3>
-        <a:srgbClr val="31255d"/>
+        <a:srgbClr val="31255D"/>
       </a:accent3>
       <a:accent4>
-        <a:srgbClr val="49711e"/>
+        <a:srgbClr val="49711E"/>
       </a:accent4>
       <a:accent5>
-        <a:srgbClr val="92d050"/>
+        <a:srgbClr val="92D050"/>
       </a:accent5>
       <a:accent6>
-        <a:srgbClr val="f79646"/>
+        <a:srgbClr val="F79646"/>
       </a:accent6>
       <a:hlink>
-        <a:srgbClr val="0000ff"/>
+        <a:srgbClr val="0000FF"/>
       </a:hlink>
       <a:folHlink>
         <a:srgbClr val="800080"/>
@@ -14984,5 +15159,7 @@
       </a:bgFillStyleLst>
     </a:fmtScheme>
   </a:themeElements>
+  <a:objectDefaults/>
+  <a:extraClrSchemeLst/>
 </a:theme>
 </file>
--- a/이주훈-크롤링 계획서.pptx
+++ b/이주훈-크롤링 계획서.pptx
@@ -12518,14 +12518,14 @@
             <p:ph idx="1"/>
             <p:extLst>
               <p:ext uri="{D42A27DB-BD31-4B8C-83A1-F6EECF244321}">
-                <p14:modId xmlns:p14="http://schemas.microsoft.com/office/powerpoint/2010/main" val="1058967154"/>
+                <p14:modId xmlns:p14="http://schemas.microsoft.com/office/powerpoint/2010/main" val="3957425179"/>
               </p:ext>
             </p:extLst>
           </p:nvPr>
         </p:nvGraphicFramePr>
         <p:xfrm>
-          <a:off x="609600" y="1822898"/>
-          <a:ext cx="10972798" cy="2595880"/>
+          <a:off x="609601" y="2270768"/>
+          <a:ext cx="10972798" cy="2956560"/>
         </p:xfrm>
         <a:graphic>
           <a:graphicData uri="http://schemas.openxmlformats.org/drawingml/2006/table">
@@ -12730,7 +12730,7 @@
                         <a:defRPr/>
                       </a:pPr>
                       <a:r>
-                        <a:rPr lang="ko-KR" altLang="en-US"/>
+                        <a:rPr lang="ko-KR" altLang="en-US" dirty="0"/>
                         <a:t>영양제</a:t>
                       </a:r>
                     </a:p>
@@ -12753,9 +12753,22 @@
                         <a:defRPr/>
                       </a:pPr>
                       <a:r>
-                        <a:rPr lang="ko-KR" altLang="en-US"/>
-                        <a:t>키워드</a:t>
+                        <a:rPr lang="ko-KR" altLang="en-US" dirty="0"/>
+                        <a:t>키워드 </a:t>
                       </a:r>
+                      <a:r>
+                        <a:rPr lang="en-US" altLang="ko-KR" dirty="0"/>
+                        <a:t>(</a:t>
+                      </a:r>
+                      <a:r>
+                        <a:rPr lang="ko-KR" altLang="en-US" dirty="0"/>
+                        <a:t>검색어</a:t>
+                      </a:r>
+                      <a:r>
+                        <a:rPr lang="en-US" altLang="ko-KR"/>
+                        <a:t>)</a:t>
+                      </a:r>
+                      <a:endParaRPr lang="ko-KR" altLang="en-US"/>
                     </a:p>
                   </a:txBody>
                   <a:tcPr/>
@@ -12825,7 +12838,7 @@
                   </a:ext>
                 </a:extLst>
               </a:tr>
-              <a:tr h="370840">
+              <a:tr h="185420">
                 <a:tc>
                   <a:txBody>
                     <a:bodyPr/>
@@ -12835,7 +12848,7 @@
                         <a:defRPr/>
                       </a:pPr>
                       <a:r>
-                        <a:rPr lang="ko-KR" altLang="en-US"/>
+                        <a:rPr lang="ko-KR" altLang="en-US" dirty="0"/>
                         <a:t>수집할 페이지 수</a:t>
                       </a:r>
                     </a:p>
@@ -12904,10 +12917,107 @@
                   </a:ext>
                 </a:extLst>
               </a:tr>
+              <a:tr h="185420">
+                <a:tc>
+                  <a:txBody>
+                    <a:bodyPr/>
+                    <a:lstStyle/>
+                    <a:p>
+                      <a:pPr algn="ctr">
+                        <a:defRPr/>
+                      </a:pPr>
+                      <a:r>
+                        <a:rPr lang="ko-KR" altLang="en-US" dirty="0"/>
+                        <a:t>수집 대상</a:t>
+                      </a:r>
+                    </a:p>
+                  </a:txBody>
+                  <a:tcPr/>
+                </a:tc>
+                <a:tc>
+                  <a:txBody>
+                    <a:bodyPr/>
+                    <a:lstStyle/>
+                    <a:p>
+                      <a:pPr algn="ctr">
+                        <a:defRPr/>
+                      </a:pPr>
+                      <a:r>
+                        <a:rPr lang="ko-KR" altLang="en-US" dirty="0"/>
+                        <a:t>광고 이미지</a:t>
+                      </a:r>
+                      <a:r>
+                        <a:rPr lang="en-US" altLang="ko-KR" dirty="0"/>
+                        <a:t>, </a:t>
+                      </a:r>
+                      <a:r>
+                        <a:rPr lang="ko-KR" altLang="en-US" dirty="0"/>
+                        <a:t>상품 명</a:t>
+                      </a:r>
+                      <a:r>
+                        <a:rPr lang="en-US" altLang="ko-KR" dirty="0"/>
+                        <a:t>, </a:t>
+                      </a:r>
+                      <a:r>
+                        <a:rPr lang="ko-KR" altLang="en-US" dirty="0"/>
+                        <a:t>상품 판매 사이트 주소</a:t>
+                      </a:r>
+                      <a:endParaRPr lang="en-US" altLang="ko-KR" dirty="0"/>
+                    </a:p>
+                  </a:txBody>
+                  <a:tcPr/>
+                </a:tc>
+                <a:extLst>
+                  <a:ext uri="{0D108BD9-81ED-4DB2-BD59-A6C34878D82A}">
+                    <a16:rowId xmlns:a16="http://schemas.microsoft.com/office/drawing/2014/main" val="2162845069"/>
+                  </a:ext>
+                </a:extLst>
+              </a:tr>
             </a:tbl>
           </a:graphicData>
         </a:graphic>
       </p:graphicFrame>
+      <p:sp>
+        <p:nvSpPr>
+          <p:cNvPr id="4" name="TextBox 3">
+            <a:extLst>
+              <a:ext uri="{FF2B5EF4-FFF2-40B4-BE49-F238E27FC236}">
+                <a16:creationId xmlns:a16="http://schemas.microsoft.com/office/drawing/2014/main" id="{31A5D529-456F-4C69-825A-8300D9138013}"/>
+              </a:ext>
+            </a:extLst>
+          </p:cNvPr>
+          <p:cNvSpPr txBox="1"/>
+          <p:nvPr/>
+        </p:nvSpPr>
+        <p:spPr>
+          <a:xfrm>
+            <a:off x="4368425" y="5227328"/>
+            <a:ext cx="3455147" cy="338554"/>
+          </a:xfrm>
+          <a:prstGeom prst="rect">
+            <a:avLst/>
+          </a:prstGeom>
+        </p:spPr>
+        <p:txBody>
+          <a:bodyPr wrap="square">
+            <a:spAutoFit/>
+          </a:bodyPr>
+          <a:lstStyle/>
+          <a:p>
+            <a:pPr algn="ctr">
+              <a:defRPr/>
+            </a:pPr>
+            <a:r>
+              <a:rPr lang="ko-KR" altLang="en-US" sz="1600" dirty="0" err="1"/>
+              <a:t>크롤링</a:t>
+            </a:r>
+            <a:r>
+              <a:rPr lang="ko-KR" altLang="en-US" sz="1600" dirty="0"/>
+              <a:t> 계획 요약</a:t>
+            </a:r>
+          </a:p>
+        </p:txBody>
+      </p:sp>
     </p:spTree>
   </p:cSld>
   <p:clrMapOvr>
@@ -13765,7 +13875,7 @@
         </p:nvCxnSpPr>
         <p:spPr>
           <a:xfrm>
-            <a:off x="662319" y="2550102"/>
+            <a:off x="2500450" y="2279514"/>
             <a:ext cx="5184924" cy="678125"/>
           </a:xfrm>
           <a:prstGeom prst="line">
@@ -13800,7 +13910,7 @@
         </p:nvCxnSpPr>
         <p:spPr>
           <a:xfrm flipV="1">
-            <a:off x="662319" y="4815727"/>
+            <a:off x="2500450" y="4545139"/>
             <a:ext cx="5184921" cy="1306997"/>
           </a:xfrm>
           <a:prstGeom prst="line">
@@ -13868,7 +13978,7 @@
         </p:blipFill>
         <p:spPr>
           <a:xfrm>
-            <a:off x="662320" y="2550102"/>
+            <a:off x="2500451" y="2279514"/>
             <a:ext cx="3738789" cy="3572622"/>
           </a:xfrm>
           <a:prstGeom prst="rect">
@@ -13884,7 +13994,7 @@
         </p:nvSpPr>
         <p:spPr>
           <a:xfrm>
-            <a:off x="804141" y="6122724"/>
+            <a:off x="4511666" y="6271911"/>
             <a:ext cx="3455147" cy="333321"/>
           </a:xfrm>
           <a:prstGeom prst="rect">
@@ -13901,7 +14011,7 @@
               <a:defRPr/>
             </a:pPr>
             <a:r>
-              <a:rPr lang="ko-KR" altLang="en-US" sz="1600"/>
+              <a:rPr lang="ko-KR" altLang="en-US" sz="1600" dirty="0"/>
               <a:t>제품 상세 이미지</a:t>
             </a:r>
           </a:p>
@@ -13923,7 +14033,7 @@
         </p:blipFill>
         <p:spPr>
           <a:xfrm>
-            <a:off x="5847243" y="2391785"/>
+            <a:off x="7685374" y="2121197"/>
             <a:ext cx="1618166" cy="4121896"/>
           </a:xfrm>
           <a:prstGeom prst="rect">
@@ -13939,7 +14049,7 @@
         </p:nvSpPr>
         <p:spPr>
           <a:xfrm>
-            <a:off x="5847243" y="3228227"/>
+            <a:off x="7685374" y="2957639"/>
             <a:ext cx="1618166" cy="1587500"/>
           </a:xfrm>
           <a:prstGeom prst="rect">
@@ -13989,7 +14099,7 @@
         </p:nvSpPr>
         <p:spPr>
           <a:xfrm>
-            <a:off x="662319" y="2550102"/>
+            <a:off x="2500450" y="2279514"/>
             <a:ext cx="3738789" cy="3572622"/>
           </a:xfrm>
           <a:prstGeom prst="rect">
@@ -14039,7 +14149,7 @@
         </p:nvCxnSpPr>
         <p:spPr>
           <a:xfrm rot="10800000">
-            <a:off x="4401109" y="2550102"/>
+            <a:off x="6239240" y="2279514"/>
             <a:ext cx="3064300" cy="678127"/>
           </a:xfrm>
           <a:prstGeom prst="line">
@@ -14074,7 +14184,7 @@
         </p:nvCxnSpPr>
         <p:spPr>
           <a:xfrm rot="10800000" flipV="1">
-            <a:off x="4401109" y="4815732"/>
+            <a:off x="6239240" y="4545144"/>
             <a:ext cx="3064304" cy="1306991"/>
           </a:xfrm>
           <a:prstGeom prst="line">
@@ -14409,6 +14519,15 @@
               <a:t> _detail_ 2</a:t>
             </a:r>
           </a:p>
+          <a:p>
+            <a:pPr lvl="1">
+              <a:defRPr/>
+            </a:pPr>
+            <a:r>
+              <a:rPr lang="en-US" altLang="ko-KR" dirty="0"/>
+              <a:t>…</a:t>
+            </a:r>
+          </a:p>
         </p:txBody>
       </p:sp>
       <p:sp>
@@ -14565,12 +14684,8 @@
               <a:defRPr/>
             </a:pPr>
             <a:r>
-              <a:rPr lang="ko-KR" altLang="en-US" dirty="0" err="1"/>
-              <a:t>역추적</a:t>
-            </a:r>
-            <a:r>
-              <a:rPr lang="ko-KR" altLang="en-US" dirty="0"/>
-              <a:t> 이유</a:t>
+              <a:rPr lang="ko-KR" altLang="en-US" b="1" dirty="0"/>
+              <a:t>역 추적 이유</a:t>
             </a:r>
           </a:p>
           <a:p>
@@ -14602,19 +14717,14 @@
               <a:rPr lang="en-US" altLang="ko-KR" dirty="0"/>
               <a:t>)</a:t>
             </a:r>
+            <a:endParaRPr lang="ko-KR" altLang="en-US" dirty="0"/>
           </a:p>
           <a:p>
             <a:pPr lvl="0">
               <a:defRPr/>
             </a:pPr>
-            <a:endParaRPr lang="ko-KR" altLang="en-US" dirty="0"/>
-          </a:p>
-          <a:p>
-            <a:pPr lvl="0">
-              <a:defRPr/>
-            </a:pPr>
-            <a:r>
-              <a:rPr lang="ko-KR" altLang="en-US" dirty="0"/>
+            <a:r>
+              <a:rPr lang="ko-KR" altLang="en-US" b="1" dirty="0"/>
               <a:t>자료 정리 방법</a:t>
             </a:r>
           </a:p>
@@ -14706,37 +14816,20 @@
             </a:r>
             <a:r>
               <a:rPr lang="ko-KR" altLang="en-US" dirty="0"/>
+              <a:t> 종합비타민 </a:t>
+            </a:r>
+            <a:r>
+              <a:rPr lang="ko-KR" altLang="en-US" dirty="0" err="1"/>
+              <a:t>플러스타민</a:t>
+            </a:r>
+            <a:r>
+              <a:rPr lang="ko-KR" altLang="en-US" dirty="0"/>
               <a:t> </a:t>
             </a:r>
             <a:r>
-              <a:rPr lang="en-US" altLang="ko-KR" dirty="0" err="1"/>
-              <a:t>루테인</a:t>
-            </a:r>
-            <a:r>
               <a:rPr lang="en-US" altLang="ko-KR" dirty="0"/>
-              <a:t> </a:t>
-            </a:r>
-            <a:r>
-              <a:rPr lang="en-US" altLang="ko-KR" dirty="0" err="1"/>
-              <a:t>프리미엄</a:t>
-            </a:r>
-            <a:r>
-              <a:rPr lang="en-US" altLang="ko-KR" dirty="0"/>
-              <a:t> (6개월분) 눈 </a:t>
-            </a:r>
-            <a:r>
-              <a:rPr lang="en-US" altLang="ko-KR" dirty="0" err="1"/>
-              <a:t>건강</a:t>
-            </a:r>
-            <a:r>
-              <a:rPr lang="en-US" altLang="ko-KR" dirty="0"/>
-              <a:t> / </a:t>
-            </a:r>
-            <a:r>
-              <a:rPr lang="en-US" altLang="ko-KR" dirty="0" err="1"/>
-              <a:t>건강기능식품</a:t>
-            </a:r>
-            <a:endParaRPr lang="en-US" altLang="ko-KR" dirty="0"/>
+              <a:t>/2BOX</a:t>
+            </a:r>
           </a:p>
           <a:p>
             <a:pPr lvl="1">
@@ -14756,37 +14849,20 @@
             </a:r>
             <a:r>
               <a:rPr lang="ko-KR" altLang="en-US" dirty="0"/>
+              <a:t> 종합비타민 </a:t>
+            </a:r>
+            <a:r>
+              <a:rPr lang="ko-KR" altLang="en-US" dirty="0" err="1"/>
+              <a:t>플러스타민</a:t>
+            </a:r>
+            <a:r>
+              <a:rPr lang="ko-KR" altLang="en-US" dirty="0"/>
               <a:t> </a:t>
             </a:r>
             <a:r>
-              <a:rPr lang="en-US" altLang="ko-KR" dirty="0" err="1"/>
-              <a:t>루테인</a:t>
-            </a:r>
-            <a:r>
               <a:rPr lang="en-US" altLang="ko-KR" dirty="0"/>
-              <a:t> </a:t>
-            </a:r>
-            <a:r>
-              <a:rPr lang="en-US" altLang="ko-KR" dirty="0" err="1"/>
-              <a:t>프리미엄</a:t>
-            </a:r>
-            <a:r>
-              <a:rPr lang="en-US" altLang="ko-KR" dirty="0"/>
-              <a:t> (6개월분) 눈 </a:t>
-            </a:r>
-            <a:r>
-              <a:rPr lang="en-US" altLang="ko-KR" dirty="0" err="1"/>
-              <a:t>건강</a:t>
-            </a:r>
-            <a:r>
-              <a:rPr lang="en-US" altLang="ko-KR" dirty="0"/>
-              <a:t>  </a:t>
-            </a:r>
-            <a:r>
-              <a:rPr lang="en-US" altLang="ko-KR" dirty="0" err="1"/>
-              <a:t>건강기능식품</a:t>
-            </a:r>
-            <a:endParaRPr lang="en-US" altLang="ko-KR" dirty="0"/>
+              <a:t>2BOX</a:t>
+            </a:r>
           </a:p>
           <a:p>
             <a:pPr lvl="1">
@@ -14798,11 +14874,19 @@
             </a:r>
             <a:r>
               <a:rPr lang="ko-KR" altLang="en-US" dirty="0"/>
-              <a:t>비타민</a:t>
+              <a:t>종합비타민 </a:t>
+            </a:r>
+            <a:r>
+              <a:rPr lang="ko-KR" altLang="en-US" dirty="0" err="1"/>
+              <a:t>플러스타민</a:t>
+            </a:r>
+            <a:r>
+              <a:rPr lang="ko-KR" altLang="en-US" dirty="0"/>
+              <a:t> </a:t>
             </a:r>
             <a:r>
               <a:rPr lang="en-US" altLang="ko-KR" dirty="0"/>
-              <a:t>D_5_74 (5</a:t>
+              <a:t>2BOX_5_74 (5</a:t>
             </a:r>
             <a:r>
               <a:rPr lang="ko-KR" altLang="en-US" dirty="0"/>
@@ -14823,30 +14907,6 @@
           </a:p>
         </p:txBody>
       </p:sp>
-      <p:pic>
-        <p:nvPicPr>
-          <p:cNvPr id="5" name="그림 4"/>
-          <p:cNvPicPr>
-            <a:picLocks noChangeAspect="1"/>
-          </p:cNvPicPr>
-          <p:nvPr/>
-        </p:nvPicPr>
-        <p:blipFill rotWithShape="1">
-          <a:blip r:embed="rId2"/>
-          <a:stretch>
-            <a:fillRect/>
-          </a:stretch>
-        </p:blipFill>
-        <p:spPr>
-          <a:xfrm>
-            <a:off x="233456" y="6005357"/>
-            <a:ext cx="11725088" cy="388427"/>
-          </a:xfrm>
-          <a:prstGeom prst="rect">
-            <a:avLst/>
-          </a:prstGeom>
-        </p:spPr>
-      </p:pic>
       <p:sp>
         <p:nvSpPr>
           <p:cNvPr id="6" name="TextBox 5"/>
@@ -14855,7 +14915,7 @@
         </p:nvSpPr>
         <p:spPr>
           <a:xfrm>
-            <a:off x="4368427" y="5788080"/>
+            <a:off x="4368427" y="6523410"/>
             <a:ext cx="3455147" cy="334590"/>
           </a:xfrm>
           <a:prstGeom prst="rect">
@@ -14872,12 +14932,194 @@
               <a:defRPr/>
             </a:pPr>
             <a:r>
-              <a:rPr lang="ko-KR" altLang="en-US" sz="1600"/>
+              <a:rPr lang="ko-KR" altLang="en-US" sz="1600" dirty="0"/>
               <a:t>파일 형식 예시</a:t>
             </a:r>
           </a:p>
         </p:txBody>
       </p:sp>
+      <p:graphicFrame>
+        <p:nvGraphicFramePr>
+          <p:cNvPr id="4" name="표 6">
+            <a:extLst>
+              <a:ext uri="{FF2B5EF4-FFF2-40B4-BE49-F238E27FC236}">
+                <a16:creationId xmlns:a16="http://schemas.microsoft.com/office/drawing/2014/main" id="{78F20E0E-E337-48BF-B6BD-99B53475B609}"/>
+              </a:ext>
+            </a:extLst>
+          </p:cNvPr>
+          <p:cNvGraphicFramePr>
+            <a:graphicFrameLocks noGrp="1"/>
+          </p:cNvGraphicFramePr>
+          <p:nvPr>
+            <p:extLst>
+              <p:ext uri="{D42A27DB-BD31-4B8C-83A1-F6EECF244321}">
+                <p14:modId xmlns:p14="http://schemas.microsoft.com/office/powerpoint/2010/main" val="417719169"/>
+              </p:ext>
+            </p:extLst>
+          </p:nvPr>
+        </p:nvGraphicFramePr>
+        <p:xfrm>
+          <a:off x="233455" y="5512490"/>
+          <a:ext cx="11725086" cy="1010920"/>
+        </p:xfrm>
+        <a:graphic>
+          <a:graphicData uri="http://schemas.openxmlformats.org/drawingml/2006/table">
+            <a:tbl>
+              <a:tblPr firstRow="1" bandRow="1">
+                <a:tableStyleId>{5C22544A-7EE6-4342-B048-85BDC9FD1C3A}</a:tableStyleId>
+              </a:tblPr>
+              <a:tblGrid>
+                <a:gridCol w="3908362">
+                  <a:extLst>
+                    <a:ext uri="{9D8B030D-6E8A-4147-A177-3AD203B41FA5}">
+                      <a16:colId xmlns:a16="http://schemas.microsoft.com/office/drawing/2014/main" val="2530089607"/>
+                    </a:ext>
+                  </a:extLst>
+                </a:gridCol>
+                <a:gridCol w="3908362">
+                  <a:extLst>
+                    <a:ext uri="{9D8B030D-6E8A-4147-A177-3AD203B41FA5}">
+                      <a16:colId xmlns:a16="http://schemas.microsoft.com/office/drawing/2014/main" val="2642665090"/>
+                    </a:ext>
+                  </a:extLst>
+                </a:gridCol>
+                <a:gridCol w="3908362">
+                  <a:extLst>
+                    <a:ext uri="{9D8B030D-6E8A-4147-A177-3AD203B41FA5}">
+                      <a16:colId xmlns:a16="http://schemas.microsoft.com/office/drawing/2014/main" val="2895062487"/>
+                    </a:ext>
+                  </a:extLst>
+                </a:gridCol>
+              </a:tblGrid>
+              <a:tr h="370840">
+                <a:tc>
+                  <a:txBody>
+                    <a:bodyPr/>
+                    <a:lstStyle/>
+                    <a:p>
+                      <a:pPr algn="ctr" latinLnBrk="1"/>
+                      <a:r>
+                        <a:rPr lang="ko-KR" altLang="en-US" dirty="0"/>
+                        <a:t>상품 명</a:t>
+                      </a:r>
+                    </a:p>
+                  </a:txBody>
+                  <a:tcPr anchor="ctr"/>
+                </a:tc>
+                <a:tc>
+                  <a:txBody>
+                    <a:bodyPr/>
+                    <a:lstStyle/>
+                    <a:p>
+                      <a:pPr algn="ctr" latinLnBrk="1"/>
+                      <a:r>
+                        <a:rPr lang="ko-KR" altLang="en-US" dirty="0"/>
+                        <a:t>재명 된 상품 명</a:t>
+                      </a:r>
+                    </a:p>
+                  </a:txBody>
+                  <a:tcPr anchor="ctr"/>
+                </a:tc>
+                <a:tc>
+                  <a:txBody>
+                    <a:bodyPr/>
+                    <a:lstStyle/>
+                    <a:p>
+                      <a:pPr algn="ctr" latinLnBrk="1"/>
+                      <a:r>
+                        <a:rPr lang="ko-KR" altLang="en-US" dirty="0"/>
+                        <a:t>사이트 주소</a:t>
+                      </a:r>
+                    </a:p>
+                  </a:txBody>
+                  <a:tcPr anchor="ctr"/>
+                </a:tc>
+                <a:extLst>
+                  <a:ext uri="{0D108BD9-81ED-4DB2-BD59-A6C34878D82A}">
+                    <a16:rowId xmlns:a16="http://schemas.microsoft.com/office/drawing/2014/main" val="855233799"/>
+                  </a:ext>
+                </a:extLst>
+              </a:tr>
+              <a:tr h="370840">
+                <a:tc>
+                  <a:txBody>
+                    <a:bodyPr/>
+                    <a:lstStyle/>
+                    <a:p>
+                      <a:pPr algn="ctr" latinLnBrk="1"/>
+                      <a:r>
+                        <a:rPr lang="ko-KR" altLang="en-US" dirty="0"/>
+                        <a:t>종합비타민 </a:t>
+                      </a:r>
+                      <a:r>
+                        <a:rPr lang="ko-KR" altLang="en-US" dirty="0" err="1"/>
+                        <a:t>플러스타민</a:t>
+                      </a:r>
+                      <a:r>
+                        <a:rPr lang="ko-KR" altLang="en-US" dirty="0"/>
+                        <a:t> </a:t>
+                      </a:r>
+                      <a:r>
+                        <a:rPr lang="en-US" altLang="ko-KR" dirty="0"/>
+                        <a:t>/2BOX</a:t>
+                      </a:r>
+                      <a:endParaRPr lang="ko-KR" altLang="en-US" dirty="0"/>
+                    </a:p>
+                  </a:txBody>
+                  <a:tcPr anchor="ctr"/>
+                </a:tc>
+                <a:tc>
+                  <a:txBody>
+                    <a:bodyPr/>
+                    <a:lstStyle/>
+                    <a:p>
+                      <a:pPr algn="ctr" latinLnBrk="1"/>
+                      <a:r>
+                        <a:rPr lang="ko-KR" altLang="en-US" dirty="0"/>
+                        <a:t>종합비타민 </a:t>
+                      </a:r>
+                      <a:r>
+                        <a:rPr lang="ko-KR" altLang="en-US" dirty="0" err="1"/>
+                        <a:t>플러스타민</a:t>
+                      </a:r>
+                      <a:r>
+                        <a:rPr lang="ko-KR" altLang="en-US" dirty="0"/>
+                        <a:t> </a:t>
+                      </a:r>
+                      <a:r>
+                        <a:rPr lang="en-US" altLang="ko-KR" dirty="0"/>
+                        <a:t>2BOX</a:t>
+                      </a:r>
+                      <a:endParaRPr lang="ko-KR" altLang="en-US" dirty="0"/>
+                    </a:p>
+                  </a:txBody>
+                  <a:tcPr anchor="ctr"/>
+                </a:tc>
+                <a:tc>
+                  <a:txBody>
+                    <a:bodyPr/>
+                    <a:lstStyle/>
+                    <a:p>
+                      <a:pPr algn="ctr" latinLnBrk="1"/>
+                      <a:r>
+                        <a:rPr lang="en-US" altLang="ko-KR" dirty="0"/>
+                        <a:t>http://item.gmarket.co.kr/Item?goodscode=1817979588</a:t>
+                      </a:r>
+                      <a:endParaRPr lang="ko-KR" altLang="en-US" dirty="0"/>
+                    </a:p>
+                  </a:txBody>
+                  <a:tcPr anchor="ctr"/>
+                </a:tc>
+                <a:extLst>
+                  <a:ext uri="{0D108BD9-81ED-4DB2-BD59-A6C34878D82A}">
+                    <a16:rowId xmlns:a16="http://schemas.microsoft.com/office/drawing/2014/main" val="3876236624"/>
+                  </a:ext>
+                </a:extLst>
+              </a:tr>
+            </a:tbl>
+          </a:graphicData>
+        </a:graphic>
+      </p:graphicFrame>
     </p:spTree>
   </p:cSld>
   <p:clrMapOvr>
